--- a/Documents/Milestone 1 presentation.pptx
+++ b/Documents/Milestone 1 presentation.pptx
@@ -2,12 +2,21 @@
 <file path=ppt/presentation.xml><?xml version="1.0" encoding="utf-8"?>
 <p:presentation xmlns:a="http://schemas.openxmlformats.org/drawingml/2006/main" xmlns:r="http://schemas.openxmlformats.org/officeDocument/2006/relationships" xmlns:p="http://schemas.openxmlformats.org/presentationml/2006/main" saveSubsetFonts="1">
   <p:sldMasterIdLst>
-    <p:sldMasterId id="2147483648" r:id="rId1"/>
+    <p:sldMasterId id="2147483672" r:id="rId1"/>
   </p:sldMasterIdLst>
   <p:sldIdLst>
     <p:sldId id="256" r:id="rId2"/>
+    <p:sldId id="257" r:id="rId3"/>
+    <p:sldId id="266" r:id="rId4"/>
+    <p:sldId id="258" r:id="rId5"/>
+    <p:sldId id="259" r:id="rId6"/>
+    <p:sldId id="260" r:id="rId7"/>
+    <p:sldId id="262" r:id="rId8"/>
+    <p:sldId id="263" r:id="rId9"/>
+    <p:sldId id="264" r:id="rId10"/>
+    <p:sldId id="265" r:id="rId11"/>
   </p:sldIdLst>
-  <p:sldSz cx="9144000" cy="6858000" type="screen4x3"/>
+  <p:sldSz cx="12192000" cy="6858000"/>
   <p:notesSz cx="6858000" cy="9144000"/>
   <p:defaultTextStyle>
     <a:defPPr>
@@ -104,6 +113,22 @@
       </a:defRPr>
     </a:lvl9pPr>
   </p:defaultTextStyle>
+  <p:extLst>
+    <p:ext uri="{EFAFB233-063F-42B5-8137-9DF3F51BA10A}">
+      <p15:sldGuideLst xmlns:p15="http://schemas.microsoft.com/office/powerpoint/2012/main">
+        <p15:guide id="1" orient="horz" pos="2160">
+          <p15:clr>
+            <a:srgbClr val="A4A3A4"/>
+          </p15:clr>
+        </p15:guide>
+        <p15:guide id="2" pos="3840">
+          <p15:clr>
+            <a:srgbClr val="A4A3A4"/>
+          </p15:clr>
+        </p15:guide>
+      </p15:sldGuideLst>
+    </p:ext>
+  </p:extLst>
 </p:presentation>
 </file>
 
@@ -126,7 +151,7 @@
       </p:grpSpPr>
       <p:sp>
         <p:nvSpPr>
-          <p:cNvPr id="2" name="Title 1"/>
+          <p:cNvPr id="8" name="Title 7"/>
           <p:cNvSpPr>
             <a:spLocks noGrp="1"/>
           </p:cNvSpPr>
@@ -136,25 +161,141 @@
         </p:nvSpPr>
         <p:spPr>
           <a:xfrm>
-            <a:off x="685800" y="2130425"/>
-            <a:ext cx="7772400" cy="1470025"/>
+            <a:off x="562707" y="1371600"/>
+            <a:ext cx="10972800" cy="1828800"/>
           </a:xfrm>
         </p:spPr>
         <p:txBody>
+          <a:bodyPr vert="horz" lIns="45720" tIns="0" rIns="45720" bIns="0" anchor="b">
+            <a:normAutofit/>
+            <a:scene3d>
+              <a:camera prst="orthographicFront"/>
+              <a:lightRig rig="soft" dir="t">
+                <a:rot lat="0" lon="0" rev="17220000"/>
+              </a:lightRig>
+            </a:scene3d>
+            <a:sp3d prstMaterial="softEdge">
+              <a:bevelT w="38100" h="38100"/>
+            </a:sp3d>
+          </a:bodyPr>
+          <a:lstStyle>
+            <a:lvl1pPr>
+              <a:defRPr sz="4800" b="1" cap="all" baseline="0">
+                <a:ln w="6350">
+                  <a:noFill/>
+                </a:ln>
+                <a:gradFill>
+                  <a:gsLst>
+                    <a:gs pos="0">
+                      <a:schemeClr val="accent1">
+                        <a:tint val="73000"/>
+                        <a:satMod val="145000"/>
+                      </a:schemeClr>
+                    </a:gs>
+                    <a:gs pos="73000">
+                      <a:schemeClr val="accent1">
+                        <a:tint val="73000"/>
+                        <a:satMod val="145000"/>
+                      </a:schemeClr>
+                    </a:gs>
+                    <a:gs pos="100000">
+                      <a:schemeClr val="accent1">
+                        <a:tint val="83000"/>
+                        <a:satMod val="143000"/>
+                      </a:schemeClr>
+                    </a:gs>
+                  </a:gsLst>
+                  <a:lin ang="4800000" scaled="1"/>
+                </a:gradFill>
+                <a:effectLst>
+                  <a:outerShdw blurRad="127000" dist="200000" dir="2700000" algn="tl" rotWithShape="0">
+                    <a:srgbClr val="000000">
+                      <a:alpha val="30000"/>
+                    </a:srgbClr>
+                  </a:outerShdw>
+                </a:effectLst>
+              </a:defRPr>
+            </a:lvl1pPr>
+          </a:lstStyle>
+          <a:p>
+            <a:r>
+              <a:rPr kumimoji="0" lang="en-US" smtClean="0"/>
+              <a:t>Click to edit Master title style</a:t>
+            </a:r>
+            <a:endParaRPr kumimoji="0" lang="en-US"/>
+          </a:p>
+        </p:txBody>
+      </p:sp>
+      <p:sp>
+        <p:nvSpPr>
+          <p:cNvPr id="28" name="Date Placeholder 27"/>
+          <p:cNvSpPr>
+            <a:spLocks noGrp="1"/>
+          </p:cNvSpPr>
+          <p:nvPr>
+            <p:ph type="dt" sz="half" idx="10"/>
+          </p:nvPr>
+        </p:nvSpPr>
+        <p:spPr/>
+        <p:txBody>
           <a:bodyPr/>
           <a:lstStyle/>
           <a:p>
-            <a:r>
-              <a:rPr lang="en-US" smtClean="0"/>
-              <a:t>Click to edit Master title style</a:t>
-            </a:r>
+            <a:fld id="{3F35B033-0387-4885-861A-442D43D51E29}" type="datetimeFigureOut">
+              <a:rPr lang="en-US" smtClean="0"/>
+              <a:pPr/>
+              <a:t>2/18/2014</a:t>
+            </a:fld>
             <a:endParaRPr lang="en-US"/>
           </a:p>
         </p:txBody>
       </p:sp>
       <p:sp>
         <p:nvSpPr>
-          <p:cNvPr id="3" name="Subtitle 2"/>
+          <p:cNvPr id="17" name="Footer Placeholder 16"/>
+          <p:cNvSpPr>
+            <a:spLocks noGrp="1"/>
+          </p:cNvSpPr>
+          <p:nvPr>
+            <p:ph type="ftr" sz="quarter" idx="11"/>
+          </p:nvPr>
+        </p:nvSpPr>
+        <p:spPr/>
+        <p:txBody>
+          <a:bodyPr/>
+          <a:lstStyle/>
+          <a:p>
+            <a:endParaRPr lang="en-US"/>
+          </a:p>
+        </p:txBody>
+      </p:sp>
+      <p:sp>
+        <p:nvSpPr>
+          <p:cNvPr id="29" name="Slide Number Placeholder 28"/>
+          <p:cNvSpPr>
+            <a:spLocks noGrp="1"/>
+          </p:cNvSpPr>
+          <p:nvPr>
+            <p:ph type="sldNum" sz="quarter" idx="12"/>
+          </p:nvPr>
+        </p:nvSpPr>
+        <p:spPr/>
+        <p:txBody>
+          <a:bodyPr/>
+          <a:lstStyle/>
+          <a:p>
+            <a:fld id="{919A7726-EC94-432D-A95F-C21D771AFD18}" type="slidenum">
+              <a:rPr lang="en-US" smtClean="0"/>
+              <a:pPr/>
+              <a:t>‹#›</a:t>
+            </a:fld>
+            <a:endParaRPr lang="en-US"/>
+          </a:p>
+        </p:txBody>
+      </p:sp>
+      <p:sp>
+        <p:nvSpPr>
+          <p:cNvPr id="9" name="Subtitle 8"/>
           <p:cNvSpPr>
             <a:spLocks noGrp="1"/>
           </p:cNvSpPr>
@@ -164,8 +305,8 @@
         </p:nvSpPr>
         <p:spPr>
           <a:xfrm>
-            <a:off x="1371600" y="3886200"/>
-            <a:ext cx="6400800" cy="1752600"/>
+            <a:off x="1828800" y="3331698"/>
+            <a:ext cx="8534400" cy="1752600"/>
           </a:xfrm>
         </p:spPr>
         <p:txBody>
@@ -175,164 +316,41 @@
               <a:buNone/>
               <a:defRPr>
                 <a:solidFill>
-                  <a:schemeClr val="tx1">
-                    <a:tint val="75000"/>
-                  </a:schemeClr>
+                  <a:schemeClr val="tx1"/>
                 </a:solidFill>
               </a:defRPr>
             </a:lvl1pPr>
             <a:lvl2pPr marL="457200" indent="0" algn="ctr">
               <a:buNone/>
-              <a:defRPr>
-                <a:solidFill>
-                  <a:schemeClr val="tx1">
-                    <a:tint val="75000"/>
-                  </a:schemeClr>
-                </a:solidFill>
-              </a:defRPr>
             </a:lvl2pPr>
             <a:lvl3pPr marL="914400" indent="0" algn="ctr">
               <a:buNone/>
-              <a:defRPr>
-                <a:solidFill>
-                  <a:schemeClr val="tx1">
-                    <a:tint val="75000"/>
-                  </a:schemeClr>
-                </a:solidFill>
-              </a:defRPr>
             </a:lvl3pPr>
             <a:lvl4pPr marL="1371600" indent="0" algn="ctr">
               <a:buNone/>
-              <a:defRPr>
-                <a:solidFill>
-                  <a:schemeClr val="tx1">
-                    <a:tint val="75000"/>
-                  </a:schemeClr>
-                </a:solidFill>
-              </a:defRPr>
             </a:lvl4pPr>
             <a:lvl5pPr marL="1828800" indent="0" algn="ctr">
               <a:buNone/>
-              <a:defRPr>
-                <a:solidFill>
-                  <a:schemeClr val="tx1">
-                    <a:tint val="75000"/>
-                  </a:schemeClr>
-                </a:solidFill>
-              </a:defRPr>
             </a:lvl5pPr>
             <a:lvl6pPr marL="2286000" indent="0" algn="ctr">
               <a:buNone/>
-              <a:defRPr>
-                <a:solidFill>
-                  <a:schemeClr val="tx1">
-                    <a:tint val="75000"/>
-                  </a:schemeClr>
-                </a:solidFill>
-              </a:defRPr>
             </a:lvl6pPr>
             <a:lvl7pPr marL="2743200" indent="0" algn="ctr">
               <a:buNone/>
-              <a:defRPr>
-                <a:solidFill>
-                  <a:schemeClr val="tx1">
-                    <a:tint val="75000"/>
-                  </a:schemeClr>
-                </a:solidFill>
-              </a:defRPr>
             </a:lvl7pPr>
             <a:lvl8pPr marL="3200400" indent="0" algn="ctr">
               <a:buNone/>
-              <a:defRPr>
-                <a:solidFill>
-                  <a:schemeClr val="tx1">
-                    <a:tint val="75000"/>
-                  </a:schemeClr>
-                </a:solidFill>
-              </a:defRPr>
             </a:lvl8pPr>
             <a:lvl9pPr marL="3657600" indent="0" algn="ctr">
               <a:buNone/>
-              <a:defRPr>
-                <a:solidFill>
-                  <a:schemeClr val="tx1">
-                    <a:tint val="75000"/>
-                  </a:schemeClr>
-                </a:solidFill>
-              </a:defRPr>
             </a:lvl9pPr>
           </a:lstStyle>
           <a:p>
             <a:r>
-              <a:rPr lang="en-US" smtClean="0"/>
+              <a:rPr kumimoji="0" lang="en-US" smtClean="0"/>
               <a:t>Click to edit Master subtitle style</a:t>
             </a:r>
-            <a:endParaRPr lang="en-US"/>
-          </a:p>
-        </p:txBody>
-      </p:sp>
-      <p:sp>
-        <p:nvSpPr>
-          <p:cNvPr id="4" name="Date Placeholder 3"/>
-          <p:cNvSpPr>
-            <a:spLocks noGrp="1"/>
-          </p:cNvSpPr>
-          <p:nvPr>
-            <p:ph type="dt" sz="half" idx="10"/>
-          </p:nvPr>
-        </p:nvSpPr>
-        <p:spPr/>
-        <p:txBody>
-          <a:bodyPr/>
-          <a:lstStyle/>
-          <a:p>
-            <a:fld id="{E5730DFC-0991-4D62-AB15-780AC949635B}" type="datetimeFigureOut">
-              <a:rPr lang="en-US" smtClean="0"/>
-              <a:t>2/18/2014</a:t>
-            </a:fld>
-            <a:endParaRPr lang="en-US"/>
-          </a:p>
-        </p:txBody>
-      </p:sp>
-      <p:sp>
-        <p:nvSpPr>
-          <p:cNvPr id="5" name="Footer Placeholder 4"/>
-          <p:cNvSpPr>
-            <a:spLocks noGrp="1"/>
-          </p:cNvSpPr>
-          <p:nvPr>
-            <p:ph type="ftr" sz="quarter" idx="11"/>
-          </p:nvPr>
-        </p:nvSpPr>
-        <p:spPr/>
-        <p:txBody>
-          <a:bodyPr/>
-          <a:lstStyle/>
-          <a:p>
-            <a:endParaRPr lang="en-US"/>
-          </a:p>
-        </p:txBody>
-      </p:sp>
-      <p:sp>
-        <p:nvSpPr>
-          <p:cNvPr id="6" name="Slide Number Placeholder 5"/>
-          <p:cNvSpPr>
-            <a:spLocks noGrp="1"/>
-          </p:cNvSpPr>
-          <p:nvPr>
-            <p:ph type="sldNum" sz="quarter" idx="12"/>
-          </p:nvPr>
-        </p:nvSpPr>
-        <p:spPr/>
-        <p:txBody>
-          <a:bodyPr/>
-          <a:lstStyle/>
-          <a:p>
-            <a:fld id="{634B7018-611C-4EF9-8C76-EC7C6EE6CBF8}" type="slidenum">
-              <a:rPr lang="en-US" smtClean="0"/>
-              <a:t>‹#›</a:t>
-            </a:fld>
-            <a:endParaRPr lang="en-US"/>
+            <a:endParaRPr kumimoji="0" lang="en-US"/>
           </a:p>
         </p:txBody>
       </p:sp>
@@ -377,10 +395,10 @@
           <a:lstStyle/>
           <a:p>
             <a:r>
-              <a:rPr lang="en-US" smtClean="0"/>
+              <a:rPr kumimoji="0" lang="en-US" smtClean="0"/>
               <a:t>Click to edit Master title style</a:t>
             </a:r>
-            <a:endParaRPr lang="en-US"/>
+            <a:endParaRPr kumimoji="0" lang="en-US"/>
           </a:p>
         </p:txBody>
       </p:sp>
@@ -399,40 +417,40 @@
           <a:bodyPr vert="eaVert"/>
           <a:lstStyle/>
           <a:p>
-            <a:pPr lvl="0"/>
+            <a:pPr lvl="0" eaLnBrk="1" latinLnBrk="0" hangingPunct="1"/>
             <a:r>
               <a:rPr lang="en-US" smtClean="0"/>
               <a:t>Click to edit Master text styles</a:t>
             </a:r>
           </a:p>
           <a:p>
-            <a:pPr lvl="1"/>
+            <a:pPr lvl="1" eaLnBrk="1" latinLnBrk="0" hangingPunct="1"/>
             <a:r>
               <a:rPr lang="en-US" smtClean="0"/>
               <a:t>Second level</a:t>
             </a:r>
           </a:p>
           <a:p>
-            <a:pPr lvl="2"/>
+            <a:pPr lvl="2" eaLnBrk="1" latinLnBrk="0" hangingPunct="1"/>
             <a:r>
               <a:rPr lang="en-US" smtClean="0"/>
               <a:t>Third level</a:t>
             </a:r>
           </a:p>
           <a:p>
-            <a:pPr lvl="3"/>
+            <a:pPr lvl="3" eaLnBrk="1" latinLnBrk="0" hangingPunct="1"/>
             <a:r>
               <a:rPr lang="en-US" smtClean="0"/>
               <a:t>Fourth level</a:t>
             </a:r>
           </a:p>
           <a:p>
-            <a:pPr lvl="4"/>
+            <a:pPr lvl="4" eaLnBrk="1" latinLnBrk="0" hangingPunct="1"/>
             <a:r>
               <a:rPr lang="en-US" smtClean="0"/>
               <a:t>Fifth level</a:t>
             </a:r>
-            <a:endParaRPr lang="en-US"/>
+            <a:endParaRPr kumimoji="0" lang="en-US"/>
           </a:p>
         </p:txBody>
       </p:sp>
@@ -451,8 +469,9 @@
           <a:bodyPr/>
           <a:lstStyle/>
           <a:p>
-            <a:fld id="{E5730DFC-0991-4D62-AB15-780AC949635B}" type="datetimeFigureOut">
-              <a:rPr lang="en-US" smtClean="0"/>
+            <a:fld id="{3F35B033-0387-4885-861A-442D43D51E29}" type="datetimeFigureOut">
+              <a:rPr lang="en-US" smtClean="0"/>
+              <a:pPr/>
               <a:t>2/18/2014</a:t>
             </a:fld>
             <a:endParaRPr lang="en-US"/>
@@ -493,8 +512,9 @@
           <a:bodyPr/>
           <a:lstStyle/>
           <a:p>
-            <a:fld id="{634B7018-611C-4EF9-8C76-EC7C6EE6CBF8}" type="slidenum">
-              <a:rPr lang="en-US" smtClean="0"/>
+            <a:fld id="{919A7726-EC94-432D-A95F-C21D771AFD18}" type="slidenum">
+              <a:rPr lang="en-US" smtClean="0"/>
+              <a:pPr/>
               <a:t>‹#›</a:t>
             </a:fld>
             <a:endParaRPr lang="en-US"/>
@@ -538,8 +558,8 @@
         </p:nvSpPr>
         <p:spPr>
           <a:xfrm>
-            <a:off x="6629400" y="274638"/>
-            <a:ext cx="2057400" cy="5851525"/>
+            <a:off x="8839200" y="274639"/>
+            <a:ext cx="2743200" cy="5851525"/>
           </a:xfrm>
         </p:spPr>
         <p:txBody>
@@ -547,10 +567,10 @@
           <a:lstStyle/>
           <a:p>
             <a:r>
-              <a:rPr lang="en-US" smtClean="0"/>
+              <a:rPr kumimoji="0" lang="en-US" smtClean="0"/>
               <a:t>Click to edit Master title style</a:t>
             </a:r>
-            <a:endParaRPr lang="en-US"/>
+            <a:endParaRPr kumimoji="0" lang="en-US"/>
           </a:p>
         </p:txBody>
       </p:sp>
@@ -566,48 +586,48 @@
         </p:nvSpPr>
         <p:spPr>
           <a:xfrm>
-            <a:off x="457200" y="274638"/>
-            <a:ext cx="6019800" cy="5851525"/>
+            <a:off x="609600" y="274639"/>
+            <a:ext cx="8026400" cy="5851525"/>
           </a:xfrm>
         </p:spPr>
         <p:txBody>
           <a:bodyPr vert="eaVert"/>
           <a:lstStyle/>
           <a:p>
-            <a:pPr lvl="0"/>
+            <a:pPr lvl="0" eaLnBrk="1" latinLnBrk="0" hangingPunct="1"/>
             <a:r>
               <a:rPr lang="en-US" smtClean="0"/>
               <a:t>Click to edit Master text styles</a:t>
             </a:r>
           </a:p>
           <a:p>
-            <a:pPr lvl="1"/>
+            <a:pPr lvl="1" eaLnBrk="1" latinLnBrk="0" hangingPunct="1"/>
             <a:r>
               <a:rPr lang="en-US" smtClean="0"/>
               <a:t>Second level</a:t>
             </a:r>
           </a:p>
           <a:p>
-            <a:pPr lvl="2"/>
+            <a:pPr lvl="2" eaLnBrk="1" latinLnBrk="0" hangingPunct="1"/>
             <a:r>
               <a:rPr lang="en-US" smtClean="0"/>
               <a:t>Third level</a:t>
             </a:r>
           </a:p>
           <a:p>
-            <a:pPr lvl="3"/>
+            <a:pPr lvl="3" eaLnBrk="1" latinLnBrk="0" hangingPunct="1"/>
             <a:r>
               <a:rPr lang="en-US" smtClean="0"/>
               <a:t>Fourth level</a:t>
             </a:r>
           </a:p>
           <a:p>
-            <a:pPr lvl="4"/>
+            <a:pPr lvl="4" eaLnBrk="1" latinLnBrk="0" hangingPunct="1"/>
             <a:r>
               <a:rPr lang="en-US" smtClean="0"/>
               <a:t>Fifth level</a:t>
             </a:r>
-            <a:endParaRPr lang="en-US"/>
+            <a:endParaRPr kumimoji="0" lang="en-US"/>
           </a:p>
         </p:txBody>
       </p:sp>
@@ -626,8 +646,9 @@
           <a:bodyPr/>
           <a:lstStyle/>
           <a:p>
-            <a:fld id="{E5730DFC-0991-4D62-AB15-780AC949635B}" type="datetimeFigureOut">
-              <a:rPr lang="en-US" smtClean="0"/>
+            <a:fld id="{3F35B033-0387-4885-861A-442D43D51E29}" type="datetimeFigureOut">
+              <a:rPr lang="en-US" smtClean="0"/>
+              <a:pPr/>
               <a:t>2/18/2014</a:t>
             </a:fld>
             <a:endParaRPr lang="en-US"/>
@@ -668,8 +689,9 @@
           <a:bodyPr/>
           <a:lstStyle/>
           <a:p>
-            <a:fld id="{634B7018-611C-4EF9-8C76-EC7C6EE6CBF8}" type="slidenum">
-              <a:rPr lang="en-US" smtClean="0"/>
+            <a:fld id="{919A7726-EC94-432D-A95F-C21D771AFD18}" type="slidenum">
+              <a:rPr lang="en-US" smtClean="0"/>
+              <a:pPr/>
               <a:t>‹#›</a:t>
             </a:fld>
             <a:endParaRPr lang="en-US"/>
@@ -717,10 +739,10 @@
           <a:lstStyle/>
           <a:p>
             <a:r>
-              <a:rPr lang="en-US" smtClean="0"/>
+              <a:rPr kumimoji="0" lang="en-US" smtClean="0"/>
               <a:t>Click to edit Master title style</a:t>
             </a:r>
-            <a:endParaRPr lang="en-US"/>
+            <a:endParaRPr kumimoji="0" lang="en-US"/>
           </a:p>
         </p:txBody>
       </p:sp>
@@ -739,40 +761,40 @@
           <a:bodyPr/>
           <a:lstStyle/>
           <a:p>
-            <a:pPr lvl="0"/>
+            <a:pPr lvl="0" eaLnBrk="1" latinLnBrk="0" hangingPunct="1"/>
             <a:r>
               <a:rPr lang="en-US" smtClean="0"/>
               <a:t>Click to edit Master text styles</a:t>
             </a:r>
           </a:p>
           <a:p>
-            <a:pPr lvl="1"/>
+            <a:pPr lvl="1" eaLnBrk="1" latinLnBrk="0" hangingPunct="1"/>
             <a:r>
               <a:rPr lang="en-US" smtClean="0"/>
               <a:t>Second level</a:t>
             </a:r>
           </a:p>
           <a:p>
-            <a:pPr lvl="2"/>
+            <a:pPr lvl="2" eaLnBrk="1" latinLnBrk="0" hangingPunct="1"/>
             <a:r>
               <a:rPr lang="en-US" smtClean="0"/>
               <a:t>Third level</a:t>
             </a:r>
           </a:p>
           <a:p>
-            <a:pPr lvl="3"/>
+            <a:pPr lvl="3" eaLnBrk="1" latinLnBrk="0" hangingPunct="1"/>
             <a:r>
               <a:rPr lang="en-US" smtClean="0"/>
               <a:t>Fourth level</a:t>
             </a:r>
           </a:p>
           <a:p>
-            <a:pPr lvl="4"/>
+            <a:pPr lvl="4" eaLnBrk="1" latinLnBrk="0" hangingPunct="1"/>
             <a:r>
               <a:rPr lang="en-US" smtClean="0"/>
               <a:t>Fifth level</a:t>
             </a:r>
-            <a:endParaRPr lang="en-US"/>
+            <a:endParaRPr kumimoji="0" lang="en-US"/>
           </a:p>
         </p:txBody>
       </p:sp>
@@ -791,8 +813,9 @@
           <a:bodyPr/>
           <a:lstStyle/>
           <a:p>
-            <a:fld id="{E5730DFC-0991-4D62-AB15-780AC949635B}" type="datetimeFigureOut">
-              <a:rPr lang="en-US" smtClean="0"/>
+            <a:fld id="{3F35B033-0387-4885-861A-442D43D51E29}" type="datetimeFigureOut">
+              <a:rPr lang="en-US" smtClean="0"/>
+              <a:pPr/>
               <a:t>2/18/2014</a:t>
             </a:fld>
             <a:endParaRPr lang="en-US"/>
@@ -833,8 +856,9 @@
           <a:bodyPr/>
           <a:lstStyle/>
           <a:p>
-            <a:fld id="{634B7018-611C-4EF9-8C76-EC7C6EE6CBF8}" type="slidenum">
-              <a:rPr lang="en-US" smtClean="0"/>
+            <a:fld id="{919A7726-EC94-432D-A95F-C21D771AFD18}" type="slidenum">
+              <a:rPr lang="en-US" smtClean="0"/>
+              <a:pPr/>
               <a:t>‹#›</a:t>
             </a:fld>
             <a:endParaRPr lang="en-US"/>
@@ -852,6 +876,11 @@
 <file path=ppt/slideLayouts/slideLayout3.xml><?xml version="1.0" encoding="utf-8"?>
 <p:sldLayout xmlns:a="http://schemas.openxmlformats.org/drawingml/2006/main" xmlns:r="http://schemas.openxmlformats.org/officeDocument/2006/relationships" xmlns:p="http://schemas.openxmlformats.org/presentationml/2006/main" type="secHead" preserve="1">
   <p:cSld name="Section Header">
+    <p:bg>
+      <p:bgRef idx="1003">
+        <a:schemeClr val="bg2"/>
+      </p:bgRef>
+    </p:bg>
     <p:spTree>
       <p:nvGrpSpPr>
         <p:cNvPr id="1" name=""/>
@@ -878,56 +907,94 @@
         </p:nvSpPr>
         <p:spPr>
           <a:xfrm>
-            <a:off x="722313" y="4406900"/>
-            <a:ext cx="7772400" cy="1362075"/>
+            <a:off x="2133600" y="609600"/>
+            <a:ext cx="9448800" cy="1828800"/>
           </a:xfrm>
         </p:spPr>
         <p:txBody>
+          <a:bodyPr vert="horz" bIns="0" anchor="b">
+            <a:noAutofit/>
+            <a:scene3d>
+              <a:camera prst="orthographicFront"/>
+              <a:lightRig rig="soft" dir="t">
+                <a:rot lat="0" lon="0" rev="17220000"/>
+              </a:lightRig>
+            </a:scene3d>
+            <a:sp3d prstMaterial="softEdge">
+              <a:bevelT w="38100" h="38100"/>
+              <a:contourClr>
+                <a:schemeClr val="tx2">
+                  <a:shade val="50000"/>
+                </a:schemeClr>
+              </a:contourClr>
+            </a:sp3d>
+          </a:bodyPr>
+          <a:lstStyle>
+            <a:lvl1pPr algn="l" rtl="0">
+              <a:spcBef>
+                <a:spcPct val="0"/>
+              </a:spcBef>
+              <a:buNone/>
+              <a:defRPr sz="4800" b="1" cap="none" baseline="0">
+                <a:ln w="6350">
+                  <a:noFill/>
+                </a:ln>
+                <a:solidFill>
+                  <a:schemeClr val="accent1">
+                    <a:tint val="90000"/>
+                    <a:satMod val="120000"/>
+                  </a:schemeClr>
+                </a:solidFill>
+                <a:effectLst>
+                  <a:outerShdw blurRad="114300" dist="101600" dir="2700000" algn="tl" rotWithShape="0">
+                    <a:srgbClr val="000000">
+                      <a:alpha val="40000"/>
+                    </a:srgbClr>
+                  </a:outerShdw>
+                </a:effectLst>
+                <a:latin typeface="+mj-lt"/>
+                <a:ea typeface="+mj-ea"/>
+                <a:cs typeface="+mj-cs"/>
+              </a:defRPr>
+            </a:lvl1pPr>
+          </a:lstStyle>
+          <a:p>
+            <a:r>
+              <a:rPr kumimoji="0" lang="en-US" smtClean="0"/>
+              <a:t>Click to edit Master title style</a:t>
+            </a:r>
+            <a:endParaRPr kumimoji="0" lang="en-US"/>
+          </a:p>
+        </p:txBody>
+      </p:sp>
+      <p:sp>
+        <p:nvSpPr>
+          <p:cNvPr id="3" name="Text Placeholder 2"/>
+          <p:cNvSpPr>
+            <a:spLocks noGrp="1"/>
+          </p:cNvSpPr>
+          <p:nvPr>
+            <p:ph type="body" idx="1"/>
+          </p:nvPr>
+        </p:nvSpPr>
+        <p:spPr>
+          <a:xfrm>
+            <a:off x="2133600" y="2507786"/>
+            <a:ext cx="9448800" cy="1509712"/>
+          </a:xfrm>
+        </p:spPr>
+        <p:txBody>
           <a:bodyPr anchor="t"/>
           <a:lstStyle>
-            <a:lvl1pPr algn="l">
-              <a:defRPr sz="4000" b="1" cap="all"/>
-            </a:lvl1pPr>
-          </a:lstStyle>
-          <a:p>
-            <a:r>
-              <a:rPr lang="en-US" smtClean="0"/>
-              <a:t>Click to edit Master title style</a:t>
-            </a:r>
-            <a:endParaRPr lang="en-US"/>
-          </a:p>
-        </p:txBody>
-      </p:sp>
-      <p:sp>
-        <p:nvSpPr>
-          <p:cNvPr id="3" name="Text Placeholder 2"/>
-          <p:cNvSpPr>
-            <a:spLocks noGrp="1"/>
-          </p:cNvSpPr>
-          <p:nvPr>
-            <p:ph type="body" idx="1"/>
-          </p:nvPr>
-        </p:nvSpPr>
-        <p:spPr>
-          <a:xfrm>
-            <a:off x="722313" y="2906713"/>
-            <a:ext cx="7772400" cy="1500187"/>
-          </a:xfrm>
-        </p:spPr>
-        <p:txBody>
-          <a:bodyPr anchor="b"/>
-          <a:lstStyle>
-            <a:lvl1pPr marL="0" indent="0">
+            <a:lvl1pPr marL="73152" indent="0" algn="l">
               <a:buNone/>
               <a:defRPr sz="2000">
                 <a:solidFill>
-                  <a:schemeClr val="tx1">
-                    <a:tint val="75000"/>
-                  </a:schemeClr>
+                  <a:schemeClr val="tx1"/>
                 </a:solidFill>
               </a:defRPr>
             </a:lvl1pPr>
-            <a:lvl2pPr marL="457200" indent="0">
+            <a:lvl2pPr>
               <a:buNone/>
               <a:defRPr sz="1800">
                 <a:solidFill>
@@ -937,7 +1004,7 @@
                 </a:solidFill>
               </a:defRPr>
             </a:lvl2pPr>
-            <a:lvl3pPr marL="914400" indent="0">
+            <a:lvl3pPr>
               <a:buNone/>
               <a:defRPr sz="1600">
                 <a:solidFill>
@@ -947,7 +1014,7 @@
                 </a:solidFill>
               </a:defRPr>
             </a:lvl3pPr>
-            <a:lvl4pPr marL="1371600" indent="0">
+            <a:lvl4pPr>
               <a:buNone/>
               <a:defRPr sz="1400">
                 <a:solidFill>
@@ -957,7 +1024,7 @@
                 </a:solidFill>
               </a:defRPr>
             </a:lvl4pPr>
-            <a:lvl5pPr marL="1828800" indent="0">
+            <a:lvl5pPr>
               <a:buNone/>
               <a:defRPr sz="1400">
                 <a:solidFill>
@@ -967,51 +1034,11 @@
                 </a:solidFill>
               </a:defRPr>
             </a:lvl5pPr>
-            <a:lvl6pPr marL="2286000" indent="0">
-              <a:buNone/>
-              <a:defRPr sz="1400">
-                <a:solidFill>
-                  <a:schemeClr val="tx1">
-                    <a:tint val="75000"/>
-                  </a:schemeClr>
-                </a:solidFill>
-              </a:defRPr>
-            </a:lvl6pPr>
-            <a:lvl7pPr marL="2743200" indent="0">
-              <a:buNone/>
-              <a:defRPr sz="1400">
-                <a:solidFill>
-                  <a:schemeClr val="tx1">
-                    <a:tint val="75000"/>
-                  </a:schemeClr>
-                </a:solidFill>
-              </a:defRPr>
-            </a:lvl7pPr>
-            <a:lvl8pPr marL="3200400" indent="0">
-              <a:buNone/>
-              <a:defRPr sz="1400">
-                <a:solidFill>
-                  <a:schemeClr val="tx1">
-                    <a:tint val="75000"/>
-                  </a:schemeClr>
-                </a:solidFill>
-              </a:defRPr>
-            </a:lvl8pPr>
-            <a:lvl9pPr marL="3657600" indent="0">
-              <a:buNone/>
-              <a:defRPr sz="1400">
-                <a:solidFill>
-                  <a:schemeClr val="tx1">
-                    <a:tint val="75000"/>
-                  </a:schemeClr>
-                </a:solidFill>
-              </a:defRPr>
-            </a:lvl9pPr>
           </a:lstStyle>
           <a:p>
-            <a:pPr lvl="0"/>
-            <a:r>
-              <a:rPr lang="en-US" smtClean="0"/>
+            <a:pPr lvl="0" eaLnBrk="1" latinLnBrk="0" hangingPunct="1"/>
+            <a:r>
+              <a:rPr kumimoji="0" lang="en-US" smtClean="0"/>
               <a:t>Click to edit Master text styles</a:t>
             </a:r>
           </a:p>
@@ -1032,8 +1059,9 @@
           <a:bodyPr/>
           <a:lstStyle/>
           <a:p>
-            <a:fld id="{E5730DFC-0991-4D62-AB15-780AC949635B}" type="datetimeFigureOut">
-              <a:rPr lang="en-US" smtClean="0"/>
+            <a:fld id="{3F35B033-0387-4885-861A-442D43D51E29}" type="datetimeFigureOut">
+              <a:rPr lang="en-US" smtClean="0"/>
+              <a:pPr/>
               <a:t>2/18/2014</a:t>
             </a:fld>
             <a:endParaRPr lang="en-US"/>
@@ -1069,13 +1097,19 @@
             <p:ph type="sldNum" sz="quarter" idx="12"/>
           </p:nvPr>
         </p:nvSpPr>
-        <p:spPr/>
+        <p:spPr>
+          <a:xfrm>
+            <a:off x="10566400" y="6416676"/>
+            <a:ext cx="1016000" cy="365125"/>
+          </a:xfrm>
+        </p:spPr>
         <p:txBody>
           <a:bodyPr/>
           <a:lstStyle/>
           <a:p>
-            <a:fld id="{634B7018-611C-4EF9-8C76-EC7C6EE6CBF8}" type="slidenum">
-              <a:rPr lang="en-US" smtClean="0"/>
+            <a:fld id="{919A7726-EC94-432D-A95F-C21D771AFD18}" type="slidenum">
+              <a:rPr lang="en-US" smtClean="0"/>
+              <a:pPr/>
               <a:t>‹#›</a:t>
             </a:fld>
             <a:endParaRPr lang="en-US"/>
@@ -1085,7 +1119,7 @@
     </p:spTree>
   </p:cSld>
   <p:clrMapOvr>
-    <a:masterClrMapping/>
+    <a:overrideClrMapping bg1="dk1" tx1="lt1" bg2="dk2" tx2="lt2" accent1="accent1" accent2="accent2" accent3="accent3" accent4="accent4" accent5="accent5" accent6="accent6" hlink="hlink" folHlink="folHlink"/>
   </p:clrMapOvr>
 </p:sldLayout>
 </file>
@@ -1123,10 +1157,10 @@
           <a:lstStyle/>
           <a:p>
             <a:r>
-              <a:rPr lang="en-US" smtClean="0"/>
+              <a:rPr kumimoji="0" lang="en-US" smtClean="0"/>
               <a:t>Click to edit Master title style</a:t>
             </a:r>
-            <a:endParaRPr lang="en-US"/>
+            <a:endParaRPr kumimoji="0" lang="en-US"/>
           </a:p>
         </p:txBody>
       </p:sp>
@@ -1142,15 +1176,15 @@
         </p:nvSpPr>
         <p:spPr>
           <a:xfrm>
-            <a:off x="457200" y="1600200"/>
-            <a:ext cx="4038600" cy="4525963"/>
+            <a:off x="609600" y="1600201"/>
+            <a:ext cx="5384800" cy="4525963"/>
           </a:xfrm>
         </p:spPr>
         <p:txBody>
           <a:bodyPr/>
           <a:lstStyle>
             <a:lvl1pPr>
-              <a:defRPr sz="2800"/>
+              <a:defRPr sz="2600"/>
             </a:lvl1pPr>
             <a:lvl2pPr>
               <a:defRPr sz="2400"/>
@@ -1164,54 +1198,42 @@
             <a:lvl5pPr>
               <a:defRPr sz="1800"/>
             </a:lvl5pPr>
-            <a:lvl6pPr>
-              <a:defRPr sz="1800"/>
-            </a:lvl6pPr>
-            <a:lvl7pPr>
-              <a:defRPr sz="1800"/>
-            </a:lvl7pPr>
-            <a:lvl8pPr>
-              <a:defRPr sz="1800"/>
-            </a:lvl8pPr>
-            <a:lvl9pPr>
-              <a:defRPr sz="1800"/>
-            </a:lvl9pPr>
           </a:lstStyle>
           <a:p>
-            <a:pPr lvl="0"/>
+            <a:pPr lvl="0" eaLnBrk="1" latinLnBrk="0" hangingPunct="1"/>
             <a:r>
               <a:rPr lang="en-US" smtClean="0"/>
               <a:t>Click to edit Master text styles</a:t>
             </a:r>
           </a:p>
           <a:p>
-            <a:pPr lvl="1"/>
+            <a:pPr lvl="1" eaLnBrk="1" latinLnBrk="0" hangingPunct="1"/>
             <a:r>
               <a:rPr lang="en-US" smtClean="0"/>
               <a:t>Second level</a:t>
             </a:r>
           </a:p>
           <a:p>
-            <a:pPr lvl="2"/>
+            <a:pPr lvl="2" eaLnBrk="1" latinLnBrk="0" hangingPunct="1"/>
             <a:r>
               <a:rPr lang="en-US" smtClean="0"/>
               <a:t>Third level</a:t>
             </a:r>
           </a:p>
           <a:p>
-            <a:pPr lvl="3"/>
+            <a:pPr lvl="3" eaLnBrk="1" latinLnBrk="0" hangingPunct="1"/>
             <a:r>
               <a:rPr lang="en-US" smtClean="0"/>
               <a:t>Fourth level</a:t>
             </a:r>
           </a:p>
           <a:p>
-            <a:pPr lvl="4"/>
+            <a:pPr lvl="4" eaLnBrk="1" latinLnBrk="0" hangingPunct="1"/>
             <a:r>
               <a:rPr lang="en-US" smtClean="0"/>
               <a:t>Fifth level</a:t>
             </a:r>
-            <a:endParaRPr lang="en-US"/>
+            <a:endParaRPr kumimoji="0" lang="en-US"/>
           </a:p>
         </p:txBody>
       </p:sp>
@@ -1227,15 +1249,15 @@
         </p:nvSpPr>
         <p:spPr>
           <a:xfrm>
-            <a:off x="4648200" y="1600200"/>
-            <a:ext cx="4038600" cy="4525963"/>
+            <a:off x="6197600" y="1600201"/>
+            <a:ext cx="5384800" cy="4525963"/>
           </a:xfrm>
         </p:spPr>
         <p:txBody>
           <a:bodyPr/>
           <a:lstStyle>
             <a:lvl1pPr>
-              <a:defRPr sz="2800"/>
+              <a:defRPr sz="2600"/>
             </a:lvl1pPr>
             <a:lvl2pPr>
               <a:defRPr sz="2400"/>
@@ -1249,54 +1271,42 @@
             <a:lvl5pPr>
               <a:defRPr sz="1800"/>
             </a:lvl5pPr>
-            <a:lvl6pPr>
-              <a:defRPr sz="1800"/>
-            </a:lvl6pPr>
-            <a:lvl7pPr>
-              <a:defRPr sz="1800"/>
-            </a:lvl7pPr>
-            <a:lvl8pPr>
-              <a:defRPr sz="1800"/>
-            </a:lvl8pPr>
-            <a:lvl9pPr>
-              <a:defRPr sz="1800"/>
-            </a:lvl9pPr>
           </a:lstStyle>
           <a:p>
-            <a:pPr lvl="0"/>
+            <a:pPr lvl="0" eaLnBrk="1" latinLnBrk="0" hangingPunct="1"/>
             <a:r>
               <a:rPr lang="en-US" smtClean="0"/>
               <a:t>Click to edit Master text styles</a:t>
             </a:r>
           </a:p>
           <a:p>
-            <a:pPr lvl="1"/>
+            <a:pPr lvl="1" eaLnBrk="1" latinLnBrk="0" hangingPunct="1"/>
             <a:r>
               <a:rPr lang="en-US" smtClean="0"/>
               <a:t>Second level</a:t>
             </a:r>
           </a:p>
           <a:p>
-            <a:pPr lvl="2"/>
+            <a:pPr lvl="2" eaLnBrk="1" latinLnBrk="0" hangingPunct="1"/>
             <a:r>
               <a:rPr lang="en-US" smtClean="0"/>
               <a:t>Third level</a:t>
             </a:r>
           </a:p>
           <a:p>
-            <a:pPr lvl="3"/>
+            <a:pPr lvl="3" eaLnBrk="1" latinLnBrk="0" hangingPunct="1"/>
             <a:r>
               <a:rPr lang="en-US" smtClean="0"/>
               <a:t>Fourth level</a:t>
             </a:r>
           </a:p>
           <a:p>
-            <a:pPr lvl="4"/>
+            <a:pPr lvl="4" eaLnBrk="1" latinLnBrk="0" hangingPunct="1"/>
             <a:r>
               <a:rPr lang="en-US" smtClean="0"/>
               <a:t>Fifth level</a:t>
             </a:r>
-            <a:endParaRPr lang="en-US"/>
+            <a:endParaRPr kumimoji="0" lang="en-US"/>
           </a:p>
         </p:txBody>
       </p:sp>
@@ -1315,8 +1325,9 @@
           <a:bodyPr/>
           <a:lstStyle/>
           <a:p>
-            <a:fld id="{E5730DFC-0991-4D62-AB15-780AC949635B}" type="datetimeFigureOut">
-              <a:rPr lang="en-US" smtClean="0"/>
+            <a:fld id="{3F35B033-0387-4885-861A-442D43D51E29}" type="datetimeFigureOut">
+              <a:rPr lang="en-US" smtClean="0"/>
+              <a:pPr/>
               <a:t>2/18/2014</a:t>
             </a:fld>
             <a:endParaRPr lang="en-US"/>
@@ -1357,8 +1368,9 @@
           <a:bodyPr/>
           <a:lstStyle/>
           <a:p>
-            <a:fld id="{634B7018-611C-4EF9-8C76-EC7C6EE6CBF8}" type="slidenum">
-              <a:rPr lang="en-US" smtClean="0"/>
+            <a:fld id="{919A7726-EC94-432D-A95F-C21D771AFD18}" type="slidenum">
+              <a:rPr lang="en-US" smtClean="0"/>
+              <a:pPr/>
               <a:t>‹#›</a:t>
             </a:fld>
             <a:endParaRPr lang="en-US"/>
@@ -1400,9 +1412,14 @@
             <p:ph type="title"/>
           </p:nvPr>
         </p:nvSpPr>
-        <p:spPr/>
-        <p:txBody>
-          <a:bodyPr/>
+        <p:spPr>
+          <a:xfrm>
+            <a:off x="609600" y="273050"/>
+            <a:ext cx="10972800" cy="1143000"/>
+          </a:xfrm>
+        </p:spPr>
+        <p:txBody>
+          <a:bodyPr anchor="ctr"/>
           <a:lstStyle>
             <a:lvl1pPr>
               <a:defRPr/>
@@ -1410,10 +1427,10 @@
           </a:lstStyle>
           <a:p>
             <a:r>
-              <a:rPr lang="en-US" smtClean="0"/>
+              <a:rPr kumimoji="0" lang="en-US" smtClean="0"/>
               <a:t>Click to edit Master title style</a:t>
             </a:r>
-            <a:endParaRPr lang="en-US"/>
+            <a:endParaRPr kumimoji="0" lang="en-US"/>
           </a:p>
         </p:txBody>
       </p:sp>
@@ -1429,54 +1446,95 @@
         </p:nvSpPr>
         <p:spPr>
           <a:xfrm>
-            <a:off x="457200" y="1535113"/>
-            <a:ext cx="4040188" cy="639762"/>
+            <a:off x="609600" y="1535113"/>
+            <a:ext cx="5386917" cy="750887"/>
           </a:xfrm>
         </p:spPr>
         <p:txBody>
-          <a:bodyPr anchor="b"/>
+          <a:bodyPr anchor="ctr"/>
           <a:lstStyle>
             <a:lvl1pPr marL="0" indent="0">
               <a:buNone/>
-              <a:defRPr sz="2400" b="1"/>
+              <a:defRPr sz="2400" b="0" cap="all" baseline="0">
+                <a:solidFill>
+                  <a:schemeClr val="tx1"/>
+                </a:solidFill>
+              </a:defRPr>
             </a:lvl1pPr>
-            <a:lvl2pPr marL="457200" indent="0">
+            <a:lvl2pPr>
               <a:buNone/>
               <a:defRPr sz="2000" b="1"/>
             </a:lvl2pPr>
-            <a:lvl3pPr marL="914400" indent="0">
+            <a:lvl3pPr>
               <a:buNone/>
               <a:defRPr sz="1800" b="1"/>
             </a:lvl3pPr>
-            <a:lvl4pPr marL="1371600" indent="0">
+            <a:lvl4pPr>
               <a:buNone/>
               <a:defRPr sz="1600" b="1"/>
             </a:lvl4pPr>
-            <a:lvl5pPr marL="1828800" indent="0">
+            <a:lvl5pPr>
               <a:buNone/>
               <a:defRPr sz="1600" b="1"/>
             </a:lvl5pPr>
-            <a:lvl6pPr marL="2286000" indent="0">
+          </a:lstStyle>
+          <a:p>
+            <a:pPr lvl="0" eaLnBrk="1" latinLnBrk="0" hangingPunct="1"/>
+            <a:r>
+              <a:rPr kumimoji="0" lang="en-US" smtClean="0"/>
+              <a:t>Click to edit Master text styles</a:t>
+            </a:r>
+          </a:p>
+        </p:txBody>
+      </p:sp>
+      <p:sp>
+        <p:nvSpPr>
+          <p:cNvPr id="4" name="Text Placeholder 3"/>
+          <p:cNvSpPr>
+            <a:spLocks noGrp="1"/>
+          </p:cNvSpPr>
+          <p:nvPr>
+            <p:ph type="body" sz="half" idx="3"/>
+          </p:nvPr>
+        </p:nvSpPr>
+        <p:spPr>
+          <a:xfrm>
+            <a:off x="6193368" y="1535113"/>
+            <a:ext cx="5389033" cy="750887"/>
+          </a:xfrm>
+        </p:spPr>
+        <p:txBody>
+          <a:bodyPr anchor="ctr"/>
+          <a:lstStyle>
+            <a:lvl1pPr marL="0" indent="0">
+              <a:buNone/>
+              <a:defRPr sz="2400" b="0" cap="all" baseline="0">
+                <a:solidFill>
+                  <a:schemeClr val="tx1"/>
+                </a:solidFill>
+              </a:defRPr>
+            </a:lvl1pPr>
+            <a:lvl2pPr>
+              <a:buNone/>
+              <a:defRPr sz="2000" b="1"/>
+            </a:lvl2pPr>
+            <a:lvl3pPr>
+              <a:buNone/>
+              <a:defRPr sz="1800" b="1"/>
+            </a:lvl3pPr>
+            <a:lvl4pPr>
               <a:buNone/>
               <a:defRPr sz="1600" b="1"/>
-            </a:lvl6pPr>
-            <a:lvl7pPr marL="2743200" indent="0">
+            </a:lvl4pPr>
+            <a:lvl5pPr>
               <a:buNone/>
               <a:defRPr sz="1600" b="1"/>
-            </a:lvl7pPr>
-            <a:lvl8pPr marL="3200400" indent="0">
-              <a:buNone/>
-              <a:defRPr sz="1600" b="1"/>
-            </a:lvl8pPr>
-            <a:lvl9pPr marL="3657600" indent="0">
-              <a:buNone/>
-              <a:defRPr sz="1600" b="1"/>
-            </a:lvl9pPr>
+            </a:lvl5pPr>
           </a:lstStyle>
           <a:p>
-            <a:pPr lvl="0"/>
-            <a:r>
-              <a:rPr lang="en-US" smtClean="0"/>
+            <a:pPr lvl="0" eaLnBrk="1" latinLnBrk="0" hangingPunct="1"/>
+            <a:r>
+              <a:rPr kumimoji="0" lang="en-US" smtClean="0"/>
               <a:t>Click to edit Master text styles</a:t>
             </a:r>
           </a:p>
@@ -1484,18 +1542,18 @@
       </p:sp>
       <p:sp>
         <p:nvSpPr>
-          <p:cNvPr id="4" name="Content Placeholder 3"/>
-          <p:cNvSpPr>
-            <a:spLocks noGrp="1"/>
-          </p:cNvSpPr>
-          <p:nvPr>
-            <p:ph sz="half" idx="2"/>
+          <p:cNvPr id="5" name="Content Placeholder 4"/>
+          <p:cNvSpPr>
+            <a:spLocks noGrp="1"/>
+          </p:cNvSpPr>
+          <p:nvPr>
+            <p:ph sz="quarter" idx="2"/>
           </p:nvPr>
         </p:nvSpPr>
         <p:spPr>
           <a:xfrm>
-            <a:off x="457200" y="2174875"/>
-            <a:ext cx="4040188" cy="3951288"/>
+            <a:off x="609600" y="2362201"/>
+            <a:ext cx="5386917" cy="3763963"/>
           </a:xfrm>
         </p:spPr>
         <p:txBody>
@@ -1516,136 +1574,59 @@
             <a:lvl5pPr>
               <a:defRPr sz="1600"/>
             </a:lvl5pPr>
-            <a:lvl6pPr>
-              <a:defRPr sz="1600"/>
-            </a:lvl6pPr>
-            <a:lvl7pPr>
-              <a:defRPr sz="1600"/>
-            </a:lvl7pPr>
-            <a:lvl8pPr>
-              <a:defRPr sz="1600"/>
-            </a:lvl8pPr>
-            <a:lvl9pPr>
-              <a:defRPr sz="1600"/>
-            </a:lvl9pPr>
           </a:lstStyle>
           <a:p>
-            <a:pPr lvl="0"/>
+            <a:pPr lvl="0" eaLnBrk="1" latinLnBrk="0" hangingPunct="1"/>
             <a:r>
               <a:rPr lang="en-US" smtClean="0"/>
               <a:t>Click to edit Master text styles</a:t>
             </a:r>
           </a:p>
           <a:p>
-            <a:pPr lvl="1"/>
+            <a:pPr lvl="1" eaLnBrk="1" latinLnBrk="0" hangingPunct="1"/>
             <a:r>
               <a:rPr lang="en-US" smtClean="0"/>
               <a:t>Second level</a:t>
             </a:r>
           </a:p>
           <a:p>
-            <a:pPr lvl="2"/>
+            <a:pPr lvl="2" eaLnBrk="1" latinLnBrk="0" hangingPunct="1"/>
             <a:r>
               <a:rPr lang="en-US" smtClean="0"/>
               <a:t>Third level</a:t>
             </a:r>
           </a:p>
           <a:p>
-            <a:pPr lvl="3"/>
+            <a:pPr lvl="3" eaLnBrk="1" latinLnBrk="0" hangingPunct="1"/>
             <a:r>
               <a:rPr lang="en-US" smtClean="0"/>
               <a:t>Fourth level</a:t>
             </a:r>
           </a:p>
           <a:p>
-            <a:pPr lvl="4"/>
+            <a:pPr lvl="4" eaLnBrk="1" latinLnBrk="0" hangingPunct="1"/>
             <a:r>
               <a:rPr lang="en-US" smtClean="0"/>
               <a:t>Fifth level</a:t>
             </a:r>
-            <a:endParaRPr lang="en-US"/>
-          </a:p>
-        </p:txBody>
-      </p:sp>
-      <p:sp>
-        <p:nvSpPr>
-          <p:cNvPr id="5" name="Text Placeholder 4"/>
-          <p:cNvSpPr>
-            <a:spLocks noGrp="1"/>
-          </p:cNvSpPr>
-          <p:nvPr>
-            <p:ph type="body" sz="quarter" idx="3"/>
+            <a:endParaRPr kumimoji="0" lang="en-US"/>
+          </a:p>
+        </p:txBody>
+      </p:sp>
+      <p:sp>
+        <p:nvSpPr>
+          <p:cNvPr id="6" name="Content Placeholder 5"/>
+          <p:cNvSpPr>
+            <a:spLocks noGrp="1"/>
+          </p:cNvSpPr>
+          <p:nvPr>
+            <p:ph sz="quarter" idx="4"/>
           </p:nvPr>
         </p:nvSpPr>
         <p:spPr>
           <a:xfrm>
-            <a:off x="4645025" y="1535113"/>
-            <a:ext cx="4041775" cy="639762"/>
-          </a:xfrm>
-        </p:spPr>
-        <p:txBody>
-          <a:bodyPr anchor="b"/>
-          <a:lstStyle>
-            <a:lvl1pPr marL="0" indent="0">
-              <a:buNone/>
-              <a:defRPr sz="2400" b="1"/>
-            </a:lvl1pPr>
-            <a:lvl2pPr marL="457200" indent="0">
-              <a:buNone/>
-              <a:defRPr sz="2000" b="1"/>
-            </a:lvl2pPr>
-            <a:lvl3pPr marL="914400" indent="0">
-              <a:buNone/>
-              <a:defRPr sz="1800" b="1"/>
-            </a:lvl3pPr>
-            <a:lvl4pPr marL="1371600" indent="0">
-              <a:buNone/>
-              <a:defRPr sz="1600" b="1"/>
-            </a:lvl4pPr>
-            <a:lvl5pPr marL="1828800" indent="0">
-              <a:buNone/>
-              <a:defRPr sz="1600" b="1"/>
-            </a:lvl5pPr>
-            <a:lvl6pPr marL="2286000" indent="0">
-              <a:buNone/>
-              <a:defRPr sz="1600" b="1"/>
-            </a:lvl6pPr>
-            <a:lvl7pPr marL="2743200" indent="0">
-              <a:buNone/>
-              <a:defRPr sz="1600" b="1"/>
-            </a:lvl7pPr>
-            <a:lvl8pPr marL="3200400" indent="0">
-              <a:buNone/>
-              <a:defRPr sz="1600" b="1"/>
-            </a:lvl8pPr>
-            <a:lvl9pPr marL="3657600" indent="0">
-              <a:buNone/>
-              <a:defRPr sz="1600" b="1"/>
-            </a:lvl9pPr>
-          </a:lstStyle>
-          <a:p>
-            <a:pPr lvl="0"/>
-            <a:r>
-              <a:rPr lang="en-US" smtClean="0"/>
-              <a:t>Click to edit Master text styles</a:t>
-            </a:r>
-          </a:p>
-        </p:txBody>
-      </p:sp>
-      <p:sp>
-        <p:nvSpPr>
-          <p:cNvPr id="6" name="Content Placeholder 5"/>
-          <p:cNvSpPr>
-            <a:spLocks noGrp="1"/>
-          </p:cNvSpPr>
-          <p:nvPr>
-            <p:ph sz="quarter" idx="4"/>
-          </p:nvPr>
-        </p:nvSpPr>
-        <p:spPr>
-          <a:xfrm>
-            <a:off x="4645025" y="2174875"/>
-            <a:ext cx="4041775" cy="3951288"/>
+            <a:off x="6193368" y="2362201"/>
+            <a:ext cx="5389033" cy="3763963"/>
           </a:xfrm>
         </p:spPr>
         <p:txBody>
@@ -1666,54 +1647,42 @@
             <a:lvl5pPr>
               <a:defRPr sz="1600"/>
             </a:lvl5pPr>
-            <a:lvl6pPr>
-              <a:defRPr sz="1600"/>
-            </a:lvl6pPr>
-            <a:lvl7pPr>
-              <a:defRPr sz="1600"/>
-            </a:lvl7pPr>
-            <a:lvl8pPr>
-              <a:defRPr sz="1600"/>
-            </a:lvl8pPr>
-            <a:lvl9pPr>
-              <a:defRPr sz="1600"/>
-            </a:lvl9pPr>
           </a:lstStyle>
           <a:p>
-            <a:pPr lvl="0"/>
+            <a:pPr lvl="0" eaLnBrk="1" latinLnBrk="0" hangingPunct="1"/>
             <a:r>
               <a:rPr lang="en-US" smtClean="0"/>
               <a:t>Click to edit Master text styles</a:t>
             </a:r>
           </a:p>
           <a:p>
-            <a:pPr lvl="1"/>
+            <a:pPr lvl="1" eaLnBrk="1" latinLnBrk="0" hangingPunct="1"/>
             <a:r>
               <a:rPr lang="en-US" smtClean="0"/>
               <a:t>Second level</a:t>
             </a:r>
           </a:p>
           <a:p>
-            <a:pPr lvl="2"/>
+            <a:pPr lvl="2" eaLnBrk="1" latinLnBrk="0" hangingPunct="1"/>
             <a:r>
               <a:rPr lang="en-US" smtClean="0"/>
               <a:t>Third level</a:t>
             </a:r>
           </a:p>
           <a:p>
-            <a:pPr lvl="3"/>
+            <a:pPr lvl="3" eaLnBrk="1" latinLnBrk="0" hangingPunct="1"/>
             <a:r>
               <a:rPr lang="en-US" smtClean="0"/>
               <a:t>Fourth level</a:t>
             </a:r>
           </a:p>
           <a:p>
-            <a:pPr lvl="4"/>
+            <a:pPr lvl="4" eaLnBrk="1" latinLnBrk="0" hangingPunct="1"/>
             <a:r>
               <a:rPr lang="en-US" smtClean="0"/>
               <a:t>Fifth level</a:t>
             </a:r>
-            <a:endParaRPr lang="en-US"/>
+            <a:endParaRPr kumimoji="0" lang="en-US"/>
           </a:p>
         </p:txBody>
       </p:sp>
@@ -1732,8 +1701,9 @@
           <a:bodyPr/>
           <a:lstStyle/>
           <a:p>
-            <a:fld id="{E5730DFC-0991-4D62-AB15-780AC949635B}" type="datetimeFigureOut">
-              <a:rPr lang="en-US" smtClean="0"/>
+            <a:fld id="{3F35B033-0387-4885-861A-442D43D51E29}" type="datetimeFigureOut">
+              <a:rPr lang="en-US" smtClean="0"/>
+              <a:pPr/>
               <a:t>2/18/2014</a:t>
             </a:fld>
             <a:endParaRPr lang="en-US"/>
@@ -1774,8 +1744,9 @@
           <a:bodyPr/>
           <a:lstStyle/>
           <a:p>
-            <a:fld id="{634B7018-611C-4EF9-8C76-EC7C6EE6CBF8}" type="slidenum">
-              <a:rPr lang="en-US" smtClean="0"/>
+            <a:fld id="{919A7726-EC94-432D-A95F-C21D771AFD18}" type="slidenum">
+              <a:rPr lang="en-US" smtClean="0"/>
+              <a:pPr/>
               <a:t>‹#›</a:t>
             </a:fld>
             <a:endParaRPr lang="en-US"/>
@@ -1823,10 +1794,10 @@
           <a:lstStyle/>
           <a:p>
             <a:r>
-              <a:rPr lang="en-US" smtClean="0"/>
+              <a:rPr kumimoji="0" lang="en-US" smtClean="0"/>
               <a:t>Click to edit Master title style</a:t>
             </a:r>
-            <a:endParaRPr lang="en-US"/>
+            <a:endParaRPr kumimoji="0" lang="en-US"/>
           </a:p>
         </p:txBody>
       </p:sp>
@@ -1845,8 +1816,9 @@
           <a:bodyPr/>
           <a:lstStyle/>
           <a:p>
-            <a:fld id="{E5730DFC-0991-4D62-AB15-780AC949635B}" type="datetimeFigureOut">
-              <a:rPr lang="en-US" smtClean="0"/>
+            <a:fld id="{3F35B033-0387-4885-861A-442D43D51E29}" type="datetimeFigureOut">
+              <a:rPr lang="en-US" smtClean="0"/>
+              <a:pPr/>
               <a:t>2/18/2014</a:t>
             </a:fld>
             <a:endParaRPr lang="en-US"/>
@@ -1887,8 +1859,9 @@
           <a:bodyPr/>
           <a:lstStyle/>
           <a:p>
-            <a:fld id="{634B7018-611C-4EF9-8C76-EC7C6EE6CBF8}" type="slidenum">
-              <a:rPr lang="en-US" smtClean="0"/>
+            <a:fld id="{919A7726-EC94-432D-A95F-C21D771AFD18}" type="slidenum">
+              <a:rPr lang="en-US" smtClean="0"/>
+              <a:pPr/>
               <a:t>‹#›</a:t>
             </a:fld>
             <a:endParaRPr lang="en-US"/>
@@ -1935,8 +1908,9 @@
           <a:bodyPr/>
           <a:lstStyle/>
           <a:p>
-            <a:fld id="{E5730DFC-0991-4D62-AB15-780AC949635B}" type="datetimeFigureOut">
-              <a:rPr lang="en-US" smtClean="0"/>
+            <a:fld id="{3F35B033-0387-4885-861A-442D43D51E29}" type="datetimeFigureOut">
+              <a:rPr lang="en-US" smtClean="0"/>
+              <a:pPr/>
               <a:t>2/18/2014</a:t>
             </a:fld>
             <a:endParaRPr lang="en-US"/>
@@ -1977,8 +1951,9 @@
           <a:bodyPr/>
           <a:lstStyle/>
           <a:p>
-            <a:fld id="{634B7018-611C-4EF9-8C76-EC7C6EE6CBF8}" type="slidenum">
-              <a:rPr lang="en-US" smtClean="0"/>
+            <a:fld id="{919A7726-EC94-432D-A95F-C21D771AFD18}" type="slidenum">
+              <a:rPr lang="en-US" smtClean="0"/>
+              <a:pPr/>
               <a:t>‹#›</a:t>
             </a:fld>
             <a:endParaRPr lang="en-US"/>
@@ -2022,125 +1997,54 @@
         </p:nvSpPr>
         <p:spPr>
           <a:xfrm>
-            <a:off x="457200" y="273050"/>
-            <a:ext cx="3008313" cy="1162050"/>
+            <a:off x="609601" y="273050"/>
+            <a:ext cx="4011084" cy="1162050"/>
           </a:xfrm>
         </p:spPr>
         <p:txBody>
-          <a:bodyPr anchor="b"/>
+          <a:bodyPr vert="horz" anchor="b">
+            <a:normAutofit/>
+            <a:sp3d prstMaterial="softEdge"/>
+          </a:bodyPr>
           <a:lstStyle>
             <a:lvl1pPr algn="l">
-              <a:defRPr sz="2000" b="1"/>
+              <a:buNone/>
+              <a:defRPr sz="2200" b="0">
+                <a:ln w="6350">
+                  <a:noFill/>
+                </a:ln>
+                <a:solidFill>
+                  <a:schemeClr val="accent1">
+                    <a:tint val="73000"/>
+                    <a:satMod val="180000"/>
+                  </a:schemeClr>
+                </a:solidFill>
+              </a:defRPr>
             </a:lvl1pPr>
           </a:lstStyle>
           <a:p>
             <a:r>
-              <a:rPr lang="en-US" smtClean="0"/>
+              <a:rPr kumimoji="0" lang="en-US" smtClean="0"/>
               <a:t>Click to edit Master title style</a:t>
             </a:r>
-            <a:endParaRPr lang="en-US"/>
-          </a:p>
-        </p:txBody>
-      </p:sp>
-      <p:sp>
-        <p:nvSpPr>
-          <p:cNvPr id="3" name="Content Placeholder 2"/>
-          <p:cNvSpPr>
-            <a:spLocks noGrp="1"/>
-          </p:cNvSpPr>
-          <p:nvPr>
-            <p:ph idx="1"/>
+            <a:endParaRPr kumimoji="0" lang="en-US"/>
+          </a:p>
+        </p:txBody>
+      </p:sp>
+      <p:sp>
+        <p:nvSpPr>
+          <p:cNvPr id="3" name="Text Placeholder 2"/>
+          <p:cNvSpPr>
+            <a:spLocks noGrp="1"/>
+          </p:cNvSpPr>
+          <p:nvPr>
+            <p:ph type="body" idx="2"/>
           </p:nvPr>
         </p:nvSpPr>
         <p:spPr>
           <a:xfrm>
-            <a:off x="3575050" y="273050"/>
-            <a:ext cx="5111750" cy="5853113"/>
-          </a:xfrm>
-        </p:spPr>
-        <p:txBody>
-          <a:bodyPr/>
-          <a:lstStyle>
-            <a:lvl1pPr>
-              <a:defRPr sz="3200"/>
-            </a:lvl1pPr>
-            <a:lvl2pPr>
-              <a:defRPr sz="2800"/>
-            </a:lvl2pPr>
-            <a:lvl3pPr>
-              <a:defRPr sz="2400"/>
-            </a:lvl3pPr>
-            <a:lvl4pPr>
-              <a:defRPr sz="2000"/>
-            </a:lvl4pPr>
-            <a:lvl5pPr>
-              <a:defRPr sz="2000"/>
-            </a:lvl5pPr>
-            <a:lvl6pPr>
-              <a:defRPr sz="2000"/>
-            </a:lvl6pPr>
-            <a:lvl7pPr>
-              <a:defRPr sz="2000"/>
-            </a:lvl7pPr>
-            <a:lvl8pPr>
-              <a:defRPr sz="2000"/>
-            </a:lvl8pPr>
-            <a:lvl9pPr>
-              <a:defRPr sz="2000"/>
-            </a:lvl9pPr>
-          </a:lstStyle>
-          <a:p>
-            <a:pPr lvl="0"/>
-            <a:r>
-              <a:rPr lang="en-US" smtClean="0"/>
-              <a:t>Click to edit Master text styles</a:t>
-            </a:r>
-          </a:p>
-          <a:p>
-            <a:pPr lvl="1"/>
-            <a:r>
-              <a:rPr lang="en-US" smtClean="0"/>
-              <a:t>Second level</a:t>
-            </a:r>
-          </a:p>
-          <a:p>
-            <a:pPr lvl="2"/>
-            <a:r>
-              <a:rPr lang="en-US" smtClean="0"/>
-              <a:t>Third level</a:t>
-            </a:r>
-          </a:p>
-          <a:p>
-            <a:pPr lvl="3"/>
-            <a:r>
-              <a:rPr lang="en-US" smtClean="0"/>
-              <a:t>Fourth level</a:t>
-            </a:r>
-          </a:p>
-          <a:p>
-            <a:pPr lvl="4"/>
-            <a:r>
-              <a:rPr lang="en-US" smtClean="0"/>
-              <a:t>Fifth level</a:t>
-            </a:r>
-            <a:endParaRPr lang="en-US"/>
-          </a:p>
-        </p:txBody>
-      </p:sp>
-      <p:sp>
-        <p:nvSpPr>
-          <p:cNvPr id="4" name="Text Placeholder 3"/>
-          <p:cNvSpPr>
-            <a:spLocks noGrp="1"/>
-          </p:cNvSpPr>
-          <p:nvPr>
-            <p:ph type="body" sz="half" idx="2"/>
-          </p:nvPr>
-        </p:nvSpPr>
-        <p:spPr>
-          <a:xfrm>
-            <a:off x="457200" y="1435100"/>
-            <a:ext cx="3008313" cy="4691063"/>
+            <a:off x="609601" y="1524001"/>
+            <a:ext cx="4011084" cy="4602163"/>
           </a:xfrm>
         </p:spPr>
         <p:txBody>
@@ -2150,45 +2054,102 @@
               <a:buNone/>
               <a:defRPr sz="1400"/>
             </a:lvl1pPr>
-            <a:lvl2pPr marL="457200" indent="0">
+            <a:lvl2pPr>
               <a:buNone/>
               <a:defRPr sz="1200"/>
             </a:lvl2pPr>
-            <a:lvl3pPr marL="914400" indent="0">
+            <a:lvl3pPr>
               <a:buNone/>
               <a:defRPr sz="1000"/>
             </a:lvl3pPr>
-            <a:lvl4pPr marL="1371600" indent="0">
+            <a:lvl4pPr>
               <a:buNone/>
               <a:defRPr sz="900"/>
             </a:lvl4pPr>
-            <a:lvl5pPr marL="1828800" indent="0">
+            <a:lvl5pPr>
               <a:buNone/>
               <a:defRPr sz="900"/>
             </a:lvl5pPr>
-            <a:lvl6pPr marL="2286000" indent="0">
-              <a:buNone/>
-              <a:defRPr sz="900"/>
-            </a:lvl6pPr>
-            <a:lvl7pPr marL="2743200" indent="0">
-              <a:buNone/>
-              <a:defRPr sz="900"/>
-            </a:lvl7pPr>
-            <a:lvl8pPr marL="3200400" indent="0">
-              <a:buNone/>
-              <a:defRPr sz="900"/>
-            </a:lvl8pPr>
-            <a:lvl9pPr marL="3657600" indent="0">
-              <a:buNone/>
-              <a:defRPr sz="900"/>
-            </a:lvl9pPr>
           </a:lstStyle>
           <a:p>
-            <a:pPr lvl="0"/>
-            <a:r>
-              <a:rPr lang="en-US" smtClean="0"/>
+            <a:pPr lvl="0" eaLnBrk="1" latinLnBrk="0" hangingPunct="1"/>
+            <a:r>
+              <a:rPr kumimoji="0" lang="en-US" smtClean="0"/>
               <a:t>Click to edit Master text styles</a:t>
             </a:r>
+          </a:p>
+        </p:txBody>
+      </p:sp>
+      <p:sp>
+        <p:nvSpPr>
+          <p:cNvPr id="4" name="Content Placeholder 3"/>
+          <p:cNvSpPr>
+            <a:spLocks noGrp="1"/>
+          </p:cNvSpPr>
+          <p:nvPr>
+            <p:ph sz="half" idx="1"/>
+          </p:nvPr>
+        </p:nvSpPr>
+        <p:spPr>
+          <a:xfrm>
+            <a:off x="4766733" y="273051"/>
+            <a:ext cx="6815667" cy="5853113"/>
+          </a:xfrm>
+        </p:spPr>
+        <p:txBody>
+          <a:bodyPr/>
+          <a:lstStyle>
+            <a:lvl1pPr>
+              <a:defRPr sz="2600"/>
+            </a:lvl1pPr>
+            <a:lvl2pPr>
+              <a:defRPr sz="2400"/>
+            </a:lvl2pPr>
+            <a:lvl3pPr>
+              <a:defRPr sz="2200"/>
+            </a:lvl3pPr>
+            <a:lvl4pPr>
+              <a:defRPr sz="2000"/>
+            </a:lvl4pPr>
+            <a:lvl5pPr>
+              <a:defRPr sz="1800"/>
+            </a:lvl5pPr>
+          </a:lstStyle>
+          <a:p>
+            <a:pPr lvl="0" eaLnBrk="1" latinLnBrk="0" hangingPunct="1"/>
+            <a:r>
+              <a:rPr lang="en-US" smtClean="0"/>
+              <a:t>Click to edit Master text styles</a:t>
+            </a:r>
+          </a:p>
+          <a:p>
+            <a:pPr lvl="1" eaLnBrk="1" latinLnBrk="0" hangingPunct="1"/>
+            <a:r>
+              <a:rPr lang="en-US" smtClean="0"/>
+              <a:t>Second level</a:t>
+            </a:r>
+          </a:p>
+          <a:p>
+            <a:pPr lvl="2" eaLnBrk="1" latinLnBrk="0" hangingPunct="1"/>
+            <a:r>
+              <a:rPr lang="en-US" smtClean="0"/>
+              <a:t>Third level</a:t>
+            </a:r>
+          </a:p>
+          <a:p>
+            <a:pPr lvl="3" eaLnBrk="1" latinLnBrk="0" hangingPunct="1"/>
+            <a:r>
+              <a:rPr lang="en-US" smtClean="0"/>
+              <a:t>Fourth level</a:t>
+            </a:r>
+          </a:p>
+          <a:p>
+            <a:pPr lvl="4" eaLnBrk="1" latinLnBrk="0" hangingPunct="1"/>
+            <a:r>
+              <a:rPr lang="en-US" smtClean="0"/>
+              <a:t>Fifth level</a:t>
+            </a:r>
+            <a:endParaRPr kumimoji="0" lang="en-US"/>
           </a:p>
         </p:txBody>
       </p:sp>
@@ -2207,8 +2168,9 @@
           <a:bodyPr/>
           <a:lstStyle/>
           <a:p>
-            <a:fld id="{E5730DFC-0991-4D62-AB15-780AC949635B}" type="datetimeFigureOut">
-              <a:rPr lang="en-US" smtClean="0"/>
+            <a:fld id="{3F35B033-0387-4885-861A-442D43D51E29}" type="datetimeFigureOut">
+              <a:rPr lang="en-US" smtClean="0"/>
+              <a:pPr/>
               <a:t>2/18/2014</a:t>
             </a:fld>
             <a:endParaRPr lang="en-US"/>
@@ -2249,8 +2211,9 @@
           <a:bodyPr/>
           <a:lstStyle/>
           <a:p>
-            <a:fld id="{634B7018-611C-4EF9-8C76-EC7C6EE6CBF8}" type="slidenum">
-              <a:rPr lang="en-US" smtClean="0"/>
+            <a:fld id="{919A7726-EC94-432D-A95F-C21D771AFD18}" type="slidenum">
+              <a:rPr lang="en-US" smtClean="0"/>
+              <a:pPr/>
               <a:t>‹#›</a:t>
             </a:fld>
             <a:endParaRPr lang="en-US"/>
@@ -2294,23 +2257,26 @@
         </p:nvSpPr>
         <p:spPr>
           <a:xfrm>
-            <a:off x="1792288" y="4800600"/>
-            <a:ext cx="5486400" cy="566738"/>
+            <a:off x="2438400" y="609600"/>
+            <a:ext cx="7315200" cy="522288"/>
           </a:xfrm>
         </p:spPr>
         <p:txBody>
-          <a:bodyPr anchor="b"/>
+          <a:bodyPr lIns="45720" rIns="45720" bIns="0" anchor="b">
+            <a:sp3d prstMaterial="softEdge"/>
+          </a:bodyPr>
           <a:lstStyle>
-            <a:lvl1pPr algn="l">
+            <a:lvl1pPr algn="ctr">
+              <a:buNone/>
               <a:defRPr sz="2000" b="1"/>
             </a:lvl1pPr>
           </a:lstStyle>
           <a:p>
             <a:r>
-              <a:rPr lang="en-US" smtClean="0"/>
+              <a:rPr kumimoji="0" lang="en-US" smtClean="0"/>
               <a:t>Click to edit Master title style</a:t>
             </a:r>
-            <a:endParaRPr lang="en-US"/>
+            <a:endParaRPr kumimoji="0" lang="en-US"/>
           </a:p>
         </p:txBody>
       </p:sp>
@@ -2326,52 +2292,85 @@
         </p:nvSpPr>
         <p:spPr>
           <a:xfrm>
-            <a:off x="1792288" y="612775"/>
-            <a:ext cx="5486400" cy="4114800"/>
+            <a:off x="2438400" y="1831975"/>
+            <a:ext cx="7315200" cy="3962400"/>
           </a:xfrm>
+          <a:solidFill>
+            <a:schemeClr val="bg2"/>
+          </a:solidFill>
+          <a:ln w="44450" cap="sq" cmpd="sng" algn="ctr">
+            <a:solidFill>
+              <a:srgbClr val="FFFFFF"/>
+            </a:solidFill>
+            <a:prstDash val="solid"/>
+            <a:miter lim="800000"/>
+          </a:ln>
+          <a:effectLst>
+            <a:outerShdw blurRad="190500" dist="228600" dir="2700000" sy="90000">
+              <a:srgbClr val="000000">
+                <a:alpha val="25000"/>
+              </a:srgbClr>
+            </a:outerShdw>
+          </a:effectLst>
+          <a:scene3d>
+            <a:camera prst="orthographicFront">
+              <a:rot lat="0" lon="0" rev="0"/>
+            </a:camera>
+            <a:lightRig rig="balanced" dir="tr">
+              <a:rot lat="0" lon="0" rev="2700000"/>
+            </a:lightRig>
+          </a:scene3d>
+          <a:sp3d prstMaterial="matte">
+            <a:contourClr>
+              <a:schemeClr val="tx2">
+                <a:shade val="50000"/>
+              </a:schemeClr>
+            </a:contourClr>
+          </a:sp3d>
         </p:spPr>
-        <p:txBody>
-          <a:bodyPr/>
+        <p:style>
+          <a:lnRef idx="3">
+            <a:schemeClr val="lt1"/>
+          </a:lnRef>
+          <a:fillRef idx="1">
+            <a:schemeClr val="accent1"/>
+          </a:fillRef>
+          <a:effectRef idx="1">
+            <a:schemeClr val="accent1"/>
+          </a:effectRef>
+          <a:fontRef idx="minor">
+            <a:schemeClr val="lt1"/>
+          </a:fontRef>
+        </p:style>
+        <p:txBody>
+          <a:bodyPr anchor="t"/>
           <a:lstStyle>
-            <a:lvl1pPr marL="0" indent="0">
+            <a:lvl1pPr indent="0">
               <a:buNone/>
               <a:defRPr sz="3200"/>
             </a:lvl1pPr>
-            <a:lvl2pPr marL="457200" indent="0">
-              <a:buNone/>
-              <a:defRPr sz="2800"/>
-            </a:lvl2pPr>
-            <a:lvl3pPr marL="914400" indent="0">
-              <a:buNone/>
-              <a:defRPr sz="2400"/>
-            </a:lvl3pPr>
-            <a:lvl4pPr marL="1371600" indent="0">
-              <a:buNone/>
-              <a:defRPr sz="2000"/>
-            </a:lvl4pPr>
-            <a:lvl5pPr marL="1828800" indent="0">
-              <a:buNone/>
-              <a:defRPr sz="2000"/>
-            </a:lvl5pPr>
-            <a:lvl6pPr marL="2286000" indent="0">
-              <a:buNone/>
-              <a:defRPr sz="2000"/>
-            </a:lvl6pPr>
-            <a:lvl7pPr marL="2743200" indent="0">
-              <a:buNone/>
-              <a:defRPr sz="2000"/>
-            </a:lvl7pPr>
-            <a:lvl8pPr marL="3200400" indent="0">
-              <a:buNone/>
-              <a:defRPr sz="2000"/>
-            </a:lvl8pPr>
-            <a:lvl9pPr marL="3657600" indent="0">
-              <a:buNone/>
-              <a:defRPr sz="2000"/>
-            </a:lvl9pPr>
           </a:lstStyle>
           <a:p>
-            <a:endParaRPr lang="en-US"/>
+            <a:pPr marL="0" algn="l" rtl="0" eaLnBrk="1" latinLnBrk="0" hangingPunct="1"/>
+            <a:r>
+              <a:rPr kumimoji="0" lang="en-US" smtClean="0">
+                <a:solidFill>
+                  <a:schemeClr val="lt1"/>
+                </a:solidFill>
+                <a:latin typeface="+mn-lt"/>
+                <a:ea typeface="+mn-ea"/>
+                <a:cs typeface="+mn-cs"/>
+              </a:rPr>
+              <a:t>Click icon to add picture</a:t>
+            </a:r>
+            <a:endParaRPr kumimoji="0" lang="en-US" dirty="0">
+              <a:solidFill>
+                <a:schemeClr val="lt1"/>
+              </a:solidFill>
+              <a:latin typeface="+mn-lt"/>
+              <a:ea typeface="+mn-ea"/>
+              <a:cs typeface="+mn-cs"/>
+            </a:endParaRPr>
           </a:p>
         </p:txBody>
       </p:sp>
@@ -2387,54 +2386,34 @@
         </p:nvSpPr>
         <p:spPr>
           <a:xfrm>
-            <a:off x="1792288" y="5367338"/>
-            <a:ext cx="5486400" cy="804862"/>
+            <a:off x="2438400" y="1166787"/>
+            <a:ext cx="7315200" cy="530352"/>
           </a:xfrm>
         </p:spPr>
         <p:txBody>
-          <a:bodyPr/>
+          <a:bodyPr lIns="45720" tIns="45720" rIns="45720" anchor="t"/>
           <a:lstStyle>
-            <a:lvl1pPr marL="0" indent="0">
+            <a:lvl1pPr marL="0" indent="0" algn="ctr">
               <a:buNone/>
               <a:defRPr sz="1400"/>
             </a:lvl1pPr>
-            <a:lvl2pPr marL="457200" indent="0">
-              <a:buNone/>
+            <a:lvl2pPr>
               <a:defRPr sz="1200"/>
             </a:lvl2pPr>
-            <a:lvl3pPr marL="914400" indent="0">
-              <a:buNone/>
+            <a:lvl3pPr>
               <a:defRPr sz="1000"/>
             </a:lvl3pPr>
-            <a:lvl4pPr marL="1371600" indent="0">
-              <a:buNone/>
+            <a:lvl4pPr>
               <a:defRPr sz="900"/>
             </a:lvl4pPr>
-            <a:lvl5pPr marL="1828800" indent="0">
-              <a:buNone/>
+            <a:lvl5pPr>
               <a:defRPr sz="900"/>
             </a:lvl5pPr>
-            <a:lvl6pPr marL="2286000" indent="0">
-              <a:buNone/>
-              <a:defRPr sz="900"/>
-            </a:lvl6pPr>
-            <a:lvl7pPr marL="2743200" indent="0">
-              <a:buNone/>
-              <a:defRPr sz="900"/>
-            </a:lvl7pPr>
-            <a:lvl8pPr marL="3200400" indent="0">
-              <a:buNone/>
-              <a:defRPr sz="900"/>
-            </a:lvl8pPr>
-            <a:lvl9pPr marL="3657600" indent="0">
-              <a:buNone/>
-              <a:defRPr sz="900"/>
-            </a:lvl9pPr>
           </a:lstStyle>
           <a:p>
-            <a:pPr lvl="0"/>
-            <a:r>
-              <a:rPr lang="en-US" smtClean="0"/>
+            <a:pPr lvl="0" eaLnBrk="1" latinLnBrk="0" hangingPunct="1"/>
+            <a:r>
+              <a:rPr kumimoji="0" lang="en-US" smtClean="0"/>
               <a:t>Click to edit Master text styles</a:t>
             </a:r>
           </a:p>
@@ -2455,8 +2434,9 @@
           <a:bodyPr/>
           <a:lstStyle/>
           <a:p>
-            <a:fld id="{E5730DFC-0991-4D62-AB15-780AC949635B}" type="datetimeFigureOut">
-              <a:rPr lang="en-US" smtClean="0"/>
+            <a:fld id="{3F35B033-0387-4885-861A-442D43D51E29}" type="datetimeFigureOut">
+              <a:rPr lang="en-US" smtClean="0"/>
+              <a:pPr/>
               <a:t>2/18/2014</a:t>
             </a:fld>
             <a:endParaRPr lang="en-US"/>
@@ -2497,8 +2477,9 @@
           <a:bodyPr/>
           <a:lstStyle/>
           <a:p>
-            <a:fld id="{634B7018-611C-4EF9-8C76-EC7C6EE6CBF8}" type="slidenum">
-              <a:rPr lang="en-US" smtClean="0"/>
+            <a:fld id="{919A7726-EC94-432D-A95F-C21D771AFD18}" type="slidenum">
+              <a:rPr lang="en-US" smtClean="0"/>
+              <a:pPr/>
               <a:t>‹#›</a:t>
             </a:fld>
             <a:endParaRPr lang="en-US"/>
@@ -2517,8 +2498,8 @@
 <p:sldMaster xmlns:a="http://schemas.openxmlformats.org/drawingml/2006/main" xmlns:r="http://schemas.openxmlformats.org/officeDocument/2006/relationships" xmlns:p="http://schemas.openxmlformats.org/presentationml/2006/main">
   <p:cSld>
     <p:bg>
-      <p:bgRef idx="1001">
-        <a:schemeClr val="bg1"/>
+      <p:bgRef idx="1003">
+        <a:schemeClr val="bg2"/>
       </p:bgRef>
     </p:bg>
     <p:spTree>
@@ -2537,7 +2518,7 @@
       </p:grpSpPr>
       <p:sp>
         <p:nvSpPr>
-          <p:cNvPr id="2" name="Title Placeholder 1"/>
+          <p:cNvPr id="22" name="Title Placeholder 21"/>
           <p:cNvSpPr>
             <a:spLocks noGrp="1"/>
           </p:cNvSpPr>
@@ -2547,30 +2528,39 @@
         </p:nvSpPr>
         <p:spPr>
           <a:xfrm>
-            <a:off x="457200" y="274638"/>
-            <a:ext cx="8229600" cy="1143000"/>
+            <a:off x="609600" y="274638"/>
+            <a:ext cx="10972800" cy="1143000"/>
           </a:xfrm>
           <a:prstGeom prst="rect">
             <a:avLst/>
           </a:prstGeom>
         </p:spPr>
         <p:txBody>
-          <a:bodyPr vert="horz" lIns="91440" tIns="45720" rIns="91440" bIns="45720" rtlCol="0" anchor="ctr">
+          <a:bodyPr vert="horz" anchor="ctr">
             <a:normAutofit/>
+            <a:scene3d>
+              <a:camera prst="orthographicFront"/>
+              <a:lightRig rig="soft" dir="t">
+                <a:rot lat="0" lon="0" rev="16800000"/>
+              </a:lightRig>
+            </a:scene3d>
+            <a:sp3d prstMaterial="softEdge">
+              <a:bevelT w="38100" h="38100"/>
+            </a:sp3d>
           </a:bodyPr>
           <a:lstStyle/>
           <a:p>
             <a:r>
-              <a:rPr lang="en-US" smtClean="0"/>
+              <a:rPr kumimoji="0" lang="en-US" smtClean="0"/>
               <a:t>Click to edit Master title style</a:t>
             </a:r>
-            <a:endParaRPr lang="en-US"/>
-          </a:p>
-        </p:txBody>
-      </p:sp>
-      <p:sp>
-        <p:nvSpPr>
-          <p:cNvPr id="3" name="Text Placeholder 2"/>
+            <a:endParaRPr kumimoji="0" lang="en-US"/>
+          </a:p>
+        </p:txBody>
+      </p:sp>
+      <p:sp>
+        <p:nvSpPr>
+          <p:cNvPr id="13" name="Text Placeholder 12"/>
           <p:cNvSpPr>
             <a:spLocks noGrp="1"/>
           </p:cNvSpPr>
@@ -2580,59 +2570,59 @@
         </p:nvSpPr>
         <p:spPr>
           <a:xfrm>
-            <a:off x="457200" y="1600200"/>
-            <a:ext cx="8229600" cy="4525963"/>
+            <a:off x="609600" y="1600200"/>
+            <a:ext cx="10972800" cy="4709160"/>
           </a:xfrm>
           <a:prstGeom prst="rect">
             <a:avLst/>
           </a:prstGeom>
         </p:spPr>
         <p:txBody>
-          <a:bodyPr vert="horz" lIns="91440" tIns="45720" rIns="91440" bIns="45720" rtlCol="0">
+          <a:bodyPr vert="horz">
             <a:normAutofit/>
           </a:bodyPr>
           <a:lstStyle/>
           <a:p>
-            <a:pPr lvl="0"/>
-            <a:r>
-              <a:rPr lang="en-US" smtClean="0"/>
+            <a:pPr lvl="0" eaLnBrk="1" latinLnBrk="0" hangingPunct="1"/>
+            <a:r>
+              <a:rPr kumimoji="0" lang="en-US" smtClean="0"/>
               <a:t>Click to edit Master text styles</a:t>
             </a:r>
           </a:p>
           <a:p>
-            <a:pPr lvl="1"/>
-            <a:r>
-              <a:rPr lang="en-US" smtClean="0"/>
+            <a:pPr lvl="1" eaLnBrk="1" latinLnBrk="0" hangingPunct="1"/>
+            <a:r>
+              <a:rPr kumimoji="0" lang="en-US" smtClean="0"/>
               <a:t>Second level</a:t>
             </a:r>
           </a:p>
           <a:p>
-            <a:pPr lvl="2"/>
-            <a:r>
-              <a:rPr lang="en-US" smtClean="0"/>
+            <a:pPr lvl="2" eaLnBrk="1" latinLnBrk="0" hangingPunct="1"/>
+            <a:r>
+              <a:rPr kumimoji="0" lang="en-US" smtClean="0"/>
               <a:t>Third level</a:t>
             </a:r>
           </a:p>
           <a:p>
-            <a:pPr lvl="3"/>
-            <a:r>
-              <a:rPr lang="en-US" smtClean="0"/>
+            <a:pPr lvl="3" eaLnBrk="1" latinLnBrk="0" hangingPunct="1"/>
+            <a:r>
+              <a:rPr kumimoji="0" lang="en-US" smtClean="0"/>
               <a:t>Fourth level</a:t>
             </a:r>
           </a:p>
           <a:p>
-            <a:pPr lvl="4"/>
-            <a:r>
-              <a:rPr lang="en-US" smtClean="0"/>
+            <a:pPr lvl="4" eaLnBrk="1" latinLnBrk="0" hangingPunct="1"/>
+            <a:r>
+              <a:rPr kumimoji="0" lang="en-US" smtClean="0"/>
               <a:t>Fifth level</a:t>
             </a:r>
-            <a:endParaRPr lang="en-US"/>
-          </a:p>
-        </p:txBody>
-      </p:sp>
-      <p:sp>
-        <p:nvSpPr>
-          <p:cNvPr id="4" name="Date Placeholder 3"/>
+            <a:endParaRPr kumimoji="0" lang="en-US"/>
+          </a:p>
+        </p:txBody>
+      </p:sp>
+      <p:sp>
+        <p:nvSpPr>
+          <p:cNvPr id="14" name="Date Placeholder 13"/>
           <p:cNvSpPr>
             <a:spLocks noGrp="1"/>
           </p:cNvSpPr>
@@ -2642,29 +2632,30 @@
         </p:nvSpPr>
         <p:spPr>
           <a:xfrm>
-            <a:off x="457200" y="6356350"/>
-            <a:ext cx="2133600" cy="365125"/>
+            <a:off x="609600" y="6416676"/>
+            <a:ext cx="2844800" cy="365125"/>
           </a:xfrm>
           <a:prstGeom prst="rect">
             <a:avLst/>
           </a:prstGeom>
         </p:spPr>
         <p:txBody>
-          <a:bodyPr vert="horz" lIns="91440" tIns="45720" rIns="91440" bIns="45720" rtlCol="0" anchor="ctr"/>
+          <a:bodyPr vert="horz" anchor="b"/>
           <a:lstStyle>
-            <a:lvl1pPr algn="l">
-              <a:defRPr sz="1200">
+            <a:lvl1pPr algn="l" eaLnBrk="1" latinLnBrk="0" hangingPunct="1">
+              <a:defRPr kumimoji="0" sz="1200">
                 <a:solidFill>
                   <a:schemeClr val="tx1">
-                    <a:tint val="75000"/>
+                    <a:shade val="50000"/>
                   </a:schemeClr>
                 </a:solidFill>
               </a:defRPr>
             </a:lvl1pPr>
           </a:lstStyle>
           <a:p>
-            <a:fld id="{E5730DFC-0991-4D62-AB15-780AC949635B}" type="datetimeFigureOut">
-              <a:rPr lang="en-US" smtClean="0"/>
+            <a:fld id="{3F35B033-0387-4885-861A-442D43D51E29}" type="datetimeFigureOut">
+              <a:rPr lang="en-US" smtClean="0"/>
+              <a:pPr/>
               <a:t>2/18/2014</a:t>
             </a:fld>
             <a:endParaRPr lang="en-US"/>
@@ -2673,7 +2664,7 @@
       </p:sp>
       <p:sp>
         <p:nvSpPr>
-          <p:cNvPr id="5" name="Footer Placeholder 4"/>
+          <p:cNvPr id="3" name="Footer Placeholder 2"/>
           <p:cNvSpPr>
             <a:spLocks noGrp="1"/>
           </p:cNvSpPr>
@@ -2683,21 +2674,21 @@
         </p:nvSpPr>
         <p:spPr>
           <a:xfrm>
-            <a:off x="3124200" y="6356350"/>
-            <a:ext cx="2895600" cy="365125"/>
+            <a:off x="4165600" y="6416676"/>
+            <a:ext cx="3860800" cy="365125"/>
           </a:xfrm>
           <a:prstGeom prst="rect">
             <a:avLst/>
           </a:prstGeom>
         </p:spPr>
         <p:txBody>
-          <a:bodyPr vert="horz" lIns="91440" tIns="45720" rIns="91440" bIns="45720" rtlCol="0" anchor="ctr"/>
+          <a:bodyPr vert="horz" anchor="b"/>
           <a:lstStyle>
-            <a:lvl1pPr algn="ctr">
-              <a:defRPr sz="1200">
+            <a:lvl1pPr algn="ctr" eaLnBrk="1" latinLnBrk="0" hangingPunct="1">
+              <a:defRPr kumimoji="0" sz="1200">
                 <a:solidFill>
                   <a:schemeClr val="tx1">
-                    <a:tint val="75000"/>
+                    <a:shade val="50000"/>
                   </a:schemeClr>
                 </a:solidFill>
               </a:defRPr>
@@ -2710,7 +2701,7 @@
       </p:sp>
       <p:sp>
         <p:nvSpPr>
-          <p:cNvPr id="6" name="Slide Number Placeholder 5"/>
+          <p:cNvPr id="23" name="Slide Number Placeholder 22"/>
           <p:cNvSpPr>
             <a:spLocks noGrp="1"/>
           </p:cNvSpPr>
@@ -2720,29 +2711,30 @@
         </p:nvSpPr>
         <p:spPr>
           <a:xfrm>
-            <a:off x="6553200" y="6356350"/>
-            <a:ext cx="2133600" cy="365125"/>
+            <a:off x="10566400" y="6416676"/>
+            <a:ext cx="1016000" cy="365125"/>
           </a:xfrm>
           <a:prstGeom prst="rect">
             <a:avLst/>
           </a:prstGeom>
         </p:spPr>
         <p:txBody>
-          <a:bodyPr vert="horz" lIns="91440" tIns="45720" rIns="91440" bIns="45720" rtlCol="0" anchor="ctr"/>
+          <a:bodyPr vert="horz" lIns="0" rIns="0" anchor="b"/>
           <a:lstStyle>
-            <a:lvl1pPr algn="r">
-              <a:defRPr sz="1200">
+            <a:lvl1pPr algn="r" eaLnBrk="1" latinLnBrk="0" hangingPunct="1">
+              <a:defRPr kumimoji="0" sz="1200">
                 <a:solidFill>
                   <a:schemeClr val="tx1">
-                    <a:tint val="75000"/>
+                    <a:shade val="50000"/>
                   </a:schemeClr>
                 </a:solidFill>
               </a:defRPr>
             </a:lvl1pPr>
           </a:lstStyle>
           <a:p>
-            <a:fld id="{634B7018-611C-4EF9-8C76-EC7C6EE6CBF8}" type="slidenum">
-              <a:rPr lang="en-US" smtClean="0"/>
+            <a:fld id="{919A7726-EC94-432D-A95F-C21D771AFD18}" type="slidenum">
+              <a:rPr lang="en-US" smtClean="0"/>
+              <a:pPr/>
               <a:t>‹#›</a:t>
             </a:fld>
             <a:endParaRPr lang="en-US"/>
@@ -2751,31 +2743,61 @@
       </p:sp>
     </p:spTree>
   </p:cSld>
-  <p:clrMap bg1="lt1" tx1="dk1" bg2="lt2" tx2="dk2" accent1="accent1" accent2="accent2" accent3="accent3" accent4="accent4" accent5="accent5" accent6="accent6" hlink="hlink" folHlink="folHlink"/>
+  <p:clrMap bg1="dk1" tx1="lt1" bg2="dk2" tx2="lt2" accent1="accent1" accent2="accent2" accent3="accent3" accent4="accent4" accent5="accent5" accent6="accent6" hlink="hlink" folHlink="folHlink"/>
   <p:sldLayoutIdLst>
-    <p:sldLayoutId id="2147483649" r:id="rId1"/>
-    <p:sldLayoutId id="2147483650" r:id="rId2"/>
-    <p:sldLayoutId id="2147483651" r:id="rId3"/>
-    <p:sldLayoutId id="2147483652" r:id="rId4"/>
-    <p:sldLayoutId id="2147483653" r:id="rId5"/>
-    <p:sldLayoutId id="2147483654" r:id="rId6"/>
-    <p:sldLayoutId id="2147483655" r:id="rId7"/>
-    <p:sldLayoutId id="2147483656" r:id="rId8"/>
-    <p:sldLayoutId id="2147483657" r:id="rId9"/>
-    <p:sldLayoutId id="2147483658" r:id="rId10"/>
-    <p:sldLayoutId id="2147483659" r:id="rId11"/>
+    <p:sldLayoutId id="2147483673" r:id="rId1"/>
+    <p:sldLayoutId id="2147483674" r:id="rId2"/>
+    <p:sldLayoutId id="2147483675" r:id="rId3"/>
+    <p:sldLayoutId id="2147483676" r:id="rId4"/>
+    <p:sldLayoutId id="2147483677" r:id="rId5"/>
+    <p:sldLayoutId id="2147483678" r:id="rId6"/>
+    <p:sldLayoutId id="2147483679" r:id="rId7"/>
+    <p:sldLayoutId id="2147483680" r:id="rId8"/>
+    <p:sldLayoutId id="2147483681" r:id="rId9"/>
+    <p:sldLayoutId id="2147483682" r:id="rId10"/>
+    <p:sldLayoutId id="2147483683" r:id="rId11"/>
   </p:sldLayoutIdLst>
   <p:txStyles>
     <p:titleStyle>
-      <a:lvl1pPr algn="ctr" defTabSz="914400" rtl="0" eaLnBrk="1" latinLnBrk="0" hangingPunct="1">
+      <a:lvl1pPr algn="ctr" rtl="0" eaLnBrk="1" latinLnBrk="0" hangingPunct="1">
         <a:spcBef>
           <a:spcPct val="0"/>
         </a:spcBef>
         <a:buNone/>
-        <a:defRPr sz="4400" kern="1200">
-          <a:solidFill>
-            <a:schemeClr val="tx1"/>
-          </a:solidFill>
+        <a:defRPr kumimoji="0" sz="4100" b="1" kern="1200" cap="none" baseline="0">
+          <a:ln w="6350">
+            <a:noFill/>
+          </a:ln>
+          <a:gradFill>
+            <a:gsLst>
+              <a:gs pos="0">
+                <a:schemeClr val="accent1">
+                  <a:tint val="73000"/>
+                  <a:satMod val="145000"/>
+                </a:schemeClr>
+              </a:gs>
+              <a:gs pos="73000">
+                <a:schemeClr val="accent1">
+                  <a:tint val="73000"/>
+                  <a:satMod val="145000"/>
+                </a:schemeClr>
+              </a:gs>
+              <a:gs pos="100000">
+                <a:schemeClr val="accent1">
+                  <a:tint val="83000"/>
+                  <a:satMod val="143000"/>
+                </a:schemeClr>
+              </a:gs>
+            </a:gsLst>
+            <a:lin ang="4800000" scaled="1"/>
+          </a:gradFill>
+          <a:effectLst>
+            <a:outerShdw blurRad="114300" dist="101600" dir="2700000" algn="tl" rotWithShape="0">
+              <a:srgbClr val="000000">
+                <a:alpha val="40000"/>
+              </a:srgbClr>
+            </a:outerShdw>
+          </a:effectLst>
           <a:latin typeface="+mj-lt"/>
           <a:ea typeface="+mj-ea"/>
           <a:cs typeface="+mj-cs"/>
@@ -2783,13 +2805,19 @@
       </a:lvl1pPr>
     </p:titleStyle>
     <p:bodyStyle>
-      <a:lvl1pPr marL="342900" indent="-342900" algn="l" defTabSz="914400" rtl="0" eaLnBrk="1" latinLnBrk="0" hangingPunct="1">
+      <a:lvl1pPr marL="548640" indent="-411480" algn="l" rtl="0" eaLnBrk="1" latinLnBrk="0" hangingPunct="1">
         <a:spcBef>
           <a:spcPct val="20000"/>
         </a:spcBef>
-        <a:buFont typeface="Arial" pitchFamily="34" charset="0"/>
-        <a:buChar char="•"/>
-        <a:defRPr sz="3200" kern="1200">
+        <a:buClr>
+          <a:schemeClr val="tx1">
+            <a:shade val="95000"/>
+          </a:schemeClr>
+        </a:buClr>
+        <a:buSzPct val="65000"/>
+        <a:buFont typeface="Wingdings 2"/>
+        <a:buChar char=""/>
+        <a:defRPr kumimoji="0" sz="2800" kern="1200">
           <a:solidFill>
             <a:schemeClr val="tx1"/>
           </a:solidFill>
@@ -2798,13 +2826,17 @@
           <a:cs typeface="+mn-cs"/>
         </a:defRPr>
       </a:lvl1pPr>
-      <a:lvl2pPr marL="742950" indent="-285750" algn="l" defTabSz="914400" rtl="0" eaLnBrk="1" latinLnBrk="0" hangingPunct="1">
+      <a:lvl2pPr marL="868680" indent="-283464" algn="l" rtl="0" eaLnBrk="1" latinLnBrk="0" hangingPunct="1">
         <a:spcBef>
           <a:spcPct val="20000"/>
         </a:spcBef>
-        <a:buFont typeface="Arial" pitchFamily="34" charset="0"/>
-        <a:buChar char="–"/>
-        <a:defRPr sz="2800" kern="1200">
+        <a:buClr>
+          <a:schemeClr val="tx1"/>
+        </a:buClr>
+        <a:buSzPct val="80000"/>
+        <a:buFont typeface="Wingdings 2"/>
+        <a:buChar char=""/>
+        <a:defRPr kumimoji="0" sz="2400" kern="1200">
           <a:solidFill>
             <a:schemeClr val="tx1"/>
           </a:solidFill>
@@ -2813,13 +2845,17 @@
           <a:cs typeface="+mn-cs"/>
         </a:defRPr>
       </a:lvl2pPr>
-      <a:lvl3pPr marL="1143000" indent="-228600" algn="l" defTabSz="914400" rtl="0" eaLnBrk="1" latinLnBrk="0" hangingPunct="1">
+      <a:lvl3pPr marL="1133856" indent="-228600" algn="l" rtl="0" eaLnBrk="1" latinLnBrk="0" hangingPunct="1">
         <a:spcBef>
           <a:spcPct val="20000"/>
         </a:spcBef>
-        <a:buFont typeface="Arial" pitchFamily="34" charset="0"/>
-        <a:buChar char="•"/>
-        <a:defRPr sz="2400" kern="1200">
+        <a:buClr>
+          <a:schemeClr val="tx1"/>
+        </a:buClr>
+        <a:buSzPct val="95000"/>
+        <a:buFont typeface="Wingdings"/>
+        <a:buChar char=""/>
+        <a:defRPr kumimoji="0" sz="2200" kern="1200">
           <a:solidFill>
             <a:schemeClr val="tx1"/>
           </a:solidFill>
@@ -2828,13 +2864,17 @@
           <a:cs typeface="+mn-cs"/>
         </a:defRPr>
       </a:lvl3pPr>
-      <a:lvl4pPr marL="1600200" indent="-228600" algn="l" defTabSz="914400" rtl="0" eaLnBrk="1" latinLnBrk="0" hangingPunct="1">
+      <a:lvl4pPr marL="1353312" indent="-182880" algn="l" rtl="0" eaLnBrk="1" latinLnBrk="0" hangingPunct="1">
         <a:spcBef>
           <a:spcPct val="20000"/>
         </a:spcBef>
-        <a:buFont typeface="Arial" pitchFamily="34" charset="0"/>
-        <a:buChar char="–"/>
-        <a:defRPr sz="2000" kern="1200">
+        <a:buClr>
+          <a:schemeClr val="tx1"/>
+        </a:buClr>
+        <a:buSzPct val="100000"/>
+        <a:buFont typeface="Wingdings 3"/>
+        <a:buChar char=""/>
+        <a:defRPr kumimoji="0" sz="2000" kern="1200">
           <a:solidFill>
             <a:schemeClr val="tx1"/>
           </a:solidFill>
@@ -2843,13 +2883,16 @@
           <a:cs typeface="+mn-cs"/>
         </a:defRPr>
       </a:lvl4pPr>
-      <a:lvl5pPr marL="2057400" indent="-228600" algn="l" defTabSz="914400" rtl="0" eaLnBrk="1" latinLnBrk="0" hangingPunct="1">
+      <a:lvl5pPr marL="1545336" indent="-182880" algn="l" rtl="0" eaLnBrk="1" latinLnBrk="0" hangingPunct="1">
         <a:spcBef>
           <a:spcPct val="20000"/>
         </a:spcBef>
-        <a:buFont typeface="Arial" pitchFamily="34" charset="0"/>
-        <a:buChar char="»"/>
-        <a:defRPr sz="2000" kern="1200">
+        <a:buClr>
+          <a:schemeClr val="tx1"/>
+        </a:buClr>
+        <a:buFont typeface="Wingdings 2"/>
+        <a:buChar char=""/>
+        <a:defRPr kumimoji="0" sz="2000" kern="1200">
           <a:solidFill>
             <a:schemeClr val="tx1"/>
           </a:solidFill>
@@ -2858,13 +2901,16 @@
           <a:cs typeface="+mn-cs"/>
         </a:defRPr>
       </a:lvl5pPr>
-      <a:lvl6pPr marL="2514600" indent="-228600" algn="l" defTabSz="914400" rtl="0" eaLnBrk="1" latinLnBrk="0" hangingPunct="1">
+      <a:lvl6pPr marL="1764792" indent="-182880" algn="l" rtl="0" eaLnBrk="1" latinLnBrk="0" hangingPunct="1">
         <a:spcBef>
           <a:spcPct val="20000"/>
         </a:spcBef>
-        <a:buFont typeface="Arial" pitchFamily="34" charset="0"/>
-        <a:buChar char="•"/>
-        <a:defRPr sz="2000" kern="1200">
+        <a:buClr>
+          <a:schemeClr val="tx1"/>
+        </a:buClr>
+        <a:buFont typeface="Wingdings 3"/>
+        <a:buChar char=""/>
+        <a:defRPr kumimoji="0" sz="1800" kern="1200">
           <a:solidFill>
             <a:schemeClr val="tx1"/>
           </a:solidFill>
@@ -2873,13 +2919,16 @@
           <a:cs typeface="+mn-cs"/>
         </a:defRPr>
       </a:lvl6pPr>
-      <a:lvl7pPr marL="2971800" indent="-228600" algn="l" defTabSz="914400" rtl="0" eaLnBrk="1" latinLnBrk="0" hangingPunct="1">
+      <a:lvl7pPr marL="1965960" indent="-182880" algn="l" rtl="0" eaLnBrk="1" latinLnBrk="0" hangingPunct="1">
         <a:spcBef>
           <a:spcPct val="20000"/>
         </a:spcBef>
-        <a:buFont typeface="Arial" pitchFamily="34" charset="0"/>
-        <a:buChar char="•"/>
-        <a:defRPr sz="2000" kern="1200">
+        <a:buClr>
+          <a:schemeClr val="tx1"/>
+        </a:buClr>
+        <a:buFont typeface="Wingdings 2"/>
+        <a:buChar char=""/>
+        <a:defRPr kumimoji="0" sz="1600" kern="1200">
           <a:solidFill>
             <a:schemeClr val="tx1"/>
           </a:solidFill>
@@ -2888,13 +2937,16 @@
           <a:cs typeface="+mn-cs"/>
         </a:defRPr>
       </a:lvl7pPr>
-      <a:lvl8pPr marL="3429000" indent="-228600" algn="l" defTabSz="914400" rtl="0" eaLnBrk="1" latinLnBrk="0" hangingPunct="1">
+      <a:lvl8pPr marL="2167128" indent="-182880" algn="l" rtl="0" eaLnBrk="1" latinLnBrk="0" hangingPunct="1">
         <a:spcBef>
           <a:spcPct val="20000"/>
         </a:spcBef>
-        <a:buFont typeface="Arial" pitchFamily="34" charset="0"/>
-        <a:buChar char="•"/>
-        <a:defRPr sz="2000" kern="1200">
+        <a:buClr>
+          <a:schemeClr val="tx1"/>
+        </a:buClr>
+        <a:buFont typeface="Wingdings 2"/>
+        <a:buChar char=""/>
+        <a:defRPr kumimoji="0" sz="1400" kern="1200">
           <a:solidFill>
             <a:schemeClr val="tx1"/>
           </a:solidFill>
@@ -2903,13 +2955,16 @@
           <a:cs typeface="+mn-cs"/>
         </a:defRPr>
       </a:lvl8pPr>
-      <a:lvl9pPr marL="3886200" indent="-228600" algn="l" defTabSz="914400" rtl="0" eaLnBrk="1" latinLnBrk="0" hangingPunct="1">
+      <a:lvl9pPr marL="2368296" indent="-182880" algn="l" rtl="0" eaLnBrk="1" latinLnBrk="0" hangingPunct="1">
         <a:spcBef>
           <a:spcPct val="20000"/>
         </a:spcBef>
-        <a:buFont typeface="Arial" pitchFamily="34" charset="0"/>
-        <a:buChar char="•"/>
-        <a:defRPr sz="2000" kern="1200">
+        <a:buClr>
+          <a:schemeClr val="tx1"/>
+        </a:buClr>
+        <a:buFont typeface="Wingdings 2"/>
+        <a:buChar char=""/>
+        <a:defRPr kumimoji="0" sz="1400" kern="1200" baseline="0">
           <a:solidFill>
             <a:schemeClr val="tx1"/>
           </a:solidFill>
@@ -2920,11 +2975,8 @@
       </a:lvl9pPr>
     </p:bodyStyle>
     <p:otherStyle>
-      <a:defPPr>
-        <a:defRPr lang="en-US"/>
-      </a:defPPr>
-      <a:lvl1pPr marL="0" algn="l" defTabSz="914400" rtl="0" eaLnBrk="1" latinLnBrk="0" hangingPunct="1">
-        <a:defRPr sz="1800" kern="1200">
+      <a:lvl1pPr marL="0" algn="l" rtl="0" eaLnBrk="1" latinLnBrk="0" hangingPunct="1">
+        <a:defRPr kumimoji="0" kern="1200">
           <a:solidFill>
             <a:schemeClr val="tx1"/>
           </a:solidFill>
@@ -2933,8 +2985,8 @@
           <a:cs typeface="+mn-cs"/>
         </a:defRPr>
       </a:lvl1pPr>
-      <a:lvl2pPr marL="457200" algn="l" defTabSz="914400" rtl="0" eaLnBrk="1" latinLnBrk="0" hangingPunct="1">
-        <a:defRPr sz="1800" kern="1200">
+      <a:lvl2pPr marL="457200" algn="l" rtl="0" eaLnBrk="1" latinLnBrk="0" hangingPunct="1">
+        <a:defRPr kumimoji="0" kern="1200">
           <a:solidFill>
             <a:schemeClr val="tx1"/>
           </a:solidFill>
@@ -2943,8 +2995,8 @@
           <a:cs typeface="+mn-cs"/>
         </a:defRPr>
       </a:lvl2pPr>
-      <a:lvl3pPr marL="914400" algn="l" defTabSz="914400" rtl="0" eaLnBrk="1" latinLnBrk="0" hangingPunct="1">
-        <a:defRPr sz="1800" kern="1200">
+      <a:lvl3pPr marL="914400" algn="l" rtl="0" eaLnBrk="1" latinLnBrk="0" hangingPunct="1">
+        <a:defRPr kumimoji="0" kern="1200">
           <a:solidFill>
             <a:schemeClr val="tx1"/>
           </a:solidFill>
@@ -2953,8 +3005,8 @@
           <a:cs typeface="+mn-cs"/>
         </a:defRPr>
       </a:lvl3pPr>
-      <a:lvl4pPr marL="1371600" algn="l" defTabSz="914400" rtl="0" eaLnBrk="1" latinLnBrk="0" hangingPunct="1">
-        <a:defRPr sz="1800" kern="1200">
+      <a:lvl4pPr marL="1371600" algn="l" rtl="0" eaLnBrk="1" latinLnBrk="0" hangingPunct="1">
+        <a:defRPr kumimoji="0" kern="1200">
           <a:solidFill>
             <a:schemeClr val="tx1"/>
           </a:solidFill>
@@ -2963,8 +3015,8 @@
           <a:cs typeface="+mn-cs"/>
         </a:defRPr>
       </a:lvl4pPr>
-      <a:lvl5pPr marL="1828800" algn="l" defTabSz="914400" rtl="0" eaLnBrk="1" latinLnBrk="0" hangingPunct="1">
-        <a:defRPr sz="1800" kern="1200">
+      <a:lvl5pPr marL="1828800" algn="l" rtl="0" eaLnBrk="1" latinLnBrk="0" hangingPunct="1">
+        <a:defRPr kumimoji="0" kern="1200">
           <a:solidFill>
             <a:schemeClr val="tx1"/>
           </a:solidFill>
@@ -2973,8 +3025,8 @@
           <a:cs typeface="+mn-cs"/>
         </a:defRPr>
       </a:lvl5pPr>
-      <a:lvl6pPr marL="2286000" algn="l" defTabSz="914400" rtl="0" eaLnBrk="1" latinLnBrk="0" hangingPunct="1">
-        <a:defRPr sz="1800" kern="1200">
+      <a:lvl6pPr marL="2286000" algn="l" rtl="0" eaLnBrk="1" latinLnBrk="0" hangingPunct="1">
+        <a:defRPr kumimoji="0" kern="1200">
           <a:solidFill>
             <a:schemeClr val="tx1"/>
           </a:solidFill>
@@ -2983,8 +3035,8 @@
           <a:cs typeface="+mn-cs"/>
         </a:defRPr>
       </a:lvl6pPr>
-      <a:lvl7pPr marL="2743200" algn="l" defTabSz="914400" rtl="0" eaLnBrk="1" latinLnBrk="0" hangingPunct="1">
-        <a:defRPr sz="1800" kern="1200">
+      <a:lvl7pPr marL="2743200" algn="l" rtl="0" eaLnBrk="1" latinLnBrk="0" hangingPunct="1">
+        <a:defRPr kumimoji="0" kern="1200">
           <a:solidFill>
             <a:schemeClr val="tx1"/>
           </a:solidFill>
@@ -2993,8 +3045,8 @@
           <a:cs typeface="+mn-cs"/>
         </a:defRPr>
       </a:lvl7pPr>
-      <a:lvl8pPr marL="3200400" algn="l" defTabSz="914400" rtl="0" eaLnBrk="1" latinLnBrk="0" hangingPunct="1">
-        <a:defRPr sz="1800" kern="1200">
+      <a:lvl8pPr marL="3200400" algn="l" rtl="0" eaLnBrk="1" latinLnBrk="0" hangingPunct="1">
+        <a:defRPr kumimoji="0" kern="1200">
           <a:solidFill>
             <a:schemeClr val="tx1"/>
           </a:solidFill>
@@ -3003,8 +3055,8 @@
           <a:cs typeface="+mn-cs"/>
         </a:defRPr>
       </a:lvl8pPr>
-      <a:lvl9pPr marL="3657600" algn="l" defTabSz="914400" rtl="0" eaLnBrk="1" latinLnBrk="0" hangingPunct="1">
-        <a:defRPr sz="1800" kern="1200">
+      <a:lvl9pPr marL="3657600" algn="l" rtl="0" eaLnBrk="1" latinLnBrk="0" hangingPunct="1">
+        <a:defRPr kumimoji="0" kern="1200">
           <a:solidFill>
             <a:schemeClr val="tx1"/>
           </a:solidFill>
@@ -3050,7 +3102,11 @@
           <a:bodyPr/>
           <a:lstStyle/>
           <a:p>
-            <a:endParaRPr lang="en-US"/>
+            <a:r>
+              <a:rPr lang="en-US" dirty="0" smtClean="0"/>
+              <a:t>Railroad Block Signal</a:t>
+            </a:r>
+            <a:endParaRPr lang="en-US" dirty="0"/>
           </a:p>
         </p:txBody>
       </p:sp>
@@ -3069,10 +3125,2796 @@
           <a:bodyPr/>
           <a:lstStyle/>
           <a:p>
+            <a:endParaRPr lang="en-US" dirty="0"/>
+          </a:p>
+        </p:txBody>
+      </p:sp>
+      <p:pic>
+        <p:nvPicPr>
+          <p:cNvPr id="4" name="Picture 3" descr="ecomaginationhybrid5.jpg"/>
+          <p:cNvPicPr>
+            <a:picLocks noChangeAspect="1"/>
+          </p:cNvPicPr>
+          <p:nvPr/>
+        </p:nvPicPr>
+        <p:blipFill>
+          <a:blip r:embed="rId2" cstate="print"/>
+          <a:stretch>
+            <a:fillRect/>
+          </a:stretch>
+        </p:blipFill>
+        <p:spPr>
+          <a:xfrm>
+            <a:off x="0" y="10214"/>
+            <a:ext cx="12192000" cy="6847786"/>
+          </a:xfrm>
+          <a:prstGeom prst="rect">
+            <a:avLst/>
+          </a:prstGeom>
+        </p:spPr>
+      </p:pic>
+      <p:sp>
+        <p:nvSpPr>
+          <p:cNvPr id="5" name="TextBox 4"/>
+          <p:cNvSpPr txBox="1"/>
+          <p:nvPr/>
+        </p:nvSpPr>
+        <p:spPr>
+          <a:xfrm>
+            <a:off x="0" y="0"/>
+            <a:ext cx="4209873" cy="2123658"/>
+          </a:xfrm>
+          <a:prstGeom prst="rect">
+            <a:avLst/>
+          </a:prstGeom>
+          <a:noFill/>
+        </p:spPr>
+        <p:txBody>
+          <a:bodyPr wrap="square" rtlCol="0">
+            <a:spAutoFit/>
+          </a:bodyPr>
+          <a:lstStyle/>
+          <a:p>
+            <a:r>
+              <a:rPr lang="en-US" sz="4400" dirty="0" smtClean="0"/>
+              <a:t>Railroad Block Signal Software Tool</a:t>
+            </a:r>
+            <a:endParaRPr lang="en-US" sz="4400" dirty="0"/>
+          </a:p>
+        </p:txBody>
+      </p:sp>
+      <p:sp>
+        <p:nvSpPr>
+          <p:cNvPr id="6" name="TextBox 5"/>
+          <p:cNvSpPr txBox="1"/>
+          <p:nvPr/>
+        </p:nvSpPr>
+        <p:spPr>
+          <a:xfrm>
+            <a:off x="0" y="2345625"/>
+            <a:ext cx="2690095" cy="1938992"/>
+          </a:xfrm>
+          <a:prstGeom prst="rect">
+            <a:avLst/>
+          </a:prstGeom>
+          <a:noFill/>
+        </p:spPr>
+        <p:txBody>
+          <a:bodyPr wrap="none" rtlCol="0">
+            <a:spAutoFit/>
+          </a:bodyPr>
+          <a:lstStyle/>
+          <a:p>
+            <a:r>
+              <a:rPr lang="en-US" sz="2400" b="1" dirty="0" smtClean="0"/>
+              <a:t>Team Members:</a:t>
+            </a:r>
+          </a:p>
+          <a:p>
+            <a:r>
+              <a:rPr lang="en-US" sz="2400" dirty="0" smtClean="0"/>
+              <a:t>Kenneth Truex</a:t>
+            </a:r>
+          </a:p>
+          <a:p>
+            <a:r>
+              <a:rPr lang="en-US" sz="2400" dirty="0" smtClean="0"/>
+              <a:t>Chad Mason</a:t>
+            </a:r>
+          </a:p>
+          <a:p>
+            <a:r>
+              <a:rPr lang="en-US" sz="2400" dirty="0" smtClean="0"/>
+              <a:t>Zachary McHenry</a:t>
+            </a:r>
+          </a:p>
+          <a:p>
+            <a:r>
+              <a:rPr lang="en-US" sz="2400" dirty="0" smtClean="0"/>
+              <a:t>Christopher Diebold</a:t>
+            </a:r>
+            <a:endParaRPr lang="en-US" sz="2400" dirty="0"/>
+          </a:p>
+        </p:txBody>
+      </p:sp>
+    </p:spTree>
+    <p:extLst>
+      <p:ext uri="{BB962C8B-B14F-4D97-AF65-F5344CB8AC3E}">
+        <p14:creationId xmlns:p14="http://schemas.microsoft.com/office/powerpoint/2010/main" val="515178540"/>
+      </p:ext>
+    </p:extLst>
+  </p:cSld>
+  <p:clrMapOvr>
+    <a:masterClrMapping/>
+  </p:clrMapOvr>
+</p:sld>
+</file>
+
+<file path=ppt/slides/slide10.xml><?xml version="1.0" encoding="utf-8"?>
+<p:sld xmlns:a="http://schemas.openxmlformats.org/drawingml/2006/main" xmlns:r="http://schemas.openxmlformats.org/officeDocument/2006/relationships" xmlns:p="http://schemas.openxmlformats.org/presentationml/2006/main">
+  <p:cSld>
+    <p:spTree>
+      <p:nvGrpSpPr>
+        <p:cNvPr id="1" name=""/>
+        <p:cNvGrpSpPr/>
+        <p:nvPr/>
+      </p:nvGrpSpPr>
+      <p:grpSpPr>
+        <a:xfrm>
+          <a:off x="0" y="0"/>
+          <a:ext cx="0" cy="0"/>
+          <a:chOff x="0" y="0"/>
+          <a:chExt cx="0" cy="0"/>
+        </a:xfrm>
+      </p:grpSpPr>
+      <p:pic>
+        <p:nvPicPr>
+          <p:cNvPr id="6" name="Content Placeholder 5" descr="getrains3.jpg"/>
+          <p:cNvPicPr>
+            <a:picLocks noGrp="1" noChangeAspect="1"/>
+          </p:cNvPicPr>
+          <p:nvPr>
+            <p:ph idx="1"/>
+          </p:nvPr>
+        </p:nvPicPr>
+        <p:blipFill>
+          <a:blip r:embed="rId2" cstate="print"/>
+          <a:stretch>
+            <a:fillRect/>
+          </a:stretch>
+        </p:blipFill>
+        <p:spPr>
+          <a:xfrm>
+            <a:off x="22706" y="5871"/>
+            <a:ext cx="12169294" cy="6794471"/>
+          </a:xfrm>
+        </p:spPr>
+      </p:pic>
+      <p:sp>
+        <p:nvSpPr>
+          <p:cNvPr id="7" name="TextBox 6"/>
+          <p:cNvSpPr txBox="1"/>
+          <p:nvPr/>
+        </p:nvSpPr>
+        <p:spPr>
+          <a:xfrm>
+            <a:off x="169818" y="195943"/>
+            <a:ext cx="5081840" cy="923330"/>
+          </a:xfrm>
+          <a:prstGeom prst="rect">
+            <a:avLst/>
+          </a:prstGeom>
+          <a:noFill/>
+        </p:spPr>
+        <p:txBody>
+          <a:bodyPr wrap="none" rtlCol="0">
+            <a:spAutoFit/>
+          </a:bodyPr>
+          <a:lstStyle/>
+          <a:p>
+            <a:r>
+              <a:rPr lang="en-US" sz="5400" dirty="0" smtClean="0">
+                <a:solidFill>
+                  <a:schemeClr val="bg1"/>
+                </a:solidFill>
+              </a:rPr>
+              <a:t>Any Questions?</a:t>
+            </a:r>
+            <a:endParaRPr lang="en-US" sz="5400" dirty="0">
+              <a:solidFill>
+                <a:schemeClr val="bg1"/>
+              </a:solidFill>
+            </a:endParaRPr>
+          </a:p>
+        </p:txBody>
+      </p:sp>
+    </p:spTree>
+  </p:cSld>
+  <p:clrMapOvr>
+    <a:masterClrMapping/>
+  </p:clrMapOvr>
+</p:sld>
+</file>
+
+<file path=ppt/slides/slide2.xml><?xml version="1.0" encoding="utf-8"?>
+<p:sld xmlns:a="http://schemas.openxmlformats.org/drawingml/2006/main" xmlns:r="http://schemas.openxmlformats.org/officeDocument/2006/relationships" xmlns:p="http://schemas.openxmlformats.org/presentationml/2006/main">
+  <p:cSld>
+    <p:spTree>
+      <p:nvGrpSpPr>
+        <p:cNvPr id="1" name=""/>
+        <p:cNvGrpSpPr/>
+        <p:nvPr/>
+      </p:nvGrpSpPr>
+      <p:grpSpPr>
+        <a:xfrm>
+          <a:off x="0" y="0"/>
+          <a:ext cx="0" cy="0"/>
+          <a:chOff x="0" y="0"/>
+          <a:chExt cx="0" cy="0"/>
+        </a:xfrm>
+      </p:grpSpPr>
+      <p:sp>
+        <p:nvSpPr>
+          <p:cNvPr id="2" name="Title 1"/>
+          <p:cNvSpPr>
+            <a:spLocks noGrp="1"/>
+          </p:cNvSpPr>
+          <p:nvPr>
+            <p:ph type="title"/>
+          </p:nvPr>
+        </p:nvSpPr>
+        <p:spPr/>
+        <p:txBody>
+          <a:bodyPr/>
+          <a:lstStyle/>
+          <a:p>
+            <a:r>
+              <a:rPr lang="en-US" dirty="0" smtClean="0"/>
+              <a:t>Previous Goals</a:t>
+            </a:r>
+            <a:endParaRPr lang="en-US" dirty="0"/>
+          </a:p>
+        </p:txBody>
+      </p:sp>
+      <p:graphicFrame>
+        <p:nvGraphicFramePr>
+          <p:cNvPr id="6" name="Content Placeholder 5"/>
+          <p:cNvGraphicFramePr>
+            <a:graphicFrameLocks noGrp="1"/>
+          </p:cNvGraphicFramePr>
+          <p:nvPr>
+            <p:ph idx="1"/>
+            <p:extLst>
+              <p:ext uri="{D42A27DB-BD31-4B8C-83A1-F6EECF244321}">
+                <p14:modId xmlns:p14="http://schemas.microsoft.com/office/powerpoint/2010/main" val="606066215"/>
+              </p:ext>
+            </p:extLst>
+          </p:nvPr>
+        </p:nvGraphicFramePr>
+        <p:xfrm>
+          <a:off x="1103086" y="1417638"/>
+          <a:ext cx="10116456" cy="4634819"/>
+        </p:xfrm>
+        <a:graphic>
+          <a:graphicData uri="http://schemas.openxmlformats.org/drawingml/2006/table">
+            <a:tbl>
+              <a:tblPr firstRow="1" firstCol="1" bandRow="1">
+                <a:tableStyleId>{5C22544A-7EE6-4342-B048-85BDC9FD1C3A}</a:tableStyleId>
+              </a:tblPr>
+              <a:tblGrid>
+                <a:gridCol w="1445208"/>
+                <a:gridCol w="1445208"/>
+                <a:gridCol w="1445208"/>
+                <a:gridCol w="1445208"/>
+                <a:gridCol w="1445208"/>
+                <a:gridCol w="1445208"/>
+                <a:gridCol w="1445208"/>
+              </a:tblGrid>
+              <a:tr h="905983">
+                <a:tc>
+                  <a:txBody>
+                    <a:bodyPr/>
+                    <a:lstStyle/>
+                    <a:p>
+                      <a:pPr marL="0" marR="0" algn="ctr">
+                        <a:lnSpc>
+                          <a:spcPct val="115000"/>
+                        </a:lnSpc>
+                        <a:spcBef>
+                          <a:spcPts val="0"/>
+                        </a:spcBef>
+                        <a:spcAft>
+                          <a:spcPts val="0"/>
+                        </a:spcAft>
+                      </a:pPr>
+                      <a:r>
+                        <a:rPr lang="en-US" sz="1400" dirty="0">
+                          <a:effectLst/>
+                        </a:rPr>
+                        <a:t>Task</a:t>
+                      </a:r>
+                      <a:endParaRPr lang="en-US" sz="1400" dirty="0">
+                        <a:effectLst/>
+                        <a:latin typeface="Calibri" panose="020F0502020204030204" pitchFamily="34" charset="0"/>
+                        <a:ea typeface="Calibri" panose="020F0502020204030204" pitchFamily="34" charset="0"/>
+                        <a:cs typeface="Times New Roman" panose="02020603050405020304" pitchFamily="18" charset="0"/>
+                      </a:endParaRPr>
+                    </a:p>
+                  </a:txBody>
+                  <a:tcPr marL="68580" marR="68580" marT="0" marB="0"/>
+                </a:tc>
+                <a:tc>
+                  <a:txBody>
+                    <a:bodyPr/>
+                    <a:lstStyle/>
+                    <a:p>
+                      <a:pPr marL="0" marR="0" algn="ctr">
+                        <a:lnSpc>
+                          <a:spcPct val="115000"/>
+                        </a:lnSpc>
+                        <a:spcBef>
+                          <a:spcPts val="0"/>
+                        </a:spcBef>
+                        <a:spcAft>
+                          <a:spcPts val="0"/>
+                        </a:spcAft>
+                      </a:pPr>
+                      <a:r>
+                        <a:rPr lang="en-US" sz="1400" dirty="0">
+                          <a:effectLst/>
+                        </a:rPr>
+                        <a:t>Completion %</a:t>
+                      </a:r>
+                      <a:endParaRPr lang="en-US" sz="1400" dirty="0">
+                        <a:effectLst/>
+                        <a:latin typeface="Calibri" panose="020F0502020204030204" pitchFamily="34" charset="0"/>
+                        <a:ea typeface="Calibri" panose="020F0502020204030204" pitchFamily="34" charset="0"/>
+                        <a:cs typeface="Times New Roman" panose="02020603050405020304" pitchFamily="18" charset="0"/>
+                      </a:endParaRPr>
+                    </a:p>
+                  </a:txBody>
+                  <a:tcPr marL="68580" marR="68580" marT="0" marB="0"/>
+                </a:tc>
+                <a:tc>
+                  <a:txBody>
+                    <a:bodyPr/>
+                    <a:lstStyle/>
+                    <a:p>
+                      <a:pPr marL="0" marR="0" algn="ctr">
+                        <a:lnSpc>
+                          <a:spcPct val="115000"/>
+                        </a:lnSpc>
+                        <a:spcBef>
+                          <a:spcPts val="0"/>
+                        </a:spcBef>
+                        <a:spcAft>
+                          <a:spcPts val="0"/>
+                        </a:spcAft>
+                      </a:pPr>
+                      <a:r>
+                        <a:rPr lang="en-US" sz="1400" dirty="0">
+                          <a:effectLst/>
+                        </a:rPr>
+                        <a:t>Kenneth Truex</a:t>
+                      </a:r>
+                      <a:endParaRPr lang="en-US" sz="1400" dirty="0">
+                        <a:effectLst/>
+                        <a:latin typeface="Calibri" panose="020F0502020204030204" pitchFamily="34" charset="0"/>
+                        <a:ea typeface="Calibri" panose="020F0502020204030204" pitchFamily="34" charset="0"/>
+                        <a:cs typeface="Times New Roman" panose="02020603050405020304" pitchFamily="18" charset="0"/>
+                      </a:endParaRPr>
+                    </a:p>
+                  </a:txBody>
+                  <a:tcPr marL="68580" marR="68580" marT="0" marB="0"/>
+                </a:tc>
+                <a:tc>
+                  <a:txBody>
+                    <a:bodyPr/>
+                    <a:lstStyle/>
+                    <a:p>
+                      <a:pPr marL="0" marR="0" algn="ctr">
+                        <a:lnSpc>
+                          <a:spcPct val="115000"/>
+                        </a:lnSpc>
+                        <a:spcBef>
+                          <a:spcPts val="0"/>
+                        </a:spcBef>
+                        <a:spcAft>
+                          <a:spcPts val="0"/>
+                        </a:spcAft>
+                      </a:pPr>
+                      <a:r>
+                        <a:rPr lang="en-US" sz="1400" dirty="0">
+                          <a:effectLst/>
+                        </a:rPr>
+                        <a:t>Christopher Diebold</a:t>
+                      </a:r>
+                      <a:endParaRPr lang="en-US" sz="1400" dirty="0">
+                        <a:effectLst/>
+                        <a:latin typeface="Calibri" panose="020F0502020204030204" pitchFamily="34" charset="0"/>
+                        <a:ea typeface="Calibri" panose="020F0502020204030204" pitchFamily="34" charset="0"/>
+                        <a:cs typeface="Times New Roman" panose="02020603050405020304" pitchFamily="18" charset="0"/>
+                      </a:endParaRPr>
+                    </a:p>
+                  </a:txBody>
+                  <a:tcPr marL="68580" marR="68580" marT="0" marB="0"/>
+                </a:tc>
+                <a:tc>
+                  <a:txBody>
+                    <a:bodyPr/>
+                    <a:lstStyle/>
+                    <a:p>
+                      <a:pPr marL="0" marR="0" algn="ctr">
+                        <a:lnSpc>
+                          <a:spcPct val="115000"/>
+                        </a:lnSpc>
+                        <a:spcBef>
+                          <a:spcPts val="0"/>
+                        </a:spcBef>
+                        <a:spcAft>
+                          <a:spcPts val="0"/>
+                        </a:spcAft>
+                      </a:pPr>
+                      <a:r>
+                        <a:rPr lang="en-US" sz="1400" dirty="0">
+                          <a:effectLst/>
+                        </a:rPr>
+                        <a:t>Chad Mason</a:t>
+                      </a:r>
+                      <a:endParaRPr lang="en-US" sz="1400" dirty="0">
+                        <a:effectLst/>
+                        <a:latin typeface="Calibri" panose="020F0502020204030204" pitchFamily="34" charset="0"/>
+                        <a:ea typeface="Calibri" panose="020F0502020204030204" pitchFamily="34" charset="0"/>
+                        <a:cs typeface="Times New Roman" panose="02020603050405020304" pitchFamily="18" charset="0"/>
+                      </a:endParaRPr>
+                    </a:p>
+                  </a:txBody>
+                  <a:tcPr marL="68580" marR="68580" marT="0" marB="0"/>
+                </a:tc>
+                <a:tc>
+                  <a:txBody>
+                    <a:bodyPr/>
+                    <a:lstStyle/>
+                    <a:p>
+                      <a:pPr marL="0" marR="0" algn="ctr">
+                        <a:lnSpc>
+                          <a:spcPct val="115000"/>
+                        </a:lnSpc>
+                        <a:spcBef>
+                          <a:spcPts val="0"/>
+                        </a:spcBef>
+                        <a:spcAft>
+                          <a:spcPts val="0"/>
+                        </a:spcAft>
+                      </a:pPr>
+                      <a:r>
+                        <a:rPr lang="en-US" sz="1400">
+                          <a:effectLst/>
+                        </a:rPr>
+                        <a:t>Zachary McHenry</a:t>
+                      </a:r>
+                      <a:endParaRPr lang="en-US" sz="1400">
+                        <a:effectLst/>
+                        <a:latin typeface="Calibri" panose="020F0502020204030204" pitchFamily="34" charset="0"/>
+                        <a:ea typeface="Calibri" panose="020F0502020204030204" pitchFamily="34" charset="0"/>
+                        <a:cs typeface="Times New Roman" panose="02020603050405020304" pitchFamily="18" charset="0"/>
+                      </a:endParaRPr>
+                    </a:p>
+                  </a:txBody>
+                  <a:tcPr marL="68580" marR="68580" marT="0" marB="0"/>
+                </a:tc>
+                <a:tc>
+                  <a:txBody>
+                    <a:bodyPr/>
+                    <a:lstStyle/>
+                    <a:p>
+                      <a:pPr marL="0" marR="0" algn="ctr">
+                        <a:lnSpc>
+                          <a:spcPct val="115000"/>
+                        </a:lnSpc>
+                        <a:spcBef>
+                          <a:spcPts val="0"/>
+                        </a:spcBef>
+                        <a:spcAft>
+                          <a:spcPts val="0"/>
+                        </a:spcAft>
+                      </a:pPr>
+                      <a:r>
+                        <a:rPr lang="en-US" sz="1400" dirty="0">
+                          <a:effectLst/>
+                        </a:rPr>
+                        <a:t>To Do</a:t>
+                      </a:r>
+                      <a:endParaRPr lang="en-US" sz="1400" dirty="0">
+                        <a:effectLst/>
+                        <a:latin typeface="Calibri" panose="020F0502020204030204" pitchFamily="34" charset="0"/>
+                        <a:ea typeface="Calibri" panose="020F0502020204030204" pitchFamily="34" charset="0"/>
+                        <a:cs typeface="Times New Roman" panose="02020603050405020304" pitchFamily="18" charset="0"/>
+                      </a:endParaRPr>
+                    </a:p>
+                  </a:txBody>
+                  <a:tcPr marL="68580" marR="68580" marT="0" marB="0"/>
+                </a:tc>
+              </a:tr>
+              <a:tr h="2084401">
+                <a:tc>
+                  <a:txBody>
+                    <a:bodyPr/>
+                    <a:lstStyle/>
+                    <a:p>
+                      <a:pPr marL="0" marR="0" algn="ctr">
+                        <a:lnSpc>
+                          <a:spcPct val="115000"/>
+                        </a:lnSpc>
+                        <a:spcBef>
+                          <a:spcPts val="0"/>
+                        </a:spcBef>
+                        <a:spcAft>
+                          <a:spcPts val="0"/>
+                        </a:spcAft>
+                      </a:pPr>
+                      <a:r>
+                        <a:rPr lang="en-US" sz="1400" dirty="0">
+                          <a:effectLst/>
+                        </a:rPr>
+                        <a:t>Obtain Requirement Document From GE</a:t>
+                      </a:r>
+                      <a:endParaRPr lang="en-US" sz="1400" dirty="0">
+                        <a:effectLst/>
+                        <a:latin typeface="Calibri" panose="020F0502020204030204" pitchFamily="34" charset="0"/>
+                        <a:ea typeface="Calibri" panose="020F0502020204030204" pitchFamily="34" charset="0"/>
+                        <a:cs typeface="Times New Roman" panose="02020603050405020304" pitchFamily="18" charset="0"/>
+                      </a:endParaRPr>
+                    </a:p>
+                  </a:txBody>
+                  <a:tcPr marL="68580" marR="68580" marT="0" marB="0"/>
+                </a:tc>
+                <a:tc>
+                  <a:txBody>
+                    <a:bodyPr/>
+                    <a:lstStyle/>
+                    <a:p>
+                      <a:pPr marL="0" marR="0" algn="ctr">
+                        <a:lnSpc>
+                          <a:spcPct val="115000"/>
+                        </a:lnSpc>
+                        <a:spcBef>
+                          <a:spcPts val="0"/>
+                        </a:spcBef>
+                        <a:spcAft>
+                          <a:spcPts val="0"/>
+                        </a:spcAft>
+                      </a:pPr>
+                      <a:r>
+                        <a:rPr lang="en-US" sz="1400">
+                          <a:effectLst/>
+                        </a:rPr>
+                        <a:t>100%</a:t>
+                      </a:r>
+                      <a:endParaRPr lang="en-US" sz="1400">
+                        <a:effectLst/>
+                        <a:latin typeface="Calibri" panose="020F0502020204030204" pitchFamily="34" charset="0"/>
+                        <a:ea typeface="Calibri" panose="020F0502020204030204" pitchFamily="34" charset="0"/>
+                        <a:cs typeface="Times New Roman" panose="02020603050405020304" pitchFamily="18" charset="0"/>
+                      </a:endParaRPr>
+                    </a:p>
+                  </a:txBody>
+                  <a:tcPr marL="68580" marR="68580" marT="0" marB="0"/>
+                </a:tc>
+                <a:tc>
+                  <a:txBody>
+                    <a:bodyPr/>
+                    <a:lstStyle/>
+                    <a:p>
+                      <a:pPr marL="0" marR="0" algn="ctr">
+                        <a:lnSpc>
+                          <a:spcPct val="115000"/>
+                        </a:lnSpc>
+                        <a:spcBef>
+                          <a:spcPts val="0"/>
+                        </a:spcBef>
+                        <a:spcAft>
+                          <a:spcPts val="0"/>
+                        </a:spcAft>
+                      </a:pPr>
+                      <a:r>
+                        <a:rPr lang="en-US" sz="1400" dirty="0">
+                          <a:effectLst/>
+                        </a:rPr>
+                        <a:t>50%</a:t>
+                      </a:r>
+                      <a:endParaRPr lang="en-US" sz="1400" dirty="0">
+                        <a:effectLst/>
+                        <a:latin typeface="Calibri" panose="020F0502020204030204" pitchFamily="34" charset="0"/>
+                        <a:ea typeface="Calibri" panose="020F0502020204030204" pitchFamily="34" charset="0"/>
+                        <a:cs typeface="Times New Roman" panose="02020603050405020304" pitchFamily="18" charset="0"/>
+                      </a:endParaRPr>
+                    </a:p>
+                  </a:txBody>
+                  <a:tcPr marL="68580" marR="68580" marT="0" marB="0"/>
+                </a:tc>
+                <a:tc>
+                  <a:txBody>
+                    <a:bodyPr/>
+                    <a:lstStyle/>
+                    <a:p>
+                      <a:pPr marL="0" marR="0" algn="ctr">
+                        <a:lnSpc>
+                          <a:spcPct val="115000"/>
+                        </a:lnSpc>
+                        <a:spcBef>
+                          <a:spcPts val="0"/>
+                        </a:spcBef>
+                        <a:spcAft>
+                          <a:spcPts val="0"/>
+                        </a:spcAft>
+                      </a:pPr>
+                      <a:r>
+                        <a:rPr lang="en-US" sz="1400" dirty="0">
+                          <a:effectLst/>
+                        </a:rPr>
+                        <a:t>50%</a:t>
+                      </a:r>
+                      <a:endParaRPr lang="en-US" sz="1400" dirty="0">
+                        <a:effectLst/>
+                        <a:latin typeface="Calibri" panose="020F0502020204030204" pitchFamily="34" charset="0"/>
+                        <a:ea typeface="Calibri" panose="020F0502020204030204" pitchFamily="34" charset="0"/>
+                        <a:cs typeface="Times New Roman" panose="02020603050405020304" pitchFamily="18" charset="0"/>
+                      </a:endParaRPr>
+                    </a:p>
+                  </a:txBody>
+                  <a:tcPr marL="68580" marR="68580" marT="0" marB="0"/>
+                </a:tc>
+                <a:tc>
+                  <a:txBody>
+                    <a:bodyPr/>
+                    <a:lstStyle/>
+                    <a:p>
+                      <a:pPr marL="0" marR="0" algn="ctr">
+                        <a:lnSpc>
+                          <a:spcPct val="115000"/>
+                        </a:lnSpc>
+                        <a:spcBef>
+                          <a:spcPts val="0"/>
+                        </a:spcBef>
+                        <a:spcAft>
+                          <a:spcPts val="0"/>
+                        </a:spcAft>
+                      </a:pPr>
+                      <a:r>
+                        <a:rPr lang="en-US" sz="1400">
+                          <a:effectLst/>
+                        </a:rPr>
+                        <a:t>0%</a:t>
+                      </a:r>
+                      <a:endParaRPr lang="en-US" sz="1400">
+                        <a:effectLst/>
+                        <a:latin typeface="Calibri" panose="020F0502020204030204" pitchFamily="34" charset="0"/>
+                        <a:ea typeface="Calibri" panose="020F0502020204030204" pitchFamily="34" charset="0"/>
+                        <a:cs typeface="Times New Roman" panose="02020603050405020304" pitchFamily="18" charset="0"/>
+                      </a:endParaRPr>
+                    </a:p>
+                  </a:txBody>
+                  <a:tcPr marL="68580" marR="68580" marT="0" marB="0"/>
+                </a:tc>
+                <a:tc>
+                  <a:txBody>
+                    <a:bodyPr/>
+                    <a:lstStyle/>
+                    <a:p>
+                      <a:pPr marL="0" marR="0" algn="ctr">
+                        <a:lnSpc>
+                          <a:spcPct val="115000"/>
+                        </a:lnSpc>
+                        <a:spcBef>
+                          <a:spcPts val="0"/>
+                        </a:spcBef>
+                        <a:spcAft>
+                          <a:spcPts val="0"/>
+                        </a:spcAft>
+                      </a:pPr>
+                      <a:r>
+                        <a:rPr lang="en-US" sz="1400" dirty="0">
+                          <a:effectLst/>
+                        </a:rPr>
+                        <a:t>0%</a:t>
+                      </a:r>
+                      <a:endParaRPr lang="en-US" sz="1400" dirty="0">
+                        <a:effectLst/>
+                        <a:latin typeface="Calibri" panose="020F0502020204030204" pitchFamily="34" charset="0"/>
+                        <a:ea typeface="Calibri" panose="020F0502020204030204" pitchFamily="34" charset="0"/>
+                        <a:cs typeface="Times New Roman" panose="02020603050405020304" pitchFamily="18" charset="0"/>
+                      </a:endParaRPr>
+                    </a:p>
+                  </a:txBody>
+                  <a:tcPr marL="68580" marR="68580" marT="0" marB="0"/>
+                </a:tc>
+                <a:tc>
+                  <a:txBody>
+                    <a:bodyPr/>
+                    <a:lstStyle/>
+                    <a:p>
+                      <a:pPr marL="0" marR="0" algn="ctr">
+                        <a:lnSpc>
+                          <a:spcPct val="115000"/>
+                        </a:lnSpc>
+                        <a:spcBef>
+                          <a:spcPts val="0"/>
+                        </a:spcBef>
+                        <a:spcAft>
+                          <a:spcPts val="0"/>
+                        </a:spcAft>
+                      </a:pPr>
+                      <a:r>
+                        <a:rPr lang="en-US" sz="1400" dirty="0">
+                          <a:effectLst/>
+                        </a:rPr>
+                        <a:t>Ensure a full understanding of the “</a:t>
+                      </a:r>
+                      <a:r>
+                        <a:rPr lang="en-US" sz="1400" dirty="0" err="1">
+                          <a:effectLst/>
+                        </a:rPr>
+                        <a:t>Shalls</a:t>
+                      </a:r>
+                      <a:r>
+                        <a:rPr lang="en-US" sz="1400" dirty="0">
+                          <a:effectLst/>
+                        </a:rPr>
+                        <a:t>” associated with this project</a:t>
+                      </a:r>
+                      <a:endParaRPr lang="en-US" sz="1400" dirty="0">
+                        <a:effectLst/>
+                        <a:latin typeface="Calibri" panose="020F0502020204030204" pitchFamily="34" charset="0"/>
+                        <a:ea typeface="Calibri" panose="020F0502020204030204" pitchFamily="34" charset="0"/>
+                        <a:cs typeface="Times New Roman" panose="02020603050405020304" pitchFamily="18" charset="0"/>
+                      </a:endParaRPr>
+                    </a:p>
+                  </a:txBody>
+                  <a:tcPr marL="68580" marR="68580" marT="0" marB="0"/>
+                </a:tc>
+              </a:tr>
+              <a:tr h="1644435">
+                <a:tc>
+                  <a:txBody>
+                    <a:bodyPr/>
+                    <a:lstStyle/>
+                    <a:p>
+                      <a:pPr marL="0" marR="0" algn="ctr">
+                        <a:lnSpc>
+                          <a:spcPct val="115000"/>
+                        </a:lnSpc>
+                        <a:spcBef>
+                          <a:spcPts val="0"/>
+                        </a:spcBef>
+                        <a:spcAft>
+                          <a:spcPts val="0"/>
+                        </a:spcAft>
+                      </a:pPr>
+                      <a:r>
+                        <a:rPr lang="en-US" sz="1400" dirty="0">
+                          <a:effectLst/>
+                        </a:rPr>
+                        <a:t>Decide on IDE/Programming Language/Database Tools</a:t>
+                      </a:r>
+                      <a:endParaRPr lang="en-US" sz="1400" dirty="0">
+                        <a:effectLst/>
+                        <a:latin typeface="Calibri" panose="020F0502020204030204" pitchFamily="34" charset="0"/>
+                        <a:ea typeface="Calibri" panose="020F0502020204030204" pitchFamily="34" charset="0"/>
+                        <a:cs typeface="Times New Roman" panose="02020603050405020304" pitchFamily="18" charset="0"/>
+                      </a:endParaRPr>
+                    </a:p>
+                  </a:txBody>
+                  <a:tcPr marL="68580" marR="68580" marT="0" marB="0"/>
+                </a:tc>
+                <a:tc>
+                  <a:txBody>
+                    <a:bodyPr/>
+                    <a:lstStyle/>
+                    <a:p>
+                      <a:pPr marL="0" marR="0" algn="ctr">
+                        <a:lnSpc>
+                          <a:spcPct val="115000"/>
+                        </a:lnSpc>
+                        <a:spcBef>
+                          <a:spcPts val="0"/>
+                        </a:spcBef>
+                        <a:spcAft>
+                          <a:spcPts val="0"/>
+                        </a:spcAft>
+                      </a:pPr>
+                      <a:r>
+                        <a:rPr lang="en-US" sz="1400">
+                          <a:effectLst/>
+                        </a:rPr>
+                        <a:t>100%</a:t>
+                      </a:r>
+                      <a:endParaRPr lang="en-US" sz="1400">
+                        <a:effectLst/>
+                        <a:latin typeface="Calibri" panose="020F0502020204030204" pitchFamily="34" charset="0"/>
+                        <a:ea typeface="Calibri" panose="020F0502020204030204" pitchFamily="34" charset="0"/>
+                        <a:cs typeface="Times New Roman" panose="02020603050405020304" pitchFamily="18" charset="0"/>
+                      </a:endParaRPr>
+                    </a:p>
+                  </a:txBody>
+                  <a:tcPr marL="68580" marR="68580" marT="0" marB="0"/>
+                </a:tc>
+                <a:tc>
+                  <a:txBody>
+                    <a:bodyPr/>
+                    <a:lstStyle/>
+                    <a:p>
+                      <a:pPr marL="0" marR="0" algn="ctr">
+                        <a:lnSpc>
+                          <a:spcPct val="115000"/>
+                        </a:lnSpc>
+                        <a:spcBef>
+                          <a:spcPts val="0"/>
+                        </a:spcBef>
+                        <a:spcAft>
+                          <a:spcPts val="0"/>
+                        </a:spcAft>
+                      </a:pPr>
+                      <a:r>
+                        <a:rPr lang="en-US" sz="1400">
+                          <a:effectLst/>
+                        </a:rPr>
+                        <a:t>25%</a:t>
+                      </a:r>
+                      <a:endParaRPr lang="en-US" sz="1400">
+                        <a:effectLst/>
+                        <a:latin typeface="Calibri" panose="020F0502020204030204" pitchFamily="34" charset="0"/>
+                        <a:ea typeface="Calibri" panose="020F0502020204030204" pitchFamily="34" charset="0"/>
+                        <a:cs typeface="Times New Roman" panose="02020603050405020304" pitchFamily="18" charset="0"/>
+                      </a:endParaRPr>
+                    </a:p>
+                  </a:txBody>
+                  <a:tcPr marL="68580" marR="68580" marT="0" marB="0"/>
+                </a:tc>
+                <a:tc>
+                  <a:txBody>
+                    <a:bodyPr/>
+                    <a:lstStyle/>
+                    <a:p>
+                      <a:pPr marL="0" marR="0" algn="ctr">
+                        <a:lnSpc>
+                          <a:spcPct val="115000"/>
+                        </a:lnSpc>
+                        <a:spcBef>
+                          <a:spcPts val="0"/>
+                        </a:spcBef>
+                        <a:spcAft>
+                          <a:spcPts val="0"/>
+                        </a:spcAft>
+                      </a:pPr>
+                      <a:r>
+                        <a:rPr lang="en-US" sz="1400">
+                          <a:effectLst/>
+                        </a:rPr>
+                        <a:t>25%</a:t>
+                      </a:r>
+                      <a:endParaRPr lang="en-US" sz="1400">
+                        <a:effectLst/>
+                        <a:latin typeface="Calibri" panose="020F0502020204030204" pitchFamily="34" charset="0"/>
+                        <a:ea typeface="Calibri" panose="020F0502020204030204" pitchFamily="34" charset="0"/>
+                        <a:cs typeface="Times New Roman" panose="02020603050405020304" pitchFamily="18" charset="0"/>
+                      </a:endParaRPr>
+                    </a:p>
+                  </a:txBody>
+                  <a:tcPr marL="68580" marR="68580" marT="0" marB="0"/>
+                </a:tc>
+                <a:tc>
+                  <a:txBody>
+                    <a:bodyPr/>
+                    <a:lstStyle/>
+                    <a:p>
+                      <a:pPr marL="0" marR="0" algn="ctr">
+                        <a:lnSpc>
+                          <a:spcPct val="115000"/>
+                        </a:lnSpc>
+                        <a:spcBef>
+                          <a:spcPts val="0"/>
+                        </a:spcBef>
+                        <a:spcAft>
+                          <a:spcPts val="0"/>
+                        </a:spcAft>
+                      </a:pPr>
+                      <a:r>
+                        <a:rPr lang="en-US" sz="1400">
+                          <a:effectLst/>
+                        </a:rPr>
+                        <a:t>25%</a:t>
+                      </a:r>
+                      <a:endParaRPr lang="en-US" sz="1400">
+                        <a:effectLst/>
+                        <a:latin typeface="Calibri" panose="020F0502020204030204" pitchFamily="34" charset="0"/>
+                        <a:ea typeface="Calibri" panose="020F0502020204030204" pitchFamily="34" charset="0"/>
+                        <a:cs typeface="Times New Roman" panose="02020603050405020304" pitchFamily="18" charset="0"/>
+                      </a:endParaRPr>
+                    </a:p>
+                  </a:txBody>
+                  <a:tcPr marL="68580" marR="68580" marT="0" marB="0"/>
+                </a:tc>
+                <a:tc>
+                  <a:txBody>
+                    <a:bodyPr/>
+                    <a:lstStyle/>
+                    <a:p>
+                      <a:pPr marL="0" marR="0" algn="ctr">
+                        <a:lnSpc>
+                          <a:spcPct val="115000"/>
+                        </a:lnSpc>
+                        <a:spcBef>
+                          <a:spcPts val="0"/>
+                        </a:spcBef>
+                        <a:spcAft>
+                          <a:spcPts val="0"/>
+                        </a:spcAft>
+                      </a:pPr>
+                      <a:r>
+                        <a:rPr lang="en-US" sz="1400">
+                          <a:effectLst/>
+                        </a:rPr>
+                        <a:t>25%</a:t>
+                      </a:r>
+                      <a:endParaRPr lang="en-US" sz="1400">
+                        <a:effectLst/>
+                        <a:latin typeface="Calibri" panose="020F0502020204030204" pitchFamily="34" charset="0"/>
+                        <a:ea typeface="Calibri" panose="020F0502020204030204" pitchFamily="34" charset="0"/>
+                        <a:cs typeface="Times New Roman" panose="02020603050405020304" pitchFamily="18" charset="0"/>
+                      </a:endParaRPr>
+                    </a:p>
+                  </a:txBody>
+                  <a:tcPr marL="68580" marR="68580" marT="0" marB="0"/>
+                </a:tc>
+                <a:tc>
+                  <a:txBody>
+                    <a:bodyPr/>
+                    <a:lstStyle/>
+                    <a:p>
+                      <a:pPr marL="0" marR="0" algn="ctr">
+                        <a:lnSpc>
+                          <a:spcPct val="115000"/>
+                        </a:lnSpc>
+                        <a:spcBef>
+                          <a:spcPts val="0"/>
+                        </a:spcBef>
+                        <a:spcAft>
+                          <a:spcPts val="0"/>
+                        </a:spcAft>
+                      </a:pPr>
+                      <a:r>
+                        <a:rPr lang="en-US" sz="1400" dirty="0">
+                          <a:effectLst/>
+                        </a:rPr>
+                        <a:t>Select a language and IDE/Tools that mesh well together</a:t>
+                      </a:r>
+                      <a:endParaRPr lang="en-US" sz="1400" dirty="0">
+                        <a:effectLst/>
+                        <a:latin typeface="Calibri" panose="020F0502020204030204" pitchFamily="34" charset="0"/>
+                        <a:ea typeface="Calibri" panose="020F0502020204030204" pitchFamily="34" charset="0"/>
+                        <a:cs typeface="Times New Roman" panose="02020603050405020304" pitchFamily="18" charset="0"/>
+                      </a:endParaRPr>
+                    </a:p>
+                  </a:txBody>
+                  <a:tcPr marL="68580" marR="68580" marT="0" marB="0"/>
+                </a:tc>
+              </a:tr>
+            </a:tbl>
+          </a:graphicData>
+        </a:graphic>
+      </p:graphicFrame>
+    </p:spTree>
+    <p:extLst>
+      <p:ext uri="{BB962C8B-B14F-4D97-AF65-F5344CB8AC3E}">
+        <p14:creationId xmlns:p14="http://schemas.microsoft.com/office/powerpoint/2010/main" val="849243942"/>
+      </p:ext>
+    </p:extLst>
+  </p:cSld>
+  <p:clrMapOvr>
+    <a:masterClrMapping/>
+  </p:clrMapOvr>
+</p:sld>
+</file>
+
+<file path=ppt/slides/slide3.xml><?xml version="1.0" encoding="utf-8"?>
+<p:sld xmlns:a="http://schemas.openxmlformats.org/drawingml/2006/main" xmlns:r="http://schemas.openxmlformats.org/officeDocument/2006/relationships" xmlns:p="http://schemas.openxmlformats.org/presentationml/2006/main">
+  <p:cSld>
+    <p:spTree>
+      <p:nvGrpSpPr>
+        <p:cNvPr id="1" name=""/>
+        <p:cNvGrpSpPr/>
+        <p:nvPr/>
+      </p:nvGrpSpPr>
+      <p:grpSpPr>
+        <a:xfrm>
+          <a:off x="0" y="0"/>
+          <a:ext cx="0" cy="0"/>
+          <a:chOff x="0" y="0"/>
+          <a:chExt cx="0" cy="0"/>
+        </a:xfrm>
+      </p:grpSpPr>
+      <p:sp>
+        <p:nvSpPr>
+          <p:cNvPr id="2" name="Title 1"/>
+          <p:cNvSpPr>
+            <a:spLocks noGrp="1"/>
+          </p:cNvSpPr>
+          <p:nvPr>
+            <p:ph type="title"/>
+          </p:nvPr>
+        </p:nvSpPr>
+        <p:spPr/>
+        <p:txBody>
+          <a:bodyPr/>
+          <a:lstStyle/>
+          <a:p>
+            <a:r>
+              <a:rPr lang="en-US" dirty="0" smtClean="0"/>
+              <a:t>Previous Goals</a:t>
+            </a:r>
+            <a:endParaRPr lang="en-US" dirty="0"/>
+          </a:p>
+        </p:txBody>
+      </p:sp>
+      <p:graphicFrame>
+        <p:nvGraphicFramePr>
+          <p:cNvPr id="6" name="Content Placeholder 5"/>
+          <p:cNvGraphicFramePr>
+            <a:graphicFrameLocks noGrp="1"/>
+          </p:cNvGraphicFramePr>
+          <p:nvPr>
+            <p:ph idx="1"/>
+            <p:extLst>
+              <p:ext uri="{D42A27DB-BD31-4B8C-83A1-F6EECF244321}">
+                <p14:modId xmlns:p14="http://schemas.microsoft.com/office/powerpoint/2010/main" val="1008098183"/>
+              </p:ext>
+            </p:extLst>
+          </p:nvPr>
+        </p:nvGraphicFramePr>
+        <p:xfrm>
+          <a:off x="1103086" y="1417638"/>
+          <a:ext cx="10116456" cy="4576762"/>
+        </p:xfrm>
+        <a:graphic>
+          <a:graphicData uri="http://schemas.openxmlformats.org/drawingml/2006/table">
+            <a:tbl>
+              <a:tblPr firstRow="1" firstCol="1" bandRow="1">
+                <a:tableStyleId>{5C22544A-7EE6-4342-B048-85BDC9FD1C3A}</a:tableStyleId>
+              </a:tblPr>
+              <a:tblGrid>
+                <a:gridCol w="1445208"/>
+                <a:gridCol w="1445208"/>
+                <a:gridCol w="1445208"/>
+                <a:gridCol w="1445208"/>
+                <a:gridCol w="1445208"/>
+                <a:gridCol w="1445208"/>
+                <a:gridCol w="1445208"/>
+              </a:tblGrid>
+              <a:tr h="921249">
+                <a:tc>
+                  <a:txBody>
+                    <a:bodyPr/>
+                    <a:lstStyle/>
+                    <a:p>
+                      <a:pPr marL="0" marR="0" algn="ctr">
+                        <a:lnSpc>
+                          <a:spcPct val="115000"/>
+                        </a:lnSpc>
+                        <a:spcBef>
+                          <a:spcPts val="0"/>
+                        </a:spcBef>
+                        <a:spcAft>
+                          <a:spcPts val="0"/>
+                        </a:spcAft>
+                      </a:pPr>
+                      <a:r>
+                        <a:rPr lang="en-US" sz="1400" dirty="0">
+                          <a:effectLst/>
+                        </a:rPr>
+                        <a:t>Task</a:t>
+                      </a:r>
+                      <a:endParaRPr lang="en-US" sz="1400" dirty="0">
+                        <a:effectLst/>
+                        <a:latin typeface="Calibri" panose="020F0502020204030204" pitchFamily="34" charset="0"/>
+                        <a:ea typeface="Calibri" panose="020F0502020204030204" pitchFamily="34" charset="0"/>
+                        <a:cs typeface="Times New Roman" panose="02020603050405020304" pitchFamily="18" charset="0"/>
+                      </a:endParaRPr>
+                    </a:p>
+                  </a:txBody>
+                  <a:tcPr marL="68580" marR="68580" marT="0" marB="0"/>
+                </a:tc>
+                <a:tc>
+                  <a:txBody>
+                    <a:bodyPr/>
+                    <a:lstStyle/>
+                    <a:p>
+                      <a:pPr marL="0" marR="0" algn="ctr">
+                        <a:lnSpc>
+                          <a:spcPct val="115000"/>
+                        </a:lnSpc>
+                        <a:spcBef>
+                          <a:spcPts val="0"/>
+                        </a:spcBef>
+                        <a:spcAft>
+                          <a:spcPts val="0"/>
+                        </a:spcAft>
+                      </a:pPr>
+                      <a:r>
+                        <a:rPr lang="en-US" sz="1400" dirty="0">
+                          <a:effectLst/>
+                        </a:rPr>
+                        <a:t>Completion %</a:t>
+                      </a:r>
+                      <a:endParaRPr lang="en-US" sz="1400" dirty="0">
+                        <a:effectLst/>
+                        <a:latin typeface="Calibri" panose="020F0502020204030204" pitchFamily="34" charset="0"/>
+                        <a:ea typeface="Calibri" panose="020F0502020204030204" pitchFamily="34" charset="0"/>
+                        <a:cs typeface="Times New Roman" panose="02020603050405020304" pitchFamily="18" charset="0"/>
+                      </a:endParaRPr>
+                    </a:p>
+                  </a:txBody>
+                  <a:tcPr marL="68580" marR="68580" marT="0" marB="0"/>
+                </a:tc>
+                <a:tc>
+                  <a:txBody>
+                    <a:bodyPr/>
+                    <a:lstStyle/>
+                    <a:p>
+                      <a:pPr marL="0" marR="0" algn="ctr">
+                        <a:lnSpc>
+                          <a:spcPct val="115000"/>
+                        </a:lnSpc>
+                        <a:spcBef>
+                          <a:spcPts val="0"/>
+                        </a:spcBef>
+                        <a:spcAft>
+                          <a:spcPts val="0"/>
+                        </a:spcAft>
+                      </a:pPr>
+                      <a:r>
+                        <a:rPr lang="en-US" sz="1400" dirty="0">
+                          <a:effectLst/>
+                        </a:rPr>
+                        <a:t>Kenneth Truex</a:t>
+                      </a:r>
+                      <a:endParaRPr lang="en-US" sz="1400" dirty="0">
+                        <a:effectLst/>
+                        <a:latin typeface="Calibri" panose="020F0502020204030204" pitchFamily="34" charset="0"/>
+                        <a:ea typeface="Calibri" panose="020F0502020204030204" pitchFamily="34" charset="0"/>
+                        <a:cs typeface="Times New Roman" panose="02020603050405020304" pitchFamily="18" charset="0"/>
+                      </a:endParaRPr>
+                    </a:p>
+                  </a:txBody>
+                  <a:tcPr marL="68580" marR="68580" marT="0" marB="0"/>
+                </a:tc>
+                <a:tc>
+                  <a:txBody>
+                    <a:bodyPr/>
+                    <a:lstStyle/>
+                    <a:p>
+                      <a:pPr marL="0" marR="0" algn="ctr">
+                        <a:lnSpc>
+                          <a:spcPct val="115000"/>
+                        </a:lnSpc>
+                        <a:spcBef>
+                          <a:spcPts val="0"/>
+                        </a:spcBef>
+                        <a:spcAft>
+                          <a:spcPts val="0"/>
+                        </a:spcAft>
+                      </a:pPr>
+                      <a:r>
+                        <a:rPr lang="en-US" sz="1400" dirty="0">
+                          <a:effectLst/>
+                        </a:rPr>
+                        <a:t>Christopher Diebold</a:t>
+                      </a:r>
+                      <a:endParaRPr lang="en-US" sz="1400" dirty="0">
+                        <a:effectLst/>
+                        <a:latin typeface="Calibri" panose="020F0502020204030204" pitchFamily="34" charset="0"/>
+                        <a:ea typeface="Calibri" panose="020F0502020204030204" pitchFamily="34" charset="0"/>
+                        <a:cs typeface="Times New Roman" panose="02020603050405020304" pitchFamily="18" charset="0"/>
+                      </a:endParaRPr>
+                    </a:p>
+                  </a:txBody>
+                  <a:tcPr marL="68580" marR="68580" marT="0" marB="0"/>
+                </a:tc>
+                <a:tc>
+                  <a:txBody>
+                    <a:bodyPr/>
+                    <a:lstStyle/>
+                    <a:p>
+                      <a:pPr marL="0" marR="0" algn="ctr">
+                        <a:lnSpc>
+                          <a:spcPct val="115000"/>
+                        </a:lnSpc>
+                        <a:spcBef>
+                          <a:spcPts val="0"/>
+                        </a:spcBef>
+                        <a:spcAft>
+                          <a:spcPts val="0"/>
+                        </a:spcAft>
+                      </a:pPr>
+                      <a:r>
+                        <a:rPr lang="en-US" sz="1400" dirty="0">
+                          <a:effectLst/>
+                        </a:rPr>
+                        <a:t>Chad Mason</a:t>
+                      </a:r>
+                      <a:endParaRPr lang="en-US" sz="1400" dirty="0">
+                        <a:effectLst/>
+                        <a:latin typeface="Calibri" panose="020F0502020204030204" pitchFamily="34" charset="0"/>
+                        <a:ea typeface="Calibri" panose="020F0502020204030204" pitchFamily="34" charset="0"/>
+                        <a:cs typeface="Times New Roman" panose="02020603050405020304" pitchFamily="18" charset="0"/>
+                      </a:endParaRPr>
+                    </a:p>
+                  </a:txBody>
+                  <a:tcPr marL="68580" marR="68580" marT="0" marB="0"/>
+                </a:tc>
+                <a:tc>
+                  <a:txBody>
+                    <a:bodyPr/>
+                    <a:lstStyle/>
+                    <a:p>
+                      <a:pPr marL="0" marR="0" algn="ctr">
+                        <a:lnSpc>
+                          <a:spcPct val="115000"/>
+                        </a:lnSpc>
+                        <a:spcBef>
+                          <a:spcPts val="0"/>
+                        </a:spcBef>
+                        <a:spcAft>
+                          <a:spcPts val="0"/>
+                        </a:spcAft>
+                      </a:pPr>
+                      <a:r>
+                        <a:rPr lang="en-US" sz="1400" dirty="0">
+                          <a:effectLst/>
+                        </a:rPr>
+                        <a:t>Zachary McHenry</a:t>
+                      </a:r>
+                      <a:endParaRPr lang="en-US" sz="1400" dirty="0">
+                        <a:effectLst/>
+                        <a:latin typeface="Calibri" panose="020F0502020204030204" pitchFamily="34" charset="0"/>
+                        <a:ea typeface="Calibri" panose="020F0502020204030204" pitchFamily="34" charset="0"/>
+                        <a:cs typeface="Times New Roman" panose="02020603050405020304" pitchFamily="18" charset="0"/>
+                      </a:endParaRPr>
+                    </a:p>
+                  </a:txBody>
+                  <a:tcPr marL="68580" marR="68580" marT="0" marB="0"/>
+                </a:tc>
+                <a:tc>
+                  <a:txBody>
+                    <a:bodyPr/>
+                    <a:lstStyle/>
+                    <a:p>
+                      <a:pPr marL="0" marR="0" algn="ctr">
+                        <a:lnSpc>
+                          <a:spcPct val="115000"/>
+                        </a:lnSpc>
+                        <a:spcBef>
+                          <a:spcPts val="0"/>
+                        </a:spcBef>
+                        <a:spcAft>
+                          <a:spcPts val="0"/>
+                        </a:spcAft>
+                      </a:pPr>
+                      <a:r>
+                        <a:rPr lang="en-US" sz="1400">
+                          <a:effectLst/>
+                        </a:rPr>
+                        <a:t>To Do</a:t>
+                      </a:r>
+                      <a:endParaRPr lang="en-US" sz="1400">
+                        <a:effectLst/>
+                        <a:latin typeface="Calibri" panose="020F0502020204030204" pitchFamily="34" charset="0"/>
+                        <a:ea typeface="Calibri" panose="020F0502020204030204" pitchFamily="34" charset="0"/>
+                        <a:cs typeface="Times New Roman" panose="02020603050405020304" pitchFamily="18" charset="0"/>
+                      </a:endParaRPr>
+                    </a:p>
+                  </a:txBody>
+                  <a:tcPr marL="68580" marR="68580" marT="0" marB="0"/>
+                </a:tc>
+              </a:tr>
+              <a:tr h="2126933">
+                <a:tc>
+                  <a:txBody>
+                    <a:bodyPr/>
+                    <a:lstStyle/>
+                    <a:p>
+                      <a:pPr marL="0" marR="0" algn="ctr">
+                        <a:lnSpc>
+                          <a:spcPct val="115000"/>
+                        </a:lnSpc>
+                        <a:spcBef>
+                          <a:spcPts val="0"/>
+                        </a:spcBef>
+                        <a:spcAft>
+                          <a:spcPts val="0"/>
+                        </a:spcAft>
+                      </a:pPr>
+                      <a:r>
+                        <a:rPr kumimoji="0" lang="en-US" sz="1400" b="1" kern="1200" dirty="0" smtClean="0">
+                          <a:solidFill>
+                            <a:schemeClr val="lt1"/>
+                          </a:solidFill>
+                          <a:effectLst/>
+                          <a:latin typeface="+mn-lt"/>
+                          <a:ea typeface="+mn-ea"/>
+                          <a:cs typeface="+mn-cs"/>
+                        </a:rPr>
+                        <a:t>Evaluate Selected Tools with Small Examples to Analyze Integration/Cohesiveness of Tools</a:t>
+                      </a:r>
+                      <a:endParaRPr lang="en-US" sz="1400" dirty="0">
+                        <a:effectLst/>
+                        <a:latin typeface="Calibri" panose="020F0502020204030204" pitchFamily="34" charset="0"/>
+                        <a:ea typeface="Calibri" panose="020F0502020204030204" pitchFamily="34" charset="0"/>
+                        <a:cs typeface="Times New Roman" panose="02020603050405020304" pitchFamily="18" charset="0"/>
+                      </a:endParaRPr>
+                    </a:p>
+                  </a:txBody>
+                  <a:tcPr marL="68580" marR="68580" marT="0" marB="0"/>
+                </a:tc>
+                <a:tc>
+                  <a:txBody>
+                    <a:bodyPr/>
+                    <a:lstStyle/>
+                    <a:p>
+                      <a:pPr marL="0" marR="0" algn="ctr">
+                        <a:lnSpc>
+                          <a:spcPct val="115000"/>
+                        </a:lnSpc>
+                        <a:spcBef>
+                          <a:spcPts val="0"/>
+                        </a:spcBef>
+                        <a:spcAft>
+                          <a:spcPts val="0"/>
+                        </a:spcAft>
+                      </a:pPr>
+                      <a:r>
+                        <a:rPr lang="en-US" sz="1400">
+                          <a:effectLst/>
+                        </a:rPr>
+                        <a:t>100%</a:t>
+                      </a:r>
+                      <a:endParaRPr lang="en-US" sz="1400">
+                        <a:effectLst/>
+                        <a:latin typeface="Calibri" panose="020F0502020204030204" pitchFamily="34" charset="0"/>
+                        <a:ea typeface="Calibri" panose="020F0502020204030204" pitchFamily="34" charset="0"/>
+                        <a:cs typeface="Times New Roman" panose="02020603050405020304" pitchFamily="18" charset="0"/>
+                      </a:endParaRPr>
+                    </a:p>
+                  </a:txBody>
+                  <a:tcPr marL="68580" marR="68580" marT="0" marB="0"/>
+                </a:tc>
+                <a:tc>
+                  <a:txBody>
+                    <a:bodyPr/>
+                    <a:lstStyle/>
+                    <a:p>
+                      <a:pPr marL="0" marR="0" algn="ctr">
+                        <a:lnSpc>
+                          <a:spcPct val="115000"/>
+                        </a:lnSpc>
+                        <a:spcBef>
+                          <a:spcPts val="0"/>
+                        </a:spcBef>
+                        <a:spcAft>
+                          <a:spcPts val="0"/>
+                        </a:spcAft>
+                      </a:pPr>
+                      <a:r>
+                        <a:rPr lang="en-US" sz="1400" dirty="0">
+                          <a:effectLst/>
+                        </a:rPr>
+                        <a:t>50%</a:t>
+                      </a:r>
+                      <a:endParaRPr lang="en-US" sz="1400" dirty="0">
+                        <a:effectLst/>
+                        <a:latin typeface="Calibri" panose="020F0502020204030204" pitchFamily="34" charset="0"/>
+                        <a:ea typeface="Calibri" panose="020F0502020204030204" pitchFamily="34" charset="0"/>
+                        <a:cs typeface="Times New Roman" panose="02020603050405020304" pitchFamily="18" charset="0"/>
+                      </a:endParaRPr>
+                    </a:p>
+                  </a:txBody>
+                  <a:tcPr marL="68580" marR="68580" marT="0" marB="0"/>
+                </a:tc>
+                <a:tc>
+                  <a:txBody>
+                    <a:bodyPr/>
+                    <a:lstStyle/>
+                    <a:p>
+                      <a:pPr marL="0" marR="0" algn="ctr">
+                        <a:lnSpc>
+                          <a:spcPct val="115000"/>
+                        </a:lnSpc>
+                        <a:spcBef>
+                          <a:spcPts val="0"/>
+                        </a:spcBef>
+                        <a:spcAft>
+                          <a:spcPts val="0"/>
+                        </a:spcAft>
+                      </a:pPr>
+                      <a:r>
+                        <a:rPr lang="en-US" sz="1400">
+                          <a:effectLst/>
+                        </a:rPr>
+                        <a:t>50%</a:t>
+                      </a:r>
+                      <a:endParaRPr lang="en-US" sz="1400">
+                        <a:effectLst/>
+                        <a:latin typeface="Calibri" panose="020F0502020204030204" pitchFamily="34" charset="0"/>
+                        <a:ea typeface="Calibri" panose="020F0502020204030204" pitchFamily="34" charset="0"/>
+                        <a:cs typeface="Times New Roman" panose="02020603050405020304" pitchFamily="18" charset="0"/>
+                      </a:endParaRPr>
+                    </a:p>
+                  </a:txBody>
+                  <a:tcPr marL="68580" marR="68580" marT="0" marB="0"/>
+                </a:tc>
+                <a:tc>
+                  <a:txBody>
+                    <a:bodyPr/>
+                    <a:lstStyle/>
+                    <a:p>
+                      <a:pPr marL="0" marR="0" algn="ctr">
+                        <a:lnSpc>
+                          <a:spcPct val="115000"/>
+                        </a:lnSpc>
+                        <a:spcBef>
+                          <a:spcPts val="0"/>
+                        </a:spcBef>
+                        <a:spcAft>
+                          <a:spcPts val="0"/>
+                        </a:spcAft>
+                      </a:pPr>
+                      <a:r>
+                        <a:rPr lang="en-US" sz="1400">
+                          <a:effectLst/>
+                        </a:rPr>
+                        <a:t>0%</a:t>
+                      </a:r>
+                      <a:endParaRPr lang="en-US" sz="1400">
+                        <a:effectLst/>
+                        <a:latin typeface="Calibri" panose="020F0502020204030204" pitchFamily="34" charset="0"/>
+                        <a:ea typeface="Calibri" panose="020F0502020204030204" pitchFamily="34" charset="0"/>
+                        <a:cs typeface="Times New Roman" panose="02020603050405020304" pitchFamily="18" charset="0"/>
+                      </a:endParaRPr>
+                    </a:p>
+                  </a:txBody>
+                  <a:tcPr marL="68580" marR="68580" marT="0" marB="0"/>
+                </a:tc>
+                <a:tc>
+                  <a:txBody>
+                    <a:bodyPr/>
+                    <a:lstStyle/>
+                    <a:p>
+                      <a:pPr marL="0" marR="0" algn="ctr">
+                        <a:lnSpc>
+                          <a:spcPct val="115000"/>
+                        </a:lnSpc>
+                        <a:spcBef>
+                          <a:spcPts val="0"/>
+                        </a:spcBef>
+                        <a:spcAft>
+                          <a:spcPts val="0"/>
+                        </a:spcAft>
+                      </a:pPr>
+                      <a:r>
+                        <a:rPr lang="en-US" sz="1400" dirty="0">
+                          <a:effectLst/>
+                        </a:rPr>
+                        <a:t>0%</a:t>
+                      </a:r>
+                      <a:endParaRPr lang="en-US" sz="1400" dirty="0">
+                        <a:effectLst/>
+                        <a:latin typeface="Calibri" panose="020F0502020204030204" pitchFamily="34" charset="0"/>
+                        <a:ea typeface="Calibri" panose="020F0502020204030204" pitchFamily="34" charset="0"/>
+                        <a:cs typeface="Times New Roman" panose="02020603050405020304" pitchFamily="18" charset="0"/>
+                      </a:endParaRPr>
+                    </a:p>
+                  </a:txBody>
+                  <a:tcPr marL="68580" marR="68580" marT="0" marB="0"/>
+                </a:tc>
+                <a:tc>
+                  <a:txBody>
+                    <a:bodyPr/>
+                    <a:lstStyle/>
+                    <a:p>
+                      <a:pPr marL="0" marR="0" algn="ctr">
+                        <a:lnSpc>
+                          <a:spcPct val="115000"/>
+                        </a:lnSpc>
+                        <a:spcBef>
+                          <a:spcPts val="0"/>
+                        </a:spcBef>
+                        <a:spcAft>
+                          <a:spcPts val="0"/>
+                        </a:spcAft>
+                      </a:pPr>
+                      <a:r>
+                        <a:rPr lang="en-US" sz="1400">
+                          <a:effectLst/>
+                        </a:rPr>
+                        <a:t>Ensure a full understanding of the “Shalls” associated with this project</a:t>
+                      </a:r>
+                      <a:endParaRPr lang="en-US" sz="1400">
+                        <a:effectLst/>
+                        <a:latin typeface="Calibri" panose="020F0502020204030204" pitchFamily="34" charset="0"/>
+                        <a:ea typeface="Calibri" panose="020F0502020204030204" pitchFamily="34" charset="0"/>
+                        <a:cs typeface="Times New Roman" panose="02020603050405020304" pitchFamily="18" charset="0"/>
+                      </a:endParaRPr>
+                    </a:p>
+                  </a:txBody>
+                  <a:tcPr marL="68580" marR="68580" marT="0" marB="0"/>
+                </a:tc>
+              </a:tr>
+              <a:tr h="1528580">
+                <a:tc>
+                  <a:txBody>
+                    <a:bodyPr/>
+                    <a:lstStyle/>
+                    <a:p>
+                      <a:pPr marL="0" marR="0" algn="ctr">
+                        <a:lnSpc>
+                          <a:spcPct val="115000"/>
+                        </a:lnSpc>
+                        <a:spcBef>
+                          <a:spcPts val="0"/>
+                        </a:spcBef>
+                        <a:spcAft>
+                          <a:spcPts val="0"/>
+                        </a:spcAft>
+                      </a:pPr>
+                      <a:r>
+                        <a:rPr kumimoji="0" lang="en-US" sz="1400" b="1" kern="1200" dirty="0" smtClean="0">
+                          <a:solidFill>
+                            <a:schemeClr val="lt1"/>
+                          </a:solidFill>
+                          <a:effectLst/>
+                          <a:latin typeface="+mn-lt"/>
+                          <a:ea typeface="+mn-ea"/>
+                          <a:cs typeface="+mn-cs"/>
+                        </a:rPr>
+                        <a:t>Begin Drafting Design of Program and GUI</a:t>
+                      </a:r>
+                      <a:endParaRPr lang="en-US" sz="1400" dirty="0">
+                        <a:effectLst/>
+                        <a:latin typeface="Calibri" panose="020F0502020204030204" pitchFamily="34" charset="0"/>
+                        <a:ea typeface="Calibri" panose="020F0502020204030204" pitchFamily="34" charset="0"/>
+                        <a:cs typeface="Times New Roman" panose="02020603050405020304" pitchFamily="18" charset="0"/>
+                      </a:endParaRPr>
+                    </a:p>
+                  </a:txBody>
+                  <a:tcPr marL="68580" marR="68580" marT="0" marB="0"/>
+                </a:tc>
+                <a:tc>
+                  <a:txBody>
+                    <a:bodyPr/>
+                    <a:lstStyle/>
+                    <a:p>
+                      <a:pPr marL="0" marR="0" algn="ctr">
+                        <a:lnSpc>
+                          <a:spcPct val="115000"/>
+                        </a:lnSpc>
+                        <a:spcBef>
+                          <a:spcPts val="0"/>
+                        </a:spcBef>
+                        <a:spcAft>
+                          <a:spcPts val="0"/>
+                        </a:spcAft>
+                      </a:pPr>
+                      <a:r>
+                        <a:rPr lang="en-US" sz="1400">
+                          <a:effectLst/>
+                        </a:rPr>
+                        <a:t>100%</a:t>
+                      </a:r>
+                      <a:endParaRPr lang="en-US" sz="1400">
+                        <a:effectLst/>
+                        <a:latin typeface="Calibri" panose="020F0502020204030204" pitchFamily="34" charset="0"/>
+                        <a:ea typeface="Calibri" panose="020F0502020204030204" pitchFamily="34" charset="0"/>
+                        <a:cs typeface="Times New Roman" panose="02020603050405020304" pitchFamily="18" charset="0"/>
+                      </a:endParaRPr>
+                    </a:p>
+                  </a:txBody>
+                  <a:tcPr marL="68580" marR="68580" marT="0" marB="0"/>
+                </a:tc>
+                <a:tc>
+                  <a:txBody>
+                    <a:bodyPr/>
+                    <a:lstStyle/>
+                    <a:p>
+                      <a:pPr marL="0" marR="0" algn="ctr">
+                        <a:lnSpc>
+                          <a:spcPct val="115000"/>
+                        </a:lnSpc>
+                        <a:spcBef>
+                          <a:spcPts val="0"/>
+                        </a:spcBef>
+                        <a:spcAft>
+                          <a:spcPts val="0"/>
+                        </a:spcAft>
+                      </a:pPr>
+                      <a:r>
+                        <a:rPr lang="en-US" sz="1400" dirty="0">
+                          <a:effectLst/>
+                        </a:rPr>
+                        <a:t>25%</a:t>
+                      </a:r>
+                      <a:endParaRPr lang="en-US" sz="1400" dirty="0">
+                        <a:effectLst/>
+                        <a:latin typeface="Calibri" panose="020F0502020204030204" pitchFamily="34" charset="0"/>
+                        <a:ea typeface="Calibri" panose="020F0502020204030204" pitchFamily="34" charset="0"/>
+                        <a:cs typeface="Times New Roman" panose="02020603050405020304" pitchFamily="18" charset="0"/>
+                      </a:endParaRPr>
+                    </a:p>
+                  </a:txBody>
+                  <a:tcPr marL="68580" marR="68580" marT="0" marB="0"/>
+                </a:tc>
+                <a:tc>
+                  <a:txBody>
+                    <a:bodyPr/>
+                    <a:lstStyle/>
+                    <a:p>
+                      <a:pPr marL="0" marR="0" algn="ctr">
+                        <a:lnSpc>
+                          <a:spcPct val="115000"/>
+                        </a:lnSpc>
+                        <a:spcBef>
+                          <a:spcPts val="0"/>
+                        </a:spcBef>
+                        <a:spcAft>
+                          <a:spcPts val="0"/>
+                        </a:spcAft>
+                      </a:pPr>
+                      <a:r>
+                        <a:rPr lang="en-US" sz="1400">
+                          <a:effectLst/>
+                        </a:rPr>
+                        <a:t>25%</a:t>
+                      </a:r>
+                      <a:endParaRPr lang="en-US" sz="1400">
+                        <a:effectLst/>
+                        <a:latin typeface="Calibri" panose="020F0502020204030204" pitchFamily="34" charset="0"/>
+                        <a:ea typeface="Calibri" panose="020F0502020204030204" pitchFamily="34" charset="0"/>
+                        <a:cs typeface="Times New Roman" panose="02020603050405020304" pitchFamily="18" charset="0"/>
+                      </a:endParaRPr>
+                    </a:p>
+                  </a:txBody>
+                  <a:tcPr marL="68580" marR="68580" marT="0" marB="0"/>
+                </a:tc>
+                <a:tc>
+                  <a:txBody>
+                    <a:bodyPr/>
+                    <a:lstStyle/>
+                    <a:p>
+                      <a:pPr marL="0" marR="0" algn="ctr">
+                        <a:lnSpc>
+                          <a:spcPct val="115000"/>
+                        </a:lnSpc>
+                        <a:spcBef>
+                          <a:spcPts val="0"/>
+                        </a:spcBef>
+                        <a:spcAft>
+                          <a:spcPts val="0"/>
+                        </a:spcAft>
+                      </a:pPr>
+                      <a:r>
+                        <a:rPr lang="en-US" sz="1400">
+                          <a:effectLst/>
+                        </a:rPr>
+                        <a:t>25%</a:t>
+                      </a:r>
+                      <a:endParaRPr lang="en-US" sz="1400">
+                        <a:effectLst/>
+                        <a:latin typeface="Calibri" panose="020F0502020204030204" pitchFamily="34" charset="0"/>
+                        <a:ea typeface="Calibri" panose="020F0502020204030204" pitchFamily="34" charset="0"/>
+                        <a:cs typeface="Times New Roman" panose="02020603050405020304" pitchFamily="18" charset="0"/>
+                      </a:endParaRPr>
+                    </a:p>
+                  </a:txBody>
+                  <a:tcPr marL="68580" marR="68580" marT="0" marB="0"/>
+                </a:tc>
+                <a:tc>
+                  <a:txBody>
+                    <a:bodyPr/>
+                    <a:lstStyle/>
+                    <a:p>
+                      <a:pPr marL="0" marR="0" algn="ctr">
+                        <a:lnSpc>
+                          <a:spcPct val="115000"/>
+                        </a:lnSpc>
+                        <a:spcBef>
+                          <a:spcPts val="0"/>
+                        </a:spcBef>
+                        <a:spcAft>
+                          <a:spcPts val="0"/>
+                        </a:spcAft>
+                      </a:pPr>
+                      <a:r>
+                        <a:rPr lang="en-US" sz="1400" dirty="0">
+                          <a:effectLst/>
+                        </a:rPr>
+                        <a:t>25%</a:t>
+                      </a:r>
+                      <a:endParaRPr lang="en-US" sz="1400" dirty="0">
+                        <a:effectLst/>
+                        <a:latin typeface="Calibri" panose="020F0502020204030204" pitchFamily="34" charset="0"/>
+                        <a:ea typeface="Calibri" panose="020F0502020204030204" pitchFamily="34" charset="0"/>
+                        <a:cs typeface="Times New Roman" panose="02020603050405020304" pitchFamily="18" charset="0"/>
+                      </a:endParaRPr>
+                    </a:p>
+                  </a:txBody>
+                  <a:tcPr marL="68580" marR="68580" marT="0" marB="0"/>
+                </a:tc>
+                <a:tc>
+                  <a:txBody>
+                    <a:bodyPr/>
+                    <a:lstStyle/>
+                    <a:p>
+                      <a:pPr marL="0" marR="0" algn="ctr">
+                        <a:lnSpc>
+                          <a:spcPct val="115000"/>
+                        </a:lnSpc>
+                        <a:spcBef>
+                          <a:spcPts val="0"/>
+                        </a:spcBef>
+                        <a:spcAft>
+                          <a:spcPts val="0"/>
+                        </a:spcAft>
+                      </a:pPr>
+                      <a:r>
+                        <a:rPr lang="en-US" sz="1400" dirty="0">
+                          <a:effectLst/>
+                        </a:rPr>
+                        <a:t>Select a language and IDE/Tools that mesh well together</a:t>
+                      </a:r>
+                      <a:endParaRPr lang="en-US" sz="1400" dirty="0">
+                        <a:effectLst/>
+                        <a:latin typeface="Calibri" panose="020F0502020204030204" pitchFamily="34" charset="0"/>
+                        <a:ea typeface="Calibri" panose="020F0502020204030204" pitchFamily="34" charset="0"/>
+                        <a:cs typeface="Times New Roman" panose="02020603050405020304" pitchFamily="18" charset="0"/>
+                      </a:endParaRPr>
+                    </a:p>
+                  </a:txBody>
+                  <a:tcPr marL="68580" marR="68580" marT="0" marB="0"/>
+                </a:tc>
+              </a:tr>
+            </a:tbl>
+          </a:graphicData>
+        </a:graphic>
+      </p:graphicFrame>
+    </p:spTree>
+    <p:extLst>
+      <p:ext uri="{BB962C8B-B14F-4D97-AF65-F5344CB8AC3E}">
+        <p14:creationId xmlns:p14="http://schemas.microsoft.com/office/powerpoint/2010/main" val="4270080904"/>
+      </p:ext>
+    </p:extLst>
+  </p:cSld>
+  <p:clrMapOvr>
+    <a:masterClrMapping/>
+  </p:clrMapOvr>
+</p:sld>
+</file>
+
+<file path=ppt/slides/slide4.xml><?xml version="1.0" encoding="utf-8"?>
+<p:sld xmlns:a="http://schemas.openxmlformats.org/drawingml/2006/main" xmlns:r="http://schemas.openxmlformats.org/officeDocument/2006/relationships" xmlns:p="http://schemas.openxmlformats.org/presentationml/2006/main">
+  <p:cSld>
+    <p:spTree>
+      <p:nvGrpSpPr>
+        <p:cNvPr id="1" name=""/>
+        <p:cNvGrpSpPr/>
+        <p:nvPr/>
+      </p:nvGrpSpPr>
+      <p:grpSpPr>
+        <a:xfrm>
+          <a:off x="0" y="0"/>
+          <a:ext cx="0" cy="0"/>
+          <a:chOff x="0" y="0"/>
+          <a:chExt cx="0" cy="0"/>
+        </a:xfrm>
+      </p:grpSpPr>
+      <p:sp>
+        <p:nvSpPr>
+          <p:cNvPr id="2" name="Title 1"/>
+          <p:cNvSpPr>
+            <a:spLocks noGrp="1"/>
+          </p:cNvSpPr>
+          <p:nvPr>
+            <p:ph type="title"/>
+          </p:nvPr>
+        </p:nvSpPr>
+        <p:spPr/>
+        <p:txBody>
+          <a:bodyPr/>
+          <a:lstStyle/>
+          <a:p>
+            <a:r>
+              <a:rPr lang="en-US" dirty="0" smtClean="0"/>
+              <a:t> </a:t>
+            </a:r>
+            <a:endParaRPr lang="en-US" dirty="0"/>
+          </a:p>
+        </p:txBody>
+      </p:sp>
+      <p:sp>
+        <p:nvSpPr>
+          <p:cNvPr id="3" name="Content Placeholder 2"/>
+          <p:cNvSpPr>
+            <a:spLocks noGrp="1"/>
+          </p:cNvSpPr>
+          <p:nvPr>
+            <p:ph idx="1"/>
+          </p:nvPr>
+        </p:nvSpPr>
+        <p:spPr/>
+        <p:txBody>
+          <a:bodyPr/>
+          <a:lstStyle/>
+          <a:p>
+            <a:pPr marL="137160" lvl="0" indent="0">
+              <a:buNone/>
+            </a:pPr>
+            <a:endParaRPr lang="en-US" dirty="0" smtClean="0"/>
+          </a:p>
+        </p:txBody>
+      </p:sp>
+    </p:spTree>
+    <p:extLst>
+      <p:ext uri="{BB962C8B-B14F-4D97-AF65-F5344CB8AC3E}">
+        <p14:creationId xmlns:p14="http://schemas.microsoft.com/office/powerpoint/2010/main" val="3406739726"/>
+      </p:ext>
+    </p:extLst>
+  </p:cSld>
+  <p:clrMapOvr>
+    <a:masterClrMapping/>
+  </p:clrMapOvr>
+</p:sld>
+</file>
+
+<file path=ppt/slides/slide5.xml><?xml version="1.0" encoding="utf-8"?>
+<p:sld xmlns:a="http://schemas.openxmlformats.org/drawingml/2006/main" xmlns:r="http://schemas.openxmlformats.org/officeDocument/2006/relationships" xmlns:p="http://schemas.openxmlformats.org/presentationml/2006/main">
+  <p:cSld>
+    <p:spTree>
+      <p:nvGrpSpPr>
+        <p:cNvPr id="1" name=""/>
+        <p:cNvGrpSpPr/>
+        <p:nvPr/>
+      </p:nvGrpSpPr>
+      <p:grpSpPr>
+        <a:xfrm>
+          <a:off x="0" y="0"/>
+          <a:ext cx="0" cy="0"/>
+          <a:chOff x="0" y="0"/>
+          <a:chExt cx="0" cy="0"/>
+        </a:xfrm>
+      </p:grpSpPr>
+      <p:sp>
+        <p:nvSpPr>
+          <p:cNvPr id="2" name="Title 1"/>
+          <p:cNvSpPr>
+            <a:spLocks noGrp="1"/>
+          </p:cNvSpPr>
+          <p:nvPr>
+            <p:ph type="title"/>
+          </p:nvPr>
+        </p:nvSpPr>
+        <p:spPr/>
+        <p:txBody>
+          <a:bodyPr/>
+          <a:lstStyle/>
+          <a:p>
+            <a:r>
+              <a:rPr lang="en-US" dirty="0" smtClean="0"/>
+              <a:t> </a:t>
+            </a:r>
+            <a:endParaRPr lang="en-US" dirty="0"/>
+          </a:p>
+        </p:txBody>
+      </p:sp>
+      <p:sp>
+        <p:nvSpPr>
+          <p:cNvPr id="3" name="Content Placeholder 2"/>
+          <p:cNvSpPr>
+            <a:spLocks noGrp="1"/>
+          </p:cNvSpPr>
+          <p:nvPr>
+            <p:ph idx="1"/>
+          </p:nvPr>
+        </p:nvSpPr>
+        <p:spPr>
+          <a:xfrm>
+            <a:off x="609600" y="1574075"/>
+            <a:ext cx="10972800" cy="4709160"/>
+          </a:xfrm>
+        </p:spPr>
+        <p:txBody>
+          <a:bodyPr>
+            <a:normAutofit/>
+          </a:bodyPr>
+          <a:lstStyle/>
+          <a:p>
+            <a:pPr>
+              <a:buNone/>
+            </a:pPr>
+            <a:r>
+              <a:rPr lang="en-US" dirty="0" smtClean="0"/>
+              <a:t> </a:t>
+            </a:r>
+            <a:endParaRPr lang="en-US" dirty="0" smtClean="0"/>
+          </a:p>
+        </p:txBody>
+      </p:sp>
+    </p:spTree>
+    <p:extLst>
+      <p:ext uri="{BB962C8B-B14F-4D97-AF65-F5344CB8AC3E}">
+        <p14:creationId xmlns:p14="http://schemas.microsoft.com/office/powerpoint/2010/main" val="1077630031"/>
+      </p:ext>
+    </p:extLst>
+  </p:cSld>
+  <p:clrMapOvr>
+    <a:masterClrMapping/>
+  </p:clrMapOvr>
+</p:sld>
+</file>
+
+<file path=ppt/slides/slide6.xml><?xml version="1.0" encoding="utf-8"?>
+<p:sld xmlns:a="http://schemas.openxmlformats.org/drawingml/2006/main" xmlns:r="http://schemas.openxmlformats.org/officeDocument/2006/relationships" xmlns:p="http://schemas.openxmlformats.org/presentationml/2006/main">
+  <p:cSld>
+    <p:spTree>
+      <p:nvGrpSpPr>
+        <p:cNvPr id="1" name=""/>
+        <p:cNvGrpSpPr/>
+        <p:nvPr/>
+      </p:nvGrpSpPr>
+      <p:grpSpPr>
+        <a:xfrm>
+          <a:off x="0" y="0"/>
+          <a:ext cx="0" cy="0"/>
+          <a:chOff x="0" y="0"/>
+          <a:chExt cx="0" cy="0"/>
+        </a:xfrm>
+      </p:grpSpPr>
+      <p:sp>
+        <p:nvSpPr>
+          <p:cNvPr id="2" name="Title 1"/>
+          <p:cNvSpPr>
+            <a:spLocks noGrp="1"/>
+          </p:cNvSpPr>
+          <p:nvPr>
+            <p:ph type="title"/>
+          </p:nvPr>
+        </p:nvSpPr>
+        <p:spPr/>
+        <p:txBody>
+          <a:bodyPr/>
+          <a:lstStyle/>
+          <a:p>
             <a:endParaRPr lang="en-US"/>
           </a:p>
         </p:txBody>
       </p:sp>
+      <p:pic>
+        <p:nvPicPr>
+          <p:cNvPr id="4" name="Content Placeholder 3" descr="gegreenmachine.jpg"/>
+          <p:cNvPicPr>
+            <a:picLocks noGrp="1" noChangeAspect="1"/>
+          </p:cNvPicPr>
+          <p:nvPr>
+            <p:ph idx="1"/>
+          </p:nvPr>
+        </p:nvPicPr>
+        <p:blipFill>
+          <a:blip r:embed="rId2" cstate="print"/>
+          <a:stretch>
+            <a:fillRect/>
+          </a:stretch>
+        </p:blipFill>
+        <p:spPr>
+          <a:xfrm>
+            <a:off x="0" y="1416"/>
+            <a:ext cx="12192000" cy="6856584"/>
+          </a:xfrm>
+        </p:spPr>
+      </p:pic>
+      <p:sp>
+        <p:nvSpPr>
+          <p:cNvPr id="5" name="TextBox 4"/>
+          <p:cNvSpPr txBox="1"/>
+          <p:nvPr/>
+        </p:nvSpPr>
+        <p:spPr>
+          <a:xfrm>
+            <a:off x="7720148" y="248194"/>
+            <a:ext cx="3501280" cy="923330"/>
+          </a:xfrm>
+          <a:prstGeom prst="rect">
+            <a:avLst/>
+          </a:prstGeom>
+          <a:noFill/>
+        </p:spPr>
+        <p:txBody>
+          <a:bodyPr wrap="none" rtlCol="0">
+            <a:spAutoFit/>
+          </a:bodyPr>
+          <a:lstStyle/>
+          <a:p>
+            <a:r>
+              <a:rPr lang="en-US" sz="5400" dirty="0" smtClean="0">
+                <a:solidFill>
+                  <a:schemeClr val="bg1"/>
+                </a:solidFill>
+              </a:rPr>
+              <a:t>Milestones</a:t>
+            </a:r>
+            <a:endParaRPr lang="en-US" sz="5400" dirty="0">
+              <a:solidFill>
+                <a:schemeClr val="bg1"/>
+              </a:solidFill>
+            </a:endParaRPr>
+          </a:p>
+        </p:txBody>
+      </p:sp>
+    </p:spTree>
+    <p:extLst>
+      <p:ext uri="{BB962C8B-B14F-4D97-AF65-F5344CB8AC3E}">
+        <p14:creationId xmlns:p14="http://schemas.microsoft.com/office/powerpoint/2010/main" val="1202250340"/>
+      </p:ext>
+    </p:extLst>
+  </p:cSld>
+  <p:clrMapOvr>
+    <a:masterClrMapping/>
+  </p:clrMapOvr>
+</p:sld>
+</file>
+
+<file path=ppt/slides/slide7.xml><?xml version="1.0" encoding="utf-8"?>
+<p:sld xmlns:a="http://schemas.openxmlformats.org/drawingml/2006/main" xmlns:r="http://schemas.openxmlformats.org/officeDocument/2006/relationships" xmlns:p="http://schemas.openxmlformats.org/presentationml/2006/main">
+  <p:cSld>
+    <p:spTree>
+      <p:nvGrpSpPr>
+        <p:cNvPr id="1" name=""/>
+        <p:cNvGrpSpPr/>
+        <p:nvPr/>
+      </p:nvGrpSpPr>
+      <p:grpSpPr>
+        <a:xfrm>
+          <a:off x="0" y="0"/>
+          <a:ext cx="0" cy="0"/>
+          <a:chOff x="0" y="0"/>
+          <a:chExt cx="0" cy="0"/>
+        </a:xfrm>
+      </p:grpSpPr>
+      <p:sp>
+        <p:nvSpPr>
+          <p:cNvPr id="2" name="Title 1"/>
+          <p:cNvSpPr>
+            <a:spLocks noGrp="1"/>
+          </p:cNvSpPr>
+          <p:nvPr>
+            <p:ph type="title"/>
+          </p:nvPr>
+        </p:nvSpPr>
+        <p:spPr/>
+        <p:txBody>
+          <a:bodyPr/>
+          <a:lstStyle/>
+          <a:p>
+            <a:r>
+              <a:rPr lang="en-US" dirty="0" smtClean="0"/>
+              <a:t>Milestone 2</a:t>
+            </a:r>
+            <a:endParaRPr lang="en-US" dirty="0"/>
+          </a:p>
+        </p:txBody>
+      </p:sp>
+      <p:sp>
+        <p:nvSpPr>
+          <p:cNvPr id="3" name="Content Placeholder 2"/>
+          <p:cNvSpPr>
+            <a:spLocks noGrp="1"/>
+          </p:cNvSpPr>
+          <p:nvPr>
+            <p:ph idx="1"/>
+          </p:nvPr>
+        </p:nvSpPr>
+        <p:spPr/>
+        <p:txBody>
+          <a:bodyPr/>
+          <a:lstStyle/>
+          <a:p>
+            <a:r>
+              <a:rPr lang="en-US" dirty="0" smtClean="0"/>
+              <a:t>Parsing the database </a:t>
+            </a:r>
+            <a:r>
+              <a:rPr lang="en-US" dirty="0" smtClean="0"/>
+              <a:t>- </a:t>
+            </a:r>
+            <a:r>
+              <a:rPr lang="en-US" dirty="0"/>
+              <a:t>Take our skeleton infrastructure of a database and add to it the functionality of information retrieval. Set it up so that the user can enter query commands and actually retrieve information stored in the database.</a:t>
+            </a:r>
+          </a:p>
+          <a:p>
+            <a:r>
+              <a:rPr lang="en-US" dirty="0" smtClean="0"/>
+              <a:t>Do </a:t>
+            </a:r>
+            <a:r>
+              <a:rPr lang="en-US" dirty="0" smtClean="0"/>
+              <a:t>a GUI mockup and present to GE </a:t>
+            </a:r>
+            <a:r>
+              <a:rPr lang="en-US" dirty="0" smtClean="0"/>
+              <a:t>- </a:t>
+            </a:r>
+            <a:r>
+              <a:rPr lang="en-US" dirty="0"/>
+              <a:t>Take our design documents of our GUI that we created in Photoshop and implement it into C# code. After completing the implementation, we will present it to Dan Ballesty for review and critique.</a:t>
+            </a:r>
+          </a:p>
+          <a:p>
+            <a:pPr marL="137160" lvl="0" indent="0">
+              <a:buNone/>
+            </a:pPr>
+            <a:endParaRPr lang="en-US" dirty="0" smtClean="0"/>
+          </a:p>
+          <a:p>
+            <a:endParaRPr lang="en-US" dirty="0"/>
+          </a:p>
+        </p:txBody>
+      </p:sp>
+    </p:spTree>
+  </p:cSld>
+  <p:clrMapOvr>
+    <a:masterClrMapping/>
+  </p:clrMapOvr>
+</p:sld>
+</file>
+
+<file path=ppt/slides/slide8.xml><?xml version="1.0" encoding="utf-8"?>
+<p:sld xmlns:a="http://schemas.openxmlformats.org/drawingml/2006/main" xmlns:r="http://schemas.openxmlformats.org/officeDocument/2006/relationships" xmlns:p="http://schemas.openxmlformats.org/presentationml/2006/main">
+  <p:cSld>
+    <p:spTree>
+      <p:nvGrpSpPr>
+        <p:cNvPr id="1" name=""/>
+        <p:cNvGrpSpPr/>
+        <p:nvPr/>
+      </p:nvGrpSpPr>
+      <p:grpSpPr>
+        <a:xfrm>
+          <a:off x="0" y="0"/>
+          <a:ext cx="0" cy="0"/>
+          <a:chOff x="0" y="0"/>
+          <a:chExt cx="0" cy="0"/>
+        </a:xfrm>
+      </p:grpSpPr>
+      <p:sp>
+        <p:nvSpPr>
+          <p:cNvPr id="2" name="Title 1"/>
+          <p:cNvSpPr>
+            <a:spLocks noGrp="1"/>
+          </p:cNvSpPr>
+          <p:nvPr>
+            <p:ph type="title"/>
+          </p:nvPr>
+        </p:nvSpPr>
+        <p:spPr/>
+        <p:txBody>
+          <a:bodyPr/>
+          <a:lstStyle/>
+          <a:p>
+            <a:r>
+              <a:rPr lang="en-US" dirty="0" smtClean="0"/>
+              <a:t>Milestone 3</a:t>
+            </a:r>
+            <a:endParaRPr lang="en-US" dirty="0"/>
+          </a:p>
+        </p:txBody>
+      </p:sp>
+      <p:sp>
+        <p:nvSpPr>
+          <p:cNvPr id="3" name="Content Placeholder 2"/>
+          <p:cNvSpPr>
+            <a:spLocks noGrp="1"/>
+          </p:cNvSpPr>
+          <p:nvPr>
+            <p:ph idx="1"/>
+          </p:nvPr>
+        </p:nvSpPr>
+        <p:spPr/>
+        <p:txBody>
+          <a:bodyPr/>
+          <a:lstStyle/>
+          <a:p>
+            <a:pPr lvl="0"/>
+            <a:r>
+              <a:rPr lang="en-US" dirty="0" smtClean="0"/>
+              <a:t>Finalize approved GUI</a:t>
+            </a:r>
+          </a:p>
+          <a:p>
+            <a:pPr lvl="0"/>
+            <a:endParaRPr lang="en-US" dirty="0" smtClean="0"/>
+          </a:p>
+          <a:p>
+            <a:pPr lvl="0"/>
+            <a:r>
+              <a:rPr lang="en-US" dirty="0" smtClean="0"/>
+              <a:t>Finish choosing algorithm</a:t>
+            </a:r>
+          </a:p>
+          <a:p>
+            <a:pPr lvl="0"/>
+            <a:endParaRPr lang="en-US" dirty="0" smtClean="0"/>
+          </a:p>
+          <a:p>
+            <a:pPr lvl="0"/>
+            <a:r>
+              <a:rPr lang="en-US" dirty="0" smtClean="0"/>
+              <a:t>Begin modifying algorithm to fit with the project</a:t>
+            </a:r>
+          </a:p>
+          <a:p>
+            <a:endParaRPr lang="en-US" dirty="0"/>
+          </a:p>
+        </p:txBody>
+      </p:sp>
+    </p:spTree>
+  </p:cSld>
+  <p:clrMapOvr>
+    <a:masterClrMapping/>
+  </p:clrMapOvr>
+</p:sld>
+</file>
+
+<file path=ppt/slides/slide9.xml><?xml version="1.0" encoding="utf-8"?>
+<p:sld xmlns:a="http://schemas.openxmlformats.org/drawingml/2006/main" xmlns:r="http://schemas.openxmlformats.org/officeDocument/2006/relationships" xmlns:p="http://schemas.openxmlformats.org/presentationml/2006/main">
+  <p:cSld>
+    <p:spTree>
+      <p:nvGrpSpPr>
+        <p:cNvPr id="1" name=""/>
+        <p:cNvGrpSpPr/>
+        <p:nvPr/>
+      </p:nvGrpSpPr>
+      <p:grpSpPr>
+        <a:xfrm>
+          <a:off x="0" y="0"/>
+          <a:ext cx="0" cy="0"/>
+          <a:chOff x="0" y="0"/>
+          <a:chExt cx="0" cy="0"/>
+        </a:xfrm>
+      </p:grpSpPr>
+      <p:sp>
+        <p:nvSpPr>
+          <p:cNvPr id="2" name="Title 1"/>
+          <p:cNvSpPr>
+            <a:spLocks noGrp="1"/>
+          </p:cNvSpPr>
+          <p:nvPr>
+            <p:ph type="title"/>
+          </p:nvPr>
+        </p:nvSpPr>
+        <p:spPr>
+          <a:xfrm>
+            <a:off x="1619794" y="0"/>
+            <a:ext cx="8878388" cy="731520"/>
+          </a:xfrm>
+        </p:spPr>
+        <p:txBody>
+          <a:bodyPr>
+            <a:normAutofit/>
+          </a:bodyPr>
+          <a:lstStyle/>
+          <a:p>
+            <a:r>
+              <a:rPr lang="en-US" sz="3600" dirty="0" smtClean="0"/>
+              <a:t>Milestone </a:t>
+            </a:r>
+            <a:r>
+              <a:rPr lang="en-US" sz="3600" dirty="0" smtClean="0"/>
+              <a:t>2 </a:t>
+            </a:r>
+            <a:r>
+              <a:rPr lang="en-US" sz="3600" dirty="0" smtClean="0"/>
+              <a:t>Role Distribution</a:t>
+            </a:r>
+            <a:endParaRPr lang="en-US" sz="3600" dirty="0"/>
+          </a:p>
+        </p:txBody>
+      </p:sp>
+      <p:graphicFrame>
+        <p:nvGraphicFramePr>
+          <p:cNvPr id="4" name="Content Placeholder 3"/>
+          <p:cNvGraphicFramePr>
+            <a:graphicFrameLocks noGrp="1"/>
+          </p:cNvGraphicFramePr>
+          <p:nvPr>
+            <p:ph idx="1"/>
+            <p:extLst>
+              <p:ext uri="{D42A27DB-BD31-4B8C-83A1-F6EECF244321}">
+                <p14:modId xmlns:p14="http://schemas.microsoft.com/office/powerpoint/2010/main" val="761006259"/>
+              </p:ext>
+            </p:extLst>
+          </p:nvPr>
+        </p:nvGraphicFramePr>
+        <p:xfrm>
+          <a:off x="361406" y="1892953"/>
+          <a:ext cx="11373395" cy="3307515"/>
+        </p:xfrm>
+        <a:graphic>
+          <a:graphicData uri="http://schemas.openxmlformats.org/drawingml/2006/table">
+            <a:tbl>
+              <a:tblPr firstRow="1" bandRow="1">
+                <a:tableStyleId>{5C22544A-7EE6-4342-B048-85BDC9FD1C3A}</a:tableStyleId>
+              </a:tblPr>
+              <a:tblGrid>
+                <a:gridCol w="2274679"/>
+                <a:gridCol w="2274679"/>
+                <a:gridCol w="2274679"/>
+                <a:gridCol w="2274679"/>
+                <a:gridCol w="2274679"/>
+              </a:tblGrid>
+              <a:tr h="1102505">
+                <a:tc>
+                  <a:txBody>
+                    <a:bodyPr/>
+                    <a:lstStyle/>
+                    <a:p>
+                      <a:r>
+                        <a:rPr lang="en-US" sz="2400" dirty="0" smtClean="0"/>
+                        <a:t>Task</a:t>
+                      </a:r>
+                      <a:endParaRPr lang="en-US" sz="2400" dirty="0"/>
+                    </a:p>
+                  </a:txBody>
+                  <a:tcPr/>
+                </a:tc>
+                <a:tc>
+                  <a:txBody>
+                    <a:bodyPr/>
+                    <a:lstStyle/>
+                    <a:p>
+                      <a:r>
+                        <a:rPr lang="en-US" sz="2400" dirty="0" smtClean="0"/>
+                        <a:t>Chad</a:t>
+                      </a:r>
+                      <a:endParaRPr lang="en-US" sz="2400" dirty="0"/>
+                    </a:p>
+                  </a:txBody>
+                  <a:tcPr/>
+                </a:tc>
+                <a:tc>
+                  <a:txBody>
+                    <a:bodyPr/>
+                    <a:lstStyle/>
+                    <a:p>
+                      <a:r>
+                        <a:rPr lang="en-US" sz="2400" dirty="0" smtClean="0"/>
+                        <a:t>Ken</a:t>
+                      </a:r>
+                      <a:endParaRPr lang="en-US" sz="2400" dirty="0"/>
+                    </a:p>
+                  </a:txBody>
+                  <a:tcPr/>
+                </a:tc>
+                <a:tc>
+                  <a:txBody>
+                    <a:bodyPr/>
+                    <a:lstStyle/>
+                    <a:p>
+                      <a:r>
+                        <a:rPr lang="en-US" sz="2400" dirty="0" smtClean="0"/>
+                        <a:t>Chris</a:t>
+                      </a:r>
+                      <a:endParaRPr lang="en-US" sz="2400" dirty="0"/>
+                    </a:p>
+                  </a:txBody>
+                  <a:tcPr/>
+                </a:tc>
+                <a:tc>
+                  <a:txBody>
+                    <a:bodyPr/>
+                    <a:lstStyle/>
+                    <a:p>
+                      <a:r>
+                        <a:rPr lang="en-US" sz="2400" dirty="0" smtClean="0"/>
+                        <a:t>Zach</a:t>
+                      </a:r>
+                      <a:endParaRPr lang="en-US" sz="2400" dirty="0"/>
+                    </a:p>
+                  </a:txBody>
+                  <a:tcPr/>
+                </a:tc>
+              </a:tr>
+              <a:tr h="1102505">
+                <a:tc>
+                  <a:txBody>
+                    <a:bodyPr/>
+                    <a:lstStyle/>
+                    <a:p>
+                      <a:pPr marL="0" marR="0" indent="0" algn="l" defTabSz="914400" rtl="0" eaLnBrk="1" fontAlgn="auto" latinLnBrk="0" hangingPunct="1">
+                        <a:lnSpc>
+                          <a:spcPct val="100000"/>
+                        </a:lnSpc>
+                        <a:spcBef>
+                          <a:spcPts val="0"/>
+                        </a:spcBef>
+                        <a:spcAft>
+                          <a:spcPts val="0"/>
+                        </a:spcAft>
+                        <a:buClrTx/>
+                        <a:buSzTx/>
+                        <a:buFontTx/>
+                        <a:buNone/>
+                        <a:tabLst/>
+                        <a:defRPr/>
+                      </a:pPr>
+                      <a:r>
+                        <a:rPr kumimoji="0" lang="en-US" sz="1400" kern="1200" dirty="0" smtClean="0">
+                          <a:solidFill>
+                            <a:schemeClr val="dk1"/>
+                          </a:solidFill>
+                          <a:latin typeface="+mn-lt"/>
+                          <a:ea typeface="+mn-ea"/>
+                          <a:cs typeface="+mn-cs"/>
+                        </a:rPr>
+                        <a:t>Parsing the</a:t>
+                      </a:r>
+                      <a:r>
+                        <a:rPr kumimoji="0" lang="en-US" sz="1400" kern="1200" baseline="0" dirty="0" smtClean="0">
+                          <a:solidFill>
+                            <a:schemeClr val="dk1"/>
+                          </a:solidFill>
+                          <a:latin typeface="+mn-lt"/>
+                          <a:ea typeface="+mn-ea"/>
+                          <a:cs typeface="+mn-cs"/>
+                        </a:rPr>
+                        <a:t> Database information</a:t>
+                      </a:r>
+                      <a:endParaRPr kumimoji="0" lang="en-US" sz="1400" kern="1200" dirty="0" smtClean="0">
+                        <a:solidFill>
+                          <a:schemeClr val="dk1"/>
+                        </a:solidFill>
+                        <a:latin typeface="+mn-lt"/>
+                        <a:ea typeface="+mn-ea"/>
+                        <a:cs typeface="+mn-cs"/>
+                      </a:endParaRPr>
+                    </a:p>
+                    <a:p>
+                      <a:endParaRPr lang="en-US" dirty="0"/>
+                    </a:p>
+                  </a:txBody>
+                  <a:tcPr/>
+                </a:tc>
+                <a:tc>
+                  <a:txBody>
+                    <a:bodyPr/>
+                    <a:lstStyle/>
+                    <a:p>
+                      <a:pPr algn="ctr"/>
+                      <a:r>
+                        <a:rPr lang="en-US" dirty="0" smtClean="0"/>
+                        <a:t>-</a:t>
+                      </a:r>
+                      <a:endParaRPr lang="en-US" dirty="0"/>
+                    </a:p>
+                  </a:txBody>
+                  <a:tcPr/>
+                </a:tc>
+                <a:tc>
+                  <a:txBody>
+                    <a:bodyPr/>
+                    <a:lstStyle/>
+                    <a:p>
+                      <a:pPr marL="0" marR="0" indent="0" algn="ctr" defTabSz="914400" rtl="0" eaLnBrk="1" fontAlgn="auto" latinLnBrk="0" hangingPunct="1">
+                        <a:lnSpc>
+                          <a:spcPct val="100000"/>
+                        </a:lnSpc>
+                        <a:spcBef>
+                          <a:spcPts val="0"/>
+                        </a:spcBef>
+                        <a:spcAft>
+                          <a:spcPts val="0"/>
+                        </a:spcAft>
+                        <a:buClrTx/>
+                        <a:buSzTx/>
+                        <a:buFontTx/>
+                        <a:buNone/>
+                        <a:tabLst/>
+                        <a:defRPr/>
+                      </a:pPr>
+                      <a:r>
+                        <a:rPr lang="en-US" dirty="0" smtClean="0"/>
+                        <a:t>50%</a:t>
+                      </a:r>
+                      <a:endParaRPr lang="en-US" dirty="0" smtClean="0"/>
+                    </a:p>
+                    <a:p>
+                      <a:pPr algn="ctr"/>
+                      <a:endParaRPr lang="en-US" dirty="0"/>
+                    </a:p>
+                  </a:txBody>
+                  <a:tcPr/>
+                </a:tc>
+                <a:tc>
+                  <a:txBody>
+                    <a:bodyPr/>
+                    <a:lstStyle/>
+                    <a:p>
+                      <a:pPr marL="0" marR="0" indent="0" algn="ctr" defTabSz="914400" rtl="0" eaLnBrk="1" fontAlgn="auto" latinLnBrk="0" hangingPunct="1">
+                        <a:lnSpc>
+                          <a:spcPct val="100000"/>
+                        </a:lnSpc>
+                        <a:spcBef>
+                          <a:spcPts val="0"/>
+                        </a:spcBef>
+                        <a:spcAft>
+                          <a:spcPts val="0"/>
+                        </a:spcAft>
+                        <a:buClrTx/>
+                        <a:buSzTx/>
+                        <a:buFontTx/>
+                        <a:buNone/>
+                        <a:tabLst/>
+                        <a:defRPr/>
+                      </a:pPr>
+                      <a:r>
+                        <a:rPr lang="en-US" dirty="0" smtClean="0"/>
+                        <a:t>50%</a:t>
+                      </a:r>
+                      <a:endParaRPr lang="en-US" dirty="0" smtClean="0"/>
+                    </a:p>
+                    <a:p>
+                      <a:pPr algn="ctr"/>
+                      <a:endParaRPr lang="en-US" dirty="0"/>
+                    </a:p>
+                  </a:txBody>
+                  <a:tcPr/>
+                </a:tc>
+                <a:tc>
+                  <a:txBody>
+                    <a:bodyPr/>
+                    <a:lstStyle/>
+                    <a:p>
+                      <a:pPr marL="0" marR="0" indent="0" algn="ctr" defTabSz="914400" rtl="0" eaLnBrk="1" fontAlgn="auto" latinLnBrk="0" hangingPunct="1">
+                        <a:lnSpc>
+                          <a:spcPct val="100000"/>
+                        </a:lnSpc>
+                        <a:spcBef>
+                          <a:spcPts val="0"/>
+                        </a:spcBef>
+                        <a:spcAft>
+                          <a:spcPts val="0"/>
+                        </a:spcAft>
+                        <a:buClrTx/>
+                        <a:buSzTx/>
+                        <a:buFontTx/>
+                        <a:buNone/>
+                        <a:tabLst/>
+                        <a:defRPr/>
+                      </a:pPr>
+                      <a:r>
+                        <a:rPr lang="en-US" dirty="0" smtClean="0"/>
+                        <a:t>-</a:t>
+                      </a:r>
+                      <a:endParaRPr lang="en-US" dirty="0" smtClean="0"/>
+                    </a:p>
+                    <a:p>
+                      <a:pPr algn="ctr"/>
+                      <a:endParaRPr lang="en-US" dirty="0"/>
+                    </a:p>
+                  </a:txBody>
+                  <a:tcPr/>
+                </a:tc>
+              </a:tr>
+              <a:tr h="1102505">
+                <a:tc>
+                  <a:txBody>
+                    <a:bodyPr/>
+                    <a:lstStyle/>
+                    <a:p>
+                      <a:pPr marL="0" marR="0" indent="0" algn="l" defTabSz="914400" rtl="0" eaLnBrk="1" fontAlgn="auto" latinLnBrk="0" hangingPunct="1">
+                        <a:lnSpc>
+                          <a:spcPct val="100000"/>
+                        </a:lnSpc>
+                        <a:spcBef>
+                          <a:spcPts val="0"/>
+                        </a:spcBef>
+                        <a:spcAft>
+                          <a:spcPts val="0"/>
+                        </a:spcAft>
+                        <a:buClrTx/>
+                        <a:buSzTx/>
+                        <a:buFontTx/>
+                        <a:buNone/>
+                        <a:tabLst/>
+                        <a:defRPr/>
+                      </a:pPr>
+                      <a:r>
+                        <a:rPr kumimoji="0" lang="en-US" sz="1400" kern="1200" dirty="0" smtClean="0">
+                          <a:solidFill>
+                            <a:schemeClr val="dk1"/>
+                          </a:solidFill>
+                          <a:latin typeface="+mn-lt"/>
+                          <a:ea typeface="+mn-ea"/>
+                          <a:cs typeface="+mn-cs"/>
+                        </a:rPr>
+                        <a:t>Do a GUI Mockup and</a:t>
+                      </a:r>
+                      <a:r>
+                        <a:rPr kumimoji="0" lang="en-US" sz="1400" kern="1200" baseline="0" dirty="0" smtClean="0">
+                          <a:solidFill>
+                            <a:schemeClr val="dk1"/>
+                          </a:solidFill>
+                          <a:latin typeface="+mn-lt"/>
+                          <a:ea typeface="+mn-ea"/>
+                          <a:cs typeface="+mn-cs"/>
+                        </a:rPr>
+                        <a:t> present to GE</a:t>
+                      </a:r>
+                      <a:endParaRPr kumimoji="0" lang="en-US" sz="1400" kern="1200" dirty="0" smtClean="0">
+                        <a:solidFill>
+                          <a:schemeClr val="dk1"/>
+                        </a:solidFill>
+                        <a:latin typeface="+mn-lt"/>
+                        <a:ea typeface="+mn-ea"/>
+                        <a:cs typeface="+mn-cs"/>
+                      </a:endParaRPr>
+                    </a:p>
+                    <a:p>
+                      <a:endParaRPr lang="en-US" dirty="0"/>
+                    </a:p>
+                  </a:txBody>
+                  <a:tcPr/>
+                </a:tc>
+                <a:tc>
+                  <a:txBody>
+                    <a:bodyPr/>
+                    <a:lstStyle/>
+                    <a:p>
+                      <a:pPr marL="0" marR="0" indent="0" algn="ctr" defTabSz="914400" rtl="0" eaLnBrk="1" fontAlgn="auto" latinLnBrk="0" hangingPunct="1">
+                        <a:lnSpc>
+                          <a:spcPct val="100000"/>
+                        </a:lnSpc>
+                        <a:spcBef>
+                          <a:spcPts val="0"/>
+                        </a:spcBef>
+                        <a:spcAft>
+                          <a:spcPts val="0"/>
+                        </a:spcAft>
+                        <a:buClrTx/>
+                        <a:buSzTx/>
+                        <a:buFontTx/>
+                        <a:buNone/>
+                        <a:tabLst/>
+                        <a:defRPr/>
+                      </a:pPr>
+                      <a:r>
+                        <a:rPr lang="en-US" dirty="0" smtClean="0"/>
+                        <a:t>50%</a:t>
+                      </a:r>
+                      <a:endParaRPr lang="en-US" dirty="0" smtClean="0"/>
+                    </a:p>
+                    <a:p>
+                      <a:pPr algn="ctr"/>
+                      <a:endParaRPr lang="en-US" dirty="0"/>
+                    </a:p>
+                  </a:txBody>
+                  <a:tcPr/>
+                </a:tc>
+                <a:tc>
+                  <a:txBody>
+                    <a:bodyPr/>
+                    <a:lstStyle/>
+                    <a:p>
+                      <a:pPr marL="0" marR="0" indent="0" algn="ctr" defTabSz="914400" rtl="0" eaLnBrk="1" fontAlgn="auto" latinLnBrk="0" hangingPunct="1">
+                        <a:lnSpc>
+                          <a:spcPct val="100000"/>
+                        </a:lnSpc>
+                        <a:spcBef>
+                          <a:spcPts val="0"/>
+                        </a:spcBef>
+                        <a:spcAft>
+                          <a:spcPts val="0"/>
+                        </a:spcAft>
+                        <a:buClrTx/>
+                        <a:buSzTx/>
+                        <a:buFontTx/>
+                        <a:buNone/>
+                        <a:tabLst/>
+                        <a:defRPr/>
+                      </a:pPr>
+                      <a:r>
+                        <a:rPr lang="en-US" dirty="0" smtClean="0"/>
+                        <a:t>-</a:t>
+                      </a:r>
+                      <a:endParaRPr lang="en-US" dirty="0" smtClean="0"/>
+                    </a:p>
+                    <a:p>
+                      <a:pPr algn="ctr"/>
+                      <a:endParaRPr lang="en-US" dirty="0"/>
+                    </a:p>
+                  </a:txBody>
+                  <a:tcPr/>
+                </a:tc>
+                <a:tc>
+                  <a:txBody>
+                    <a:bodyPr/>
+                    <a:lstStyle/>
+                    <a:p>
+                      <a:pPr marL="0" marR="0" indent="0" algn="ctr" defTabSz="914400" rtl="0" eaLnBrk="1" fontAlgn="auto" latinLnBrk="0" hangingPunct="1">
+                        <a:lnSpc>
+                          <a:spcPct val="100000"/>
+                        </a:lnSpc>
+                        <a:spcBef>
+                          <a:spcPts val="0"/>
+                        </a:spcBef>
+                        <a:spcAft>
+                          <a:spcPts val="0"/>
+                        </a:spcAft>
+                        <a:buClrTx/>
+                        <a:buSzTx/>
+                        <a:buFontTx/>
+                        <a:buNone/>
+                        <a:tabLst/>
+                        <a:defRPr/>
+                      </a:pPr>
+                      <a:r>
+                        <a:rPr lang="en-US" dirty="0" smtClean="0"/>
+                        <a:t>-</a:t>
+                      </a:r>
+                      <a:endParaRPr lang="en-US" dirty="0" smtClean="0"/>
+                    </a:p>
+                    <a:p>
+                      <a:pPr algn="ctr"/>
+                      <a:endParaRPr lang="en-US" dirty="0"/>
+                    </a:p>
+                  </a:txBody>
+                  <a:tcPr/>
+                </a:tc>
+                <a:tc>
+                  <a:txBody>
+                    <a:bodyPr/>
+                    <a:lstStyle/>
+                    <a:p>
+                      <a:pPr marL="0" marR="0" indent="0" algn="ctr" defTabSz="914400" rtl="0" eaLnBrk="1" fontAlgn="auto" latinLnBrk="0" hangingPunct="1">
+                        <a:lnSpc>
+                          <a:spcPct val="100000"/>
+                        </a:lnSpc>
+                        <a:spcBef>
+                          <a:spcPts val="0"/>
+                        </a:spcBef>
+                        <a:spcAft>
+                          <a:spcPts val="0"/>
+                        </a:spcAft>
+                        <a:buClrTx/>
+                        <a:buSzTx/>
+                        <a:buFontTx/>
+                        <a:buNone/>
+                        <a:tabLst/>
+                        <a:defRPr/>
+                      </a:pPr>
+                      <a:r>
+                        <a:rPr lang="en-US" dirty="0" smtClean="0"/>
+                        <a:t>50%</a:t>
+                      </a:r>
+                      <a:endParaRPr lang="en-US" dirty="0" smtClean="0"/>
+                    </a:p>
+                    <a:p>
+                      <a:pPr algn="ctr"/>
+                      <a:endParaRPr lang="en-US" dirty="0"/>
+                    </a:p>
+                  </a:txBody>
+                  <a:tcPr/>
+                </a:tc>
+              </a:tr>
+            </a:tbl>
+          </a:graphicData>
+        </a:graphic>
+      </p:graphicFrame>
     </p:spTree>
   </p:cSld>
   <p:clrMapOvr>
@@ -3082,9 +5924,9 @@
 </file>
 
 <file path=ppt/theme/theme1.xml><?xml version="1.0" encoding="utf-8"?>
-<a:theme xmlns:a="http://schemas.openxmlformats.org/drawingml/2006/main" name="Office Theme">
+<a:theme xmlns:a="http://schemas.openxmlformats.org/drawingml/2006/main" name="Apex">
   <a:themeElements>
-    <a:clrScheme name="Office">
+    <a:clrScheme name="Apex">
       <a:dk1>
         <a:sysClr val="windowText" lastClr="000000"/>
       </a:dk1>
@@ -3092,48 +5934,86 @@
         <a:sysClr val="window" lastClr="FFFFFF"/>
       </a:lt1>
       <a:dk2>
-        <a:srgbClr val="1F497D"/>
+        <a:srgbClr val="69676D"/>
       </a:dk2>
       <a:lt2>
-        <a:srgbClr val="EEECE1"/>
+        <a:srgbClr val="C9C2D1"/>
       </a:lt2>
       <a:accent1>
-        <a:srgbClr val="4F81BD"/>
+        <a:srgbClr val="CEB966"/>
       </a:accent1>
       <a:accent2>
-        <a:srgbClr val="C0504D"/>
+        <a:srgbClr val="9CB084"/>
       </a:accent2>
       <a:accent3>
-        <a:srgbClr val="9BBB59"/>
+        <a:srgbClr val="6BB1C9"/>
       </a:accent3>
       <a:accent4>
-        <a:srgbClr val="8064A2"/>
+        <a:srgbClr val="6585CF"/>
       </a:accent4>
       <a:accent5>
-        <a:srgbClr val="4BACC6"/>
+        <a:srgbClr val="7E6BC9"/>
       </a:accent5>
       <a:accent6>
-        <a:srgbClr val="F79646"/>
+        <a:srgbClr val="A379BB"/>
       </a:accent6>
       <a:hlink>
-        <a:srgbClr val="0000FF"/>
+        <a:srgbClr val="410082"/>
       </a:hlink>
       <a:folHlink>
-        <a:srgbClr val="800080"/>
+        <a:srgbClr val="932968"/>
       </a:folHlink>
     </a:clrScheme>
-    <a:fontScheme name="Office">
+    <a:fontScheme name="Apex">
       <a:majorFont>
-        <a:latin typeface="Calibri"/>
+        <a:latin typeface="Lucida Sans"/>
         <a:ea typeface=""/>
         <a:cs typeface=""/>
-        <a:font script="Jpan" typeface="ＭＳ Ｐゴシック"/>
-        <a:font script="Hang" typeface="맑은 고딕"/>
+        <a:font script="Grek" typeface="Arial"/>
+        <a:font script="Cyrl" typeface="Arial"/>
+        <a:font script="Jpan" typeface="HG丸ｺﾞｼｯｸM-PRO"/>
+        <a:font script="Hang" typeface="휴먼옛체"/>
+        <a:font script="Hans" typeface="黑体"/>
+        <a:font script="Hant" typeface="微軟正黑體"/>
+        <a:font script="Arab" typeface="Tahoma"/>
+        <a:font script="Hebr" typeface="Levenim MT"/>
+        <a:font script="Thai" typeface="FreesiaUPC"/>
+        <a:font script="Ethi" typeface="Nyala"/>
+        <a:font script="Beng" typeface="Vrinda"/>
+        <a:font script="Gujr" typeface="Shruti"/>
+        <a:font script="Khmr" typeface="DaunPenh"/>
+        <a:font script="Knda" typeface="Tunga"/>
+        <a:font script="Guru" typeface="Raavi"/>
+        <a:font script="Cans" typeface="Euphemia"/>
+        <a:font script="Cher" typeface="Plantagenet Cherokee"/>
+        <a:font script="Yiii" typeface="Microsoft Yi Baiti"/>
+        <a:font script="Tibt" typeface="Microsoft Himalaya"/>
+        <a:font script="Thaa" typeface="MV Boli"/>
+        <a:font script="Deva" typeface="Mangal"/>
+        <a:font script="Telu" typeface="Gautami"/>
+        <a:font script="Taml" typeface="Latha"/>
+        <a:font script="Syrc" typeface="Estrangelo Edessa"/>
+        <a:font script="Orya" typeface="Kalinga"/>
+        <a:font script="Mlym" typeface="Kartika"/>
+        <a:font script="Laoo" typeface="DokChampa"/>
+        <a:font script="Sinh" typeface="Iskoola Pota"/>
+        <a:font script="Mong" typeface="Mongolian Baiti"/>
+        <a:font script="Viet" typeface="Tahoma"/>
+        <a:font script="Uigh" typeface="Microsoft Uighur"/>
+      </a:majorFont>
+      <a:minorFont>
+        <a:latin typeface="Book Antiqua"/>
+        <a:ea typeface=""/>
+        <a:cs typeface=""/>
+        <a:font script="Grek" typeface="Times New Roman"/>
+        <a:font script="Cyrl" typeface="Times New Roman"/>
+        <a:font script="Jpan" typeface="HG明朝B"/>
+        <a:font script="Hang" typeface="돋움"/>
         <a:font script="Hans" typeface="宋体"/>
         <a:font script="Hant" typeface="新細明體"/>
         <a:font script="Arab" typeface="Times New Roman"/>
-        <a:font script="Hebr" typeface="Times New Roman"/>
-        <a:font script="Thai" typeface="Angsana New"/>
+        <a:font script="Hebr" typeface="David"/>
+        <a:font script="Thai" typeface="EucrosiaUPC"/>
         <a:font script="Ethi" typeface="Nyala"/>
         <a:font script="Beng" typeface="Vrinda"/>
         <a:font script="Gujr" typeface="Shruti"/>
@@ -3156,100 +6036,75 @@
         <a:font script="Mong" typeface="Mongolian Baiti"/>
         <a:font script="Viet" typeface="Times New Roman"/>
         <a:font script="Uigh" typeface="Microsoft Uighur"/>
-      </a:majorFont>
-      <a:minorFont>
-        <a:latin typeface="Calibri"/>
-        <a:ea typeface=""/>
-        <a:cs typeface=""/>
-        <a:font script="Jpan" typeface="ＭＳ Ｐゴシック"/>
-        <a:font script="Hang" typeface="맑은 고딕"/>
-        <a:font script="Hans" typeface="宋体"/>
-        <a:font script="Hant" typeface="新細明體"/>
-        <a:font script="Arab" typeface="Arial"/>
-        <a:font script="Hebr" typeface="Arial"/>
-        <a:font script="Thai" typeface="Cordia New"/>
-        <a:font script="Ethi" typeface="Nyala"/>
-        <a:font script="Beng" typeface="Vrinda"/>
-        <a:font script="Gujr" typeface="Shruti"/>
-        <a:font script="Khmr" typeface="DaunPenh"/>
-        <a:font script="Knda" typeface="Tunga"/>
-        <a:font script="Guru" typeface="Raavi"/>
-        <a:font script="Cans" typeface="Euphemia"/>
-        <a:font script="Cher" typeface="Plantagenet Cherokee"/>
-        <a:font script="Yiii" typeface="Microsoft Yi Baiti"/>
-        <a:font script="Tibt" typeface="Microsoft Himalaya"/>
-        <a:font script="Thaa" typeface="MV Boli"/>
-        <a:font script="Deva" typeface="Mangal"/>
-        <a:font script="Telu" typeface="Gautami"/>
-        <a:font script="Taml" typeface="Latha"/>
-        <a:font script="Syrc" typeface="Estrangelo Edessa"/>
-        <a:font script="Orya" typeface="Kalinga"/>
-        <a:font script="Mlym" typeface="Kartika"/>
-        <a:font script="Laoo" typeface="DokChampa"/>
-        <a:font script="Sinh" typeface="Iskoola Pota"/>
-        <a:font script="Mong" typeface="Mongolian Baiti"/>
-        <a:font script="Viet" typeface="Arial"/>
-        <a:font script="Uigh" typeface="Microsoft Uighur"/>
       </a:minorFont>
     </a:fontScheme>
-    <a:fmtScheme name="Office">
+    <a:fmtScheme name="Apex">
       <a:fillStyleLst>
         <a:solidFill>
           <a:schemeClr val="phClr"/>
         </a:solidFill>
         <a:gradFill rotWithShape="1">
           <a:gsLst>
-            <a:gs pos="0">
+            <a:gs pos="20000">
               <a:schemeClr val="phClr">
-                <a:tint val="50000"/>
-                <a:satMod val="300000"/>
-              </a:schemeClr>
-            </a:gs>
-            <a:gs pos="35000">
-              <a:schemeClr val="phClr">
-                <a:tint val="37000"/>
-                <a:satMod val="300000"/>
+                <a:tint val="9000"/>
               </a:schemeClr>
             </a:gs>
             <a:gs pos="100000">
               <a:schemeClr val="phClr">
-                <a:tint val="15000"/>
-                <a:satMod val="350000"/>
+                <a:tint val="70000"/>
+                <a:satMod val="100000"/>
               </a:schemeClr>
             </a:gs>
           </a:gsLst>
-          <a:lin ang="16200000" scaled="1"/>
+          <a:path path="circle">
+            <a:fillToRect l="-15000" t="-15000" r="115000" b="115000"/>
+          </a:path>
         </a:gradFill>
         <a:gradFill rotWithShape="1">
           <a:gsLst>
             <a:gs pos="0">
               <a:schemeClr val="phClr">
-                <a:shade val="51000"/>
-                <a:satMod val="130000"/>
+                <a:shade val="60000"/>
               </a:schemeClr>
             </a:gs>
-            <a:gs pos="80000">
+            <a:gs pos="33000">
               <a:schemeClr val="phClr">
-                <a:shade val="93000"/>
-                <a:satMod val="130000"/>
+                <a:tint val="86500"/>
+              </a:schemeClr>
+            </a:gs>
+            <a:gs pos="46750">
+              <a:schemeClr val="phClr">
+                <a:tint val="71000"/>
+                <a:satMod val="112000"/>
+              </a:schemeClr>
+            </a:gs>
+            <a:gs pos="53000">
+              <a:schemeClr val="phClr">
+                <a:tint val="71000"/>
+                <a:satMod val="112000"/>
+              </a:schemeClr>
+            </a:gs>
+            <a:gs pos="68000">
+              <a:schemeClr val="phClr">
+                <a:tint val="86000"/>
               </a:schemeClr>
             </a:gs>
             <a:gs pos="100000">
               <a:schemeClr val="phClr">
-                <a:shade val="94000"/>
-                <a:satMod val="135000"/>
+                <a:shade val="60000"/>
               </a:schemeClr>
             </a:gs>
           </a:gsLst>
-          <a:lin ang="16200000" scaled="0"/>
+          <a:lin ang="8350000" scaled="1"/>
         </a:gradFill>
       </a:fillStyleLst>
       <a:lnStyleLst>
         <a:ln w="9525" cap="flat" cmpd="sng" algn="ctr">
           <a:solidFill>
             <a:schemeClr val="phClr">
-              <a:shade val="95000"/>
-              <a:satMod val="105000"/>
+              <a:shade val="48000"/>
+              <a:satMod val="110000"/>
             </a:schemeClr>
           </a:solidFill>
           <a:prstDash val="solid"/>
@@ -3270,16 +6125,7 @@
       <a:effectStyleLst>
         <a:effectStyle>
           <a:effectLst>
-            <a:outerShdw blurRad="40000" dist="20000" dir="5400000" rotWithShape="0">
-              <a:srgbClr val="000000">
-                <a:alpha val="38000"/>
-              </a:srgbClr>
-            </a:outerShdw>
-          </a:effectLst>
-        </a:effectStyle>
-        <a:effectStyle>
-          <a:effectLst>
-            <a:outerShdw blurRad="40000" dist="23000" dir="5400000" rotWithShape="0">
+            <a:outerShdw blurRad="130000" dist="101600" dir="2700000" algn="tl" rotWithShape="0">
               <a:srgbClr val="000000">
                 <a:alpha val="35000"/>
               </a:srgbClr>
@@ -3288,22 +6134,31 @@
         </a:effectStyle>
         <a:effectStyle>
           <a:effectLst>
-            <a:outerShdw blurRad="40000" dist="23000" dir="5400000" rotWithShape="0">
+            <a:outerShdw blurRad="190500" dist="228600" dir="2700000" sy="90000" rotWithShape="0">
               <a:srgbClr val="000000">
-                <a:alpha val="35000"/>
+                <a:alpha val="25500"/>
+              </a:srgbClr>
+            </a:outerShdw>
+          </a:effectLst>
+        </a:effectStyle>
+        <a:effectStyle>
+          <a:effectLst>
+            <a:outerShdw blurRad="190500" dist="228600" dir="2700000" sy="90000" rotWithShape="0">
+              <a:srgbClr val="000000">
+                <a:alpha val="25500"/>
               </a:srgbClr>
             </a:outerShdw>
           </a:effectLst>
           <a:scene3d>
-            <a:camera prst="orthographicFront">
+            <a:camera prst="orthographicFront" fov="0">
               <a:rot lat="0" lon="0" rev="0"/>
             </a:camera>
-            <a:lightRig rig="threePt" dir="t">
-              <a:rot lat="0" lon="0" rev="1200000"/>
+            <a:lightRig rig="soft" dir="tl">
+              <a:rot lat="0" lon="0" rev="20100000"/>
             </a:lightRig>
           </a:scene3d>
           <a:sp3d>
-            <a:bevelT w="63500" h="25400"/>
+            <a:bevelT w="50800" h="50800"/>
           </a:sp3d>
         </a:effectStyle>
       </a:effectStyleLst>
@@ -3315,47 +6170,38 @@
           <a:gsLst>
             <a:gs pos="0">
               <a:schemeClr val="phClr">
-                <a:tint val="40000"/>
-                <a:satMod val="350000"/>
-              </a:schemeClr>
-            </a:gs>
-            <a:gs pos="40000">
-              <a:schemeClr val="phClr">
-                <a:tint val="45000"/>
-                <a:shade val="99000"/>
-                <a:satMod val="350000"/>
+                <a:tint val="50000"/>
+                <a:satMod val="180000"/>
               </a:schemeClr>
             </a:gs>
             <a:gs pos="100000">
               <a:schemeClr val="phClr">
-                <a:shade val="20000"/>
-                <a:satMod val="255000"/>
+                <a:shade val="45000"/>
+                <a:satMod val="120000"/>
               </a:schemeClr>
             </a:gs>
           </a:gsLst>
           <a:path path="circle">
-            <a:fillToRect l="50000" t="-80000" r="50000" b="180000"/>
+            <a:fillToRect r="100000" b="100000"/>
           </a:path>
         </a:gradFill>
-        <a:gradFill rotWithShape="1">
-          <a:gsLst>
-            <a:gs pos="0">
+        <a:blipFill>
+          <a:blip xmlns:r="http://schemas.openxmlformats.org/officeDocument/2006/relationships" r:embed="rId1">
+            <a:duotone>
               <a:schemeClr val="phClr">
-                <a:tint val="80000"/>
-                <a:satMod val="300000"/>
+                <a:shade val="3000"/>
+                <a:satMod val="110000"/>
               </a:schemeClr>
-            </a:gs>
-            <a:gs pos="100000">
               <a:schemeClr val="phClr">
-                <a:shade val="30000"/>
-                <a:satMod val="200000"/>
+                <a:tint val="60000"/>
+                <a:satMod val="425000"/>
               </a:schemeClr>
-            </a:gs>
-          </a:gsLst>
-          <a:path path="circle">
-            <a:fillToRect l="50000" t="50000" r="50000" b="50000"/>
-          </a:path>
-        </a:gradFill>
+            </a:duotone>
+          </a:blip>
+          <a:stretch>
+            <a:fillRect/>
+          </a:stretch>
+        </a:blipFill>
       </a:bgFillStyleLst>
     </a:fmtScheme>
   </a:themeElements>
